--- a/null-meet-pune-dec-2016-Ransomware-3E.pptx
+++ b/null-meet-pune-dec-2016-Ransomware-3E.pptx
@@ -218,7 +218,7 @@
           <a:p>
             <a:fld id="{680DE2AD-41C3-4D87-B3E1-7AC692774CB3}" type="datetimeFigureOut">
               <a:rPr lang="en-US" smtClean="0"/>
-              <a:t>06/12/2016</a:t>
+              <a:t>07/12/2016</a:t>
             </a:fld>
             <a:endParaRPr lang="en-US"/>
           </a:p>
@@ -778,13 +778,8 @@
           <a:p>
             <a:r>
               <a:rPr lang="en-US" baseline="0" dirty="0" smtClean="0"/>
-              <a:t>Random </a:t>
-            </a:r>
-            <a:r>
-              <a:rPr lang="en-US" baseline="0" dirty="0" smtClean="0"/>
-              <a:t>extensions.</a:t>
-            </a:r>
-            <a:endParaRPr lang="en-US" baseline="0" dirty="0" smtClean="0"/>
+              <a:t>Random extensions.</a:t>
+            </a:r>
           </a:p>
           <a:p>
             <a:endParaRPr lang="en-US" baseline="0" dirty="0" smtClean="0"/>
@@ -1177,11 +1172,7 @@
             </a:r>
             <a:r>
               <a:rPr lang="en-US" baseline="0" dirty="0" smtClean="0"/>
-              <a:t> tool to facilitate Ransom</a:t>
-            </a:r>
-            <a:r>
-              <a:rPr lang="en-US" baseline="0" dirty="0" smtClean="0"/>
-              <a:t>.</a:t>
+              <a:t> tool to facilitate Ransom.</a:t>
             </a:r>
           </a:p>
           <a:p>
@@ -1192,7 +1183,6 @@
               <a:rPr lang="en-US" baseline="0" dirty="0" smtClean="0"/>
               <a:t>F-s0ciety</a:t>
             </a:r>
-            <a:endParaRPr lang="en-US" baseline="0" dirty="0" smtClean="0"/>
           </a:p>
           <a:p>
             <a:endParaRPr lang="en-US" baseline="0" dirty="0" smtClean="0"/>
@@ -2229,7 +2219,7 @@
             <a:fld id="{B61BEF0D-F0BB-DE4B-95CE-6DB70DBA9567}" type="datetimeFigureOut">
               <a:rPr lang="en-US" smtClean="0"/>
               <a:pPr/>
-              <a:t>06/12/2016</a:t>
+              <a:t>07/12/2016</a:t>
             </a:fld>
             <a:endParaRPr lang="en-US" dirty="0"/>
           </a:p>
@@ -2408,7 +2398,7 @@
             <a:fld id="{B61BEF0D-F0BB-DE4B-95CE-6DB70DBA9567}" type="datetimeFigureOut">
               <a:rPr lang="en-US" smtClean="0"/>
               <a:pPr/>
-              <a:t>06/12/2016</a:t>
+              <a:t>07/12/2016</a:t>
             </a:fld>
             <a:endParaRPr lang="en-US" dirty="0"/>
           </a:p>
@@ -2590,7 +2580,7 @@
             <a:fld id="{B61BEF0D-F0BB-DE4B-95CE-6DB70DBA9567}" type="datetimeFigureOut">
               <a:rPr lang="en-US" smtClean="0"/>
               <a:pPr/>
-              <a:t>06/12/2016</a:t>
+              <a:t>07/12/2016</a:t>
             </a:fld>
             <a:endParaRPr lang="en-US" dirty="0"/>
           </a:p>
@@ -2762,7 +2752,7 @@
             <a:fld id="{B61BEF0D-F0BB-DE4B-95CE-6DB70DBA9567}" type="datetimeFigureOut">
               <a:rPr lang="en-US" smtClean="0"/>
               <a:pPr/>
-              <a:t>06/12/2016</a:t>
+              <a:t>07/12/2016</a:t>
             </a:fld>
             <a:endParaRPr lang="en-US" dirty="0"/>
           </a:p>
@@ -3015,7 +3005,7 @@
             <a:fld id="{B61BEF0D-F0BB-DE4B-95CE-6DB70DBA9567}" type="datetimeFigureOut">
               <a:rPr lang="en-US" smtClean="0"/>
               <a:pPr/>
-              <a:t>06/12/2016</a:t>
+              <a:t>07/12/2016</a:t>
             </a:fld>
             <a:endParaRPr lang="en-US" dirty="0"/>
           </a:p>
@@ -3249,7 +3239,7 @@
             <a:fld id="{B61BEF0D-F0BB-DE4B-95CE-6DB70DBA9567}" type="datetimeFigureOut">
               <a:rPr lang="en-US" smtClean="0"/>
               <a:pPr/>
-              <a:t>06/12/2016</a:t>
+              <a:t>07/12/2016</a:t>
             </a:fld>
             <a:endParaRPr lang="en-US" dirty="0"/>
           </a:p>
@@ -3618,7 +3608,7 @@
             <a:fld id="{B61BEF0D-F0BB-DE4B-95CE-6DB70DBA9567}" type="datetimeFigureOut">
               <a:rPr lang="en-US" smtClean="0"/>
               <a:pPr/>
-              <a:t>06/12/2016</a:t>
+              <a:t>07/12/2016</a:t>
             </a:fld>
             <a:endParaRPr lang="en-US" dirty="0"/>
           </a:p>
@@ -3738,7 +3728,7 @@
             <a:fld id="{B61BEF0D-F0BB-DE4B-95CE-6DB70DBA9567}" type="datetimeFigureOut">
               <a:rPr lang="en-US" smtClean="0"/>
               <a:pPr/>
-              <a:t>06/12/2016</a:t>
+              <a:t>07/12/2016</a:t>
             </a:fld>
             <a:endParaRPr lang="en-US" dirty="0"/>
           </a:p>
@@ -3835,7 +3825,7 @@
             <a:fld id="{B61BEF0D-F0BB-DE4B-95CE-6DB70DBA9567}" type="datetimeFigureOut">
               <a:rPr lang="en-US" smtClean="0"/>
               <a:pPr/>
-              <a:t>06/12/2016</a:t>
+              <a:t>07/12/2016</a:t>
             </a:fld>
             <a:endParaRPr lang="en-US" dirty="0"/>
           </a:p>
@@ -4114,7 +4104,7 @@
             <a:fld id="{B61BEF0D-F0BB-DE4B-95CE-6DB70DBA9567}" type="datetimeFigureOut">
               <a:rPr lang="en-US" smtClean="0"/>
               <a:pPr/>
-              <a:t>06/12/2016</a:t>
+              <a:t>07/12/2016</a:t>
             </a:fld>
             <a:endParaRPr lang="en-US" dirty="0"/>
           </a:p>
@@ -4373,7 +4363,7 @@
             <a:fld id="{B61BEF0D-F0BB-DE4B-95CE-6DB70DBA9567}" type="datetimeFigureOut">
               <a:rPr lang="en-US" smtClean="0"/>
               <a:pPr/>
-              <a:t>06/12/2016</a:t>
+              <a:t>07/12/2016</a:t>
             </a:fld>
             <a:endParaRPr lang="en-US" dirty="0"/>
           </a:p>
@@ -4629,7 +4619,7 @@
             <a:fld id="{B61BEF0D-F0BB-DE4B-95CE-6DB70DBA9567}" type="datetimeFigureOut">
               <a:rPr lang="en-US" smtClean="0"/>
               <a:pPr/>
-              <a:t>06/12/2016</a:t>
+              <a:t>07/12/2016</a:t>
             </a:fld>
             <a:endParaRPr lang="en-US" dirty="0"/>
           </a:p>
@@ -5733,11 +5723,7 @@
             </a:r>
             <a:r>
               <a:rPr lang="en-US" dirty="0" smtClean="0"/>
-              <a:t> </a:t>
-            </a:r>
-            <a:r>
-              <a:rPr lang="en-US" dirty="0" smtClean="0"/>
-              <a:t>: 2013</a:t>
+              <a:t> : 2013</a:t>
             </a:r>
           </a:p>
           <a:p>
@@ -5895,30 +5881,14 @@
             <a:pPr lvl="1"/>
             <a:r>
               <a:rPr lang="en-US" dirty="0" smtClean="0"/>
-              <a:t>Used TOR </a:t>
-            </a:r>
-            <a:r>
-              <a:rPr lang="en-US" dirty="0" smtClean="0"/>
-              <a:t>from </a:t>
-            </a:r>
-            <a:r>
-              <a:rPr lang="en-US" dirty="0" smtClean="0"/>
-              <a:t>v1.0.</a:t>
+              <a:t>Used TOR from v1.0.</a:t>
             </a:r>
           </a:p>
           <a:p>
             <a:pPr lvl="1"/>
             <a:r>
               <a:rPr lang="en-US" dirty="0" smtClean="0"/>
-              <a:t>Distributed </a:t>
-            </a:r>
-            <a:r>
-              <a:rPr lang="en-US" dirty="0" smtClean="0"/>
-              <a:t>via</a:t>
-            </a:r>
-            <a:r>
-              <a:rPr lang="en-US" dirty="0" smtClean="0"/>
-              <a:t> </a:t>
+              <a:t>Distributed via </a:t>
             </a:r>
             <a:r>
               <a:rPr lang="en-US" dirty="0" err="1" smtClean="0"/>
@@ -5957,15 +5927,7 @@
             <a:pPr lvl="1"/>
             <a:r>
               <a:rPr lang="en-US" dirty="0" smtClean="0"/>
-              <a:t>Ransomware for </a:t>
-            </a:r>
-            <a:r>
-              <a:rPr lang="en-US" dirty="0" smtClean="0"/>
-              <a:t>hire</a:t>
-            </a:r>
-            <a:r>
-              <a:rPr lang="en-US" dirty="0" smtClean="0"/>
-              <a:t>.</a:t>
+              <a:t>Ransomware for hire.</a:t>
             </a:r>
           </a:p>
           <a:p>
@@ -6202,15 +6164,7 @@
           <a:effectLst>
             <a:reflection blurRad="12700" stA="38000" endPos="28000" dist="5000" dir="5400000" sy="-100000" algn="bl" rotWithShape="0"/>
           </a:effectLst>
-          <a:extLst>
-            <a:ext uri="{909E8E84-426E-40DD-AFC4-6F175D3DCCD1}">
-              <a14:hiddenFill xmlns:a14="http://schemas.microsoft.com/office/drawing/2010/main">
-                <a:solidFill>
-                  <a:srgbClr val="FFFFFF"/>
-                </a:solidFill>
-              </a14:hiddenFill>
-            </a:ext>
-          </a:extLst>
+          <a:extLst/>
         </p:spPr>
       </p:pic>
     </p:spTree>

--- a/null-meet-pune-dec-2016-Ransomware-3E.pptx
+++ b/null-meet-pune-dec-2016-Ransomware-3E.pptx
@@ -5,7 +5,7 @@
     <p:sldMasterId id="2147483740" r:id="rId1"/>
   </p:sldMasterIdLst>
   <p:notesMasterIdLst>
-    <p:notesMasterId r:id="rId24"/>
+    <p:notesMasterId r:id="rId25"/>
   </p:notesMasterIdLst>
   <p:sldIdLst>
     <p:sldId id="256" r:id="rId2"/>
@@ -30,6 +30,7 @@
     <p:sldId id="277" r:id="rId21"/>
     <p:sldId id="278" r:id="rId22"/>
     <p:sldId id="268" r:id="rId23"/>
+    <p:sldId id="279" r:id="rId24"/>
   </p:sldIdLst>
   <p:sldSz cx="9144000" cy="6858000" type="screen4x3"/>
   <p:notesSz cx="6858000" cy="9144000"/>
@@ -218,7 +219,7 @@
           <a:p>
             <a:fld id="{680DE2AD-41C3-4D87-B3E1-7AC692774CB3}" type="datetimeFigureOut">
               <a:rPr lang="en-US" smtClean="0"/>
-              <a:t>07/12/2016</a:t>
+              <a:t>09/12/2016</a:t>
             </a:fld>
             <a:endParaRPr lang="en-US"/>
           </a:p>
@@ -615,6 +616,28 @@
           <a:lstStyle/>
           <a:p>
             <a:r>
+              <a:rPr lang="en-US" dirty="0" smtClean="0"/>
+              <a:t>Police</a:t>
+            </a:r>
+            <a:r>
+              <a:rPr lang="en-US" baseline="0" dirty="0" smtClean="0"/>
+              <a:t> themed ransomware.</a:t>
+            </a:r>
+          </a:p>
+          <a:p>
+            <a:endParaRPr lang="en-US" baseline="0" dirty="0" smtClean="0"/>
+          </a:p>
+          <a:p>
+            <a:r>
+              <a:rPr lang="en-US" baseline="0" dirty="0" smtClean="0"/>
+              <a:t>Ransomware for OSX. Used webpage and clickjacking.</a:t>
+            </a:r>
+          </a:p>
+          <a:p>
+            <a:endParaRPr lang="en-US" dirty="0" smtClean="0"/>
+          </a:p>
+          <a:p>
+            <a:r>
               <a:rPr lang="en-US" sz="1200" b="0" i="0" kern="1200" dirty="0" smtClean="0">
                 <a:solidFill>
                   <a:schemeClr val="tx1"/>
@@ -624,7 +647,7 @@
                 <a:ea typeface="+mn-ea"/>
                 <a:cs typeface="+mn-cs"/>
               </a:rPr>
-              <a:t>Primarily distributed by the </a:t>
+              <a:t>Jay Matthew Riley, 21, of Woodbridge, </a:t>
             </a:r>
             <a:r>
               <a:rPr lang="en-US" sz="1200" b="0" i="0" kern="1200" dirty="0" err="1" smtClean="0">
@@ -636,7 +659,7 @@
                 <a:ea typeface="+mn-ea"/>
                 <a:cs typeface="+mn-cs"/>
               </a:rPr>
-              <a:t>Gameover</a:t>
+              <a:t>Va</a:t>
             </a:r>
             <a:r>
               <a:rPr lang="en-US" sz="1200" b="0" i="0" kern="1200" dirty="0" smtClean="0">
@@ -648,23 +671,10 @@
                 <a:ea typeface="+mn-ea"/>
                 <a:cs typeface="+mn-cs"/>
               </a:rPr>
-              <a:t> Zeus botnet</a:t>
-            </a:r>
-          </a:p>
-          <a:p>
-            <a:endParaRPr lang="en-US" sz="1200" b="0" i="0" kern="1200" dirty="0" smtClean="0">
-              <a:solidFill>
-                <a:schemeClr val="tx1"/>
-              </a:solidFill>
-              <a:effectLst/>
-              <a:latin typeface="+mn-lt"/>
-              <a:ea typeface="+mn-ea"/>
-              <a:cs typeface="+mn-cs"/>
-            </a:endParaRPr>
-          </a:p>
-          <a:p>
-            <a:r>
-              <a:rPr lang="en-US" sz="1200" b="0" i="0" u="sng" kern="1200" dirty="0" smtClean="0">
+              <a:t>, turned</a:t>
+            </a:r>
+            <a:r>
+              <a:rPr lang="en-US" sz="1200" b="0" i="0" kern="1200" baseline="0" dirty="0" smtClean="0">
                 <a:solidFill>
                   <a:schemeClr val="tx1"/>
                 </a:solidFill>
@@ -672,11 +682,10 @@
                 <a:latin typeface="+mn-lt"/>
                 <a:ea typeface="+mn-ea"/>
                 <a:cs typeface="+mn-cs"/>
-                <a:hlinkClick r:id="rId3" tooltip="Operation Tovar"/>
               </a:rPr>
-              <a:t>Operation Tovar</a:t>
-            </a:r>
-            <a:endParaRPr lang="en-US" dirty="0"/>
+              <a:t> himself to police.</a:t>
+            </a:r>
+            <a:endParaRPr lang="en-US" dirty="0" smtClean="0"/>
           </a:p>
         </p:txBody>
       </p:sp>
@@ -697,7 +706,7 @@
           <a:p>
             <a:fld id="{DD091B9F-3426-4F22-847B-A2FF371F41B6}" type="slidenum">
               <a:rPr lang="en-US" smtClean="0"/>
-              <a:t>13</a:t>
+              <a:t>12</a:t>
             </a:fld>
             <a:endParaRPr lang="en-US"/>
           </a:p>
@@ -706,7 +715,7 @@
     </p:spTree>
     <p:extLst>
       <p:ext uri="{BB962C8B-B14F-4D97-AF65-F5344CB8AC3E}">
-        <p14:creationId xmlns:p14="http://schemas.microsoft.com/office/powerpoint/2010/main" val="3036056395"/>
+        <p14:creationId xmlns:p14="http://schemas.microsoft.com/office/powerpoint/2010/main" val="912829437"/>
       </p:ext>
     </p:extLst>
   </p:cSld>
@@ -761,28 +770,68 @@
           <a:lstStyle/>
           <a:p>
             <a:r>
-              <a:rPr lang="en-US" dirty="0" smtClean="0"/>
-              <a:t>Thes</a:t>
-            </a:r>
-            <a:r>
-              <a:rPr lang="en-US" baseline="0" dirty="0" smtClean="0"/>
-              <a:t>e variants have evolved. </a:t>
-            </a:r>
-          </a:p>
-          <a:p>
-            <a:r>
-              <a:rPr lang="en-US" baseline="0" dirty="0" smtClean="0"/>
-              <a:t>Clones/Mixed. </a:t>
-            </a:r>
-          </a:p>
-          <a:p>
-            <a:r>
-              <a:rPr lang="en-US" baseline="0" dirty="0" smtClean="0"/>
-              <a:t>Random extensions.</a:t>
-            </a:r>
-          </a:p>
-          <a:p>
-            <a:endParaRPr lang="en-US" baseline="0" dirty="0" smtClean="0"/>
+              <a:rPr lang="en-US" sz="1200" b="0" i="0" kern="1200" dirty="0" smtClean="0">
+                <a:solidFill>
+                  <a:schemeClr val="tx1"/>
+                </a:solidFill>
+                <a:effectLst/>
+                <a:latin typeface="+mn-lt"/>
+                <a:ea typeface="+mn-ea"/>
+                <a:cs typeface="+mn-cs"/>
+              </a:rPr>
+              <a:t>Primarily distributed by the </a:t>
+            </a:r>
+            <a:r>
+              <a:rPr lang="en-US" sz="1200" b="0" i="0" kern="1200" dirty="0" err="1" smtClean="0">
+                <a:solidFill>
+                  <a:schemeClr val="tx1"/>
+                </a:solidFill>
+                <a:effectLst/>
+                <a:latin typeface="+mn-lt"/>
+                <a:ea typeface="+mn-ea"/>
+                <a:cs typeface="+mn-cs"/>
+              </a:rPr>
+              <a:t>Gameover</a:t>
+            </a:r>
+            <a:r>
+              <a:rPr lang="en-US" sz="1200" b="0" i="0" kern="1200" dirty="0" smtClean="0">
+                <a:solidFill>
+                  <a:schemeClr val="tx1"/>
+                </a:solidFill>
+                <a:effectLst/>
+                <a:latin typeface="+mn-lt"/>
+                <a:ea typeface="+mn-ea"/>
+                <a:cs typeface="+mn-cs"/>
+              </a:rPr>
+              <a:t> Zeus botnet</a:t>
+            </a:r>
+          </a:p>
+          <a:p>
+            <a:endParaRPr lang="en-US" sz="1200" b="0" i="0" kern="1200" dirty="0" smtClean="0">
+              <a:solidFill>
+                <a:schemeClr val="tx1"/>
+              </a:solidFill>
+              <a:effectLst/>
+              <a:latin typeface="+mn-lt"/>
+              <a:ea typeface="+mn-ea"/>
+              <a:cs typeface="+mn-cs"/>
+            </a:endParaRPr>
+          </a:p>
+          <a:p>
+            <a:r>
+              <a:rPr lang="en-US" sz="1200" b="0" i="0" u="sng" kern="1200" dirty="0" smtClean="0">
+                <a:solidFill>
+                  <a:schemeClr val="tx1"/>
+                </a:solidFill>
+                <a:effectLst/>
+                <a:latin typeface="+mn-lt"/>
+                <a:ea typeface="+mn-ea"/>
+                <a:cs typeface="+mn-cs"/>
+                <a:hlinkClick r:id="rId3" tooltip="Operation Tovar"/>
+              </a:rPr>
+              <a:t>Operation Tovar</a:t>
+            </a:r>
+            <a:endParaRPr lang="en-US" dirty="0"/>
           </a:p>
         </p:txBody>
       </p:sp>
@@ -803,7 +852,7 @@
           <a:p>
             <a:fld id="{DD091B9F-3426-4F22-847B-A2FF371F41B6}" type="slidenum">
               <a:rPr lang="en-US" smtClean="0"/>
-              <a:t>14</a:t>
+              <a:t>13</a:t>
             </a:fld>
             <a:endParaRPr lang="en-US"/>
           </a:p>
@@ -812,7 +861,7 @@
     </p:spTree>
     <p:extLst>
       <p:ext uri="{BB962C8B-B14F-4D97-AF65-F5344CB8AC3E}">
-        <p14:creationId xmlns:p14="http://schemas.microsoft.com/office/powerpoint/2010/main" val="2431628360"/>
+        <p14:creationId xmlns:p14="http://schemas.microsoft.com/office/powerpoint/2010/main" val="3036056395"/>
       </p:ext>
     </p:extLst>
   </p:cSld>
@@ -867,30 +916,47 @@
           <a:lstStyle/>
           <a:p>
             <a:r>
-              <a:rPr lang="en-US" dirty="0" smtClean="0"/>
-              <a:t>Infection</a:t>
-            </a:r>
-          </a:p>
-          <a:p>
-            <a:r>
-              <a:rPr lang="en-US" dirty="0" smtClean="0"/>
-              <a:t>Key-Setup</a:t>
-            </a:r>
-          </a:p>
-          <a:p>
-            <a:r>
-              <a:rPr lang="en-US" dirty="0" smtClean="0"/>
-              <a:t>Encryption</a:t>
-            </a:r>
-          </a:p>
-          <a:p>
-            <a:r>
-              <a:rPr lang="en-US" dirty="0" smtClean="0"/>
-              <a:t>Ransom Demand</a:t>
-            </a:r>
-          </a:p>
-          <a:p>
-            <a:endParaRPr lang="en-US" dirty="0"/>
+              <a:rPr lang="en-US" dirty="0" err="1" smtClean="0"/>
+              <a:t>Cryptowall</a:t>
+            </a:r>
+            <a:r>
+              <a:rPr lang="en-US" dirty="0" smtClean="0"/>
+              <a:t> started as clone of </a:t>
+            </a:r>
+            <a:r>
+              <a:rPr lang="en-US" dirty="0" err="1" smtClean="0"/>
+              <a:t>Cryptolocker</a:t>
+            </a:r>
+            <a:endParaRPr lang="en-US" dirty="0" smtClean="0"/>
+          </a:p>
+          <a:p>
+            <a:r>
+              <a:rPr lang="en-US" dirty="0" smtClean="0"/>
+              <a:t>Thes</a:t>
+            </a:r>
+            <a:r>
+              <a:rPr lang="en-US" baseline="0" dirty="0" smtClean="0"/>
+              <a:t>e </a:t>
+            </a:r>
+            <a:r>
+              <a:rPr lang="en-US" baseline="0" dirty="0" smtClean="0"/>
+              <a:t>variants have evolved. </a:t>
+            </a:r>
+          </a:p>
+          <a:p>
+            <a:r>
+              <a:rPr lang="en-US" baseline="0" dirty="0" smtClean="0"/>
+              <a:t>Clones/Mixed. </a:t>
+            </a:r>
+          </a:p>
+          <a:p>
+            <a:r>
+              <a:rPr lang="en-US" baseline="0" dirty="0" smtClean="0"/>
+              <a:t>Random extensions.</a:t>
+            </a:r>
+          </a:p>
+          <a:p>
+            <a:endParaRPr lang="en-US" baseline="0" dirty="0" smtClean="0"/>
           </a:p>
         </p:txBody>
       </p:sp>
@@ -911,7 +977,7 @@
           <a:p>
             <a:fld id="{DD091B9F-3426-4F22-847B-A2FF371F41B6}" type="slidenum">
               <a:rPr lang="en-US" smtClean="0"/>
-              <a:t>15</a:t>
+              <a:t>14</a:t>
             </a:fld>
             <a:endParaRPr lang="en-US"/>
           </a:p>
@@ -920,7 +986,7 @@
     </p:spTree>
     <p:extLst>
       <p:ext uri="{BB962C8B-B14F-4D97-AF65-F5344CB8AC3E}">
-        <p14:creationId xmlns:p14="http://schemas.microsoft.com/office/powerpoint/2010/main" val="3294658708"/>
+        <p14:creationId xmlns:p14="http://schemas.microsoft.com/office/powerpoint/2010/main" val="2431628360"/>
       </p:ext>
     </p:extLst>
   </p:cSld>
@@ -974,6 +1040,30 @@
           <a:bodyPr/>
           <a:lstStyle/>
           <a:p>
+            <a:r>
+              <a:rPr lang="en-US" dirty="0" smtClean="0"/>
+              <a:t>Infection</a:t>
+            </a:r>
+          </a:p>
+          <a:p>
+            <a:r>
+              <a:rPr lang="en-US" dirty="0" smtClean="0"/>
+              <a:t>Key-Setup</a:t>
+            </a:r>
+          </a:p>
+          <a:p>
+            <a:r>
+              <a:rPr lang="en-US" dirty="0" smtClean="0"/>
+              <a:t>Encryption</a:t>
+            </a:r>
+          </a:p>
+          <a:p>
+            <a:r>
+              <a:rPr lang="en-US" dirty="0" smtClean="0"/>
+              <a:t>Ransom Demand</a:t>
+            </a:r>
+          </a:p>
+          <a:p>
             <a:endParaRPr lang="en-US" dirty="0"/>
           </a:p>
         </p:txBody>
@@ -995,7 +1085,7 @@
           <a:p>
             <a:fld id="{DD091B9F-3426-4F22-847B-A2FF371F41B6}" type="slidenum">
               <a:rPr lang="en-US" smtClean="0"/>
-              <a:t>16</a:t>
+              <a:t>15</a:t>
             </a:fld>
             <a:endParaRPr lang="en-US"/>
           </a:p>
@@ -1004,7 +1094,7 @@
     </p:spTree>
     <p:extLst>
       <p:ext uri="{BB962C8B-B14F-4D97-AF65-F5344CB8AC3E}">
-        <p14:creationId xmlns:p14="http://schemas.microsoft.com/office/powerpoint/2010/main" val="88807959"/>
+        <p14:creationId xmlns:p14="http://schemas.microsoft.com/office/powerpoint/2010/main" val="3294658708"/>
       </p:ext>
     </p:extLst>
   </p:cSld>
@@ -1079,6 +1169,346 @@
           <a:p>
             <a:fld id="{DD091B9F-3426-4F22-847B-A2FF371F41B6}" type="slidenum">
               <a:rPr lang="en-US" smtClean="0"/>
+              <a:t>16</a:t>
+            </a:fld>
+            <a:endParaRPr lang="en-US"/>
+          </a:p>
+        </p:txBody>
+      </p:sp>
+    </p:spTree>
+    <p:extLst>
+      <p:ext uri="{BB962C8B-B14F-4D97-AF65-F5344CB8AC3E}">
+        <p14:creationId xmlns:p14="http://schemas.microsoft.com/office/powerpoint/2010/main" val="88807959"/>
+      </p:ext>
+    </p:extLst>
+  </p:cSld>
+  <p:clrMapOvr>
+    <a:masterClrMapping/>
+  </p:clrMapOvr>
+</p:notes>
+</file>
+
+<file path=ppt/notesSlides/notesSlide15.xml><?xml version="1.0" encoding="utf-8"?>
+<p:notes xmlns:a="http://schemas.openxmlformats.org/drawingml/2006/main" xmlns:r="http://schemas.openxmlformats.org/officeDocument/2006/relationships" xmlns:p="http://schemas.openxmlformats.org/presentationml/2006/main">
+  <p:cSld>
+    <p:spTree>
+      <p:nvGrpSpPr>
+        <p:cNvPr id="1" name=""/>
+        <p:cNvGrpSpPr/>
+        <p:nvPr/>
+      </p:nvGrpSpPr>
+      <p:grpSpPr>
+        <a:xfrm>
+          <a:off x="0" y="0"/>
+          <a:ext cx="0" cy="0"/>
+          <a:chOff x="0" y="0"/>
+          <a:chExt cx="0" cy="0"/>
+        </a:xfrm>
+      </p:grpSpPr>
+      <p:sp>
+        <p:nvSpPr>
+          <p:cNvPr id="2" name="Slide Image Placeholder 1"/>
+          <p:cNvSpPr>
+            <a:spLocks noGrp="1" noRot="1" noChangeAspect="1"/>
+          </p:cNvSpPr>
+          <p:nvPr>
+            <p:ph type="sldImg"/>
+          </p:nvPr>
+        </p:nvSpPr>
+        <p:spPr/>
+      </p:sp>
+      <p:sp>
+        <p:nvSpPr>
+          <p:cNvPr id="3" name="Notes Placeholder 2"/>
+          <p:cNvSpPr>
+            <a:spLocks noGrp="1"/>
+          </p:cNvSpPr>
+          <p:nvPr>
+            <p:ph type="body" idx="1"/>
+          </p:nvPr>
+        </p:nvSpPr>
+        <p:spPr/>
+        <p:txBody>
+          <a:bodyPr/>
+          <a:lstStyle/>
+          <a:p>
+            <a:r>
+              <a:rPr lang="en-US" sz="1200" b="0" i="0" kern="1200" dirty="0" smtClean="0">
+                <a:solidFill>
+                  <a:schemeClr val="tx1"/>
+                </a:solidFill>
+                <a:effectLst/>
+                <a:latin typeface="+mn-lt"/>
+                <a:ea typeface="+mn-ea"/>
+                <a:cs typeface="+mn-cs"/>
+              </a:rPr>
+              <a:t>Custom</a:t>
+            </a:r>
+            <a:r>
+              <a:rPr lang="en-US" sz="1200" b="0" i="0" kern="1200" baseline="0" dirty="0" smtClean="0">
+                <a:solidFill>
+                  <a:schemeClr val="tx1"/>
+                </a:solidFill>
+                <a:effectLst/>
+                <a:latin typeface="+mn-lt"/>
+                <a:ea typeface="+mn-ea"/>
+                <a:cs typeface="+mn-cs"/>
+              </a:rPr>
+              <a:t> packers:</a:t>
+            </a:r>
+            <a:r>
+              <a:rPr lang="en-US" sz="1200" b="0" i="0" kern="1200" dirty="0" smtClean="0">
+                <a:solidFill>
+                  <a:schemeClr val="tx1"/>
+                </a:solidFill>
+                <a:effectLst/>
+                <a:latin typeface="+mn-lt"/>
+                <a:ea typeface="+mn-ea"/>
+                <a:cs typeface="+mn-cs"/>
+              </a:rPr>
+              <a:t> </a:t>
+            </a:r>
+            <a:r>
+              <a:rPr lang="en-US" sz="1200" b="0" i="0" kern="1200" dirty="0" err="1" smtClean="0">
+                <a:solidFill>
+                  <a:schemeClr val="tx1"/>
+                </a:solidFill>
+                <a:effectLst/>
+                <a:latin typeface="+mn-lt"/>
+                <a:ea typeface="+mn-ea"/>
+                <a:cs typeface="+mn-cs"/>
+              </a:rPr>
+              <a:t>Locky</a:t>
+            </a:r>
+            <a:r>
+              <a:rPr lang="en-US" sz="1200" b="0" i="0" kern="1200" dirty="0" smtClean="0">
+                <a:solidFill>
+                  <a:schemeClr val="tx1"/>
+                </a:solidFill>
+                <a:effectLst/>
+                <a:latin typeface="+mn-lt"/>
+                <a:ea typeface="+mn-ea"/>
+                <a:cs typeface="+mn-cs"/>
+              </a:rPr>
+              <a:t>, </a:t>
+            </a:r>
+            <a:r>
+              <a:rPr lang="en-US" sz="1200" b="0" i="0" kern="1200" dirty="0" err="1" smtClean="0">
+                <a:solidFill>
+                  <a:schemeClr val="tx1"/>
+                </a:solidFill>
+                <a:effectLst/>
+                <a:latin typeface="+mn-lt"/>
+                <a:ea typeface="+mn-ea"/>
+                <a:cs typeface="+mn-cs"/>
+              </a:rPr>
+              <a:t>TeslaCrypt</a:t>
+            </a:r>
+            <a:endParaRPr lang="en-US" sz="1200" b="0" i="0" kern="1200" dirty="0" smtClean="0">
+              <a:solidFill>
+                <a:schemeClr val="tx1"/>
+              </a:solidFill>
+              <a:effectLst/>
+              <a:latin typeface="+mn-lt"/>
+              <a:ea typeface="+mn-ea"/>
+              <a:cs typeface="+mn-cs"/>
+            </a:endParaRPr>
+          </a:p>
+          <a:p>
+            <a:r>
+              <a:rPr lang="en-US" sz="1200" b="0" i="0" kern="1200" dirty="0" smtClean="0">
+                <a:solidFill>
+                  <a:schemeClr val="tx1"/>
+                </a:solidFill>
+                <a:effectLst/>
+                <a:latin typeface="+mn-lt"/>
+                <a:ea typeface="+mn-ea"/>
+                <a:cs typeface="+mn-cs"/>
+              </a:rPr>
+              <a:t>DLL:</a:t>
+            </a:r>
+            <a:r>
+              <a:rPr lang="en-US" sz="1200" b="0" i="0" kern="1200" baseline="0" dirty="0" smtClean="0">
+                <a:solidFill>
+                  <a:schemeClr val="tx1"/>
+                </a:solidFill>
+                <a:effectLst/>
+                <a:latin typeface="+mn-lt"/>
+                <a:ea typeface="+mn-ea"/>
+                <a:cs typeface="+mn-cs"/>
+              </a:rPr>
+              <a:t> </a:t>
+            </a:r>
+            <a:r>
+              <a:rPr lang="en-US" sz="1200" b="0" i="0" kern="1200" baseline="0" dirty="0" err="1" smtClean="0">
+                <a:solidFill>
+                  <a:schemeClr val="tx1"/>
+                </a:solidFill>
+                <a:effectLst/>
+                <a:latin typeface="+mn-lt"/>
+                <a:ea typeface="+mn-ea"/>
+                <a:cs typeface="+mn-cs"/>
+              </a:rPr>
+              <a:t>Locky</a:t>
+            </a:r>
+            <a:endParaRPr lang="en-US" sz="1200" b="0" i="0" kern="1200" baseline="0" dirty="0" smtClean="0">
+              <a:solidFill>
+                <a:schemeClr val="tx1"/>
+              </a:solidFill>
+              <a:effectLst/>
+              <a:latin typeface="+mn-lt"/>
+              <a:ea typeface="+mn-ea"/>
+              <a:cs typeface="+mn-cs"/>
+            </a:endParaRPr>
+          </a:p>
+          <a:p>
+            <a:endParaRPr lang="en-US" dirty="0"/>
+          </a:p>
+        </p:txBody>
+      </p:sp>
+      <p:sp>
+        <p:nvSpPr>
+          <p:cNvPr id="4" name="Slide Number Placeholder 3"/>
+          <p:cNvSpPr>
+            <a:spLocks noGrp="1"/>
+          </p:cNvSpPr>
+          <p:nvPr>
+            <p:ph type="sldNum" sz="quarter" idx="10"/>
+          </p:nvPr>
+        </p:nvSpPr>
+        <p:spPr/>
+        <p:txBody>
+          <a:bodyPr/>
+          <a:lstStyle/>
+          <a:p>
+            <a:fld id="{DD091B9F-3426-4F22-847B-A2FF371F41B6}" type="slidenum">
+              <a:rPr lang="en-US" smtClean="0"/>
+              <a:t>17</a:t>
+            </a:fld>
+            <a:endParaRPr lang="en-US"/>
+          </a:p>
+        </p:txBody>
+      </p:sp>
+    </p:spTree>
+    <p:extLst>
+      <p:ext uri="{BB962C8B-B14F-4D97-AF65-F5344CB8AC3E}">
+        <p14:creationId xmlns:p14="http://schemas.microsoft.com/office/powerpoint/2010/main" val="3802345585"/>
+      </p:ext>
+    </p:extLst>
+  </p:cSld>
+  <p:clrMapOvr>
+    <a:masterClrMapping/>
+  </p:clrMapOvr>
+</p:notes>
+</file>
+
+<file path=ppt/notesSlides/notesSlide16.xml><?xml version="1.0" encoding="utf-8"?>
+<p:notes xmlns:a="http://schemas.openxmlformats.org/drawingml/2006/main" xmlns:r="http://schemas.openxmlformats.org/officeDocument/2006/relationships" xmlns:p="http://schemas.openxmlformats.org/presentationml/2006/main">
+  <p:cSld>
+    <p:spTree>
+      <p:nvGrpSpPr>
+        <p:cNvPr id="1" name=""/>
+        <p:cNvGrpSpPr/>
+        <p:nvPr/>
+      </p:nvGrpSpPr>
+      <p:grpSpPr>
+        <a:xfrm>
+          <a:off x="0" y="0"/>
+          <a:ext cx="0" cy="0"/>
+          <a:chOff x="0" y="0"/>
+          <a:chExt cx="0" cy="0"/>
+        </a:xfrm>
+      </p:grpSpPr>
+      <p:sp>
+        <p:nvSpPr>
+          <p:cNvPr id="2" name="Slide Image Placeholder 1"/>
+          <p:cNvSpPr>
+            <a:spLocks noGrp="1" noRot="1" noChangeAspect="1"/>
+          </p:cNvSpPr>
+          <p:nvPr>
+            <p:ph type="sldImg"/>
+          </p:nvPr>
+        </p:nvSpPr>
+        <p:spPr/>
+      </p:sp>
+      <p:sp>
+        <p:nvSpPr>
+          <p:cNvPr id="3" name="Notes Placeholder 2"/>
+          <p:cNvSpPr>
+            <a:spLocks noGrp="1"/>
+          </p:cNvSpPr>
+          <p:nvPr>
+            <p:ph type="body" idx="1"/>
+          </p:nvPr>
+        </p:nvSpPr>
+        <p:spPr/>
+        <p:txBody>
+          <a:bodyPr/>
+          <a:lstStyle/>
+          <a:p>
+            <a:r>
+              <a:rPr lang="en-US" dirty="0" err="1" smtClean="0"/>
+              <a:t>Autorun</a:t>
+            </a:r>
+            <a:r>
+              <a:rPr lang="en-US" dirty="0" smtClean="0"/>
+              <a:t>: </a:t>
+            </a:r>
+            <a:r>
+              <a:rPr lang="en-US" dirty="0" err="1" smtClean="0"/>
+              <a:t>Locky</a:t>
+            </a:r>
+            <a:endParaRPr lang="en-US" dirty="0" smtClean="0"/>
+          </a:p>
+          <a:p>
+            <a:r>
+              <a:rPr lang="en-US" dirty="0" err="1" smtClean="0"/>
+              <a:t>Key+iv</a:t>
+            </a:r>
+            <a:r>
+              <a:rPr lang="en-US" dirty="0" smtClean="0"/>
+              <a:t>: </a:t>
+            </a:r>
+            <a:r>
+              <a:rPr lang="en-US" dirty="0" err="1" smtClean="0"/>
+              <a:t>NoobLocker</a:t>
+            </a:r>
+            <a:endParaRPr lang="en-US" dirty="0" smtClean="0"/>
+          </a:p>
+          <a:p>
+            <a:r>
+              <a:rPr lang="en-US" dirty="0" err="1" smtClean="0"/>
+              <a:t>PricessLocker</a:t>
+            </a:r>
+            <a:r>
+              <a:rPr lang="en-US" dirty="0" smtClean="0"/>
+              <a:t> adds</a:t>
+            </a:r>
+            <a:r>
+              <a:rPr lang="en-US" baseline="0" dirty="0" smtClean="0"/>
+              <a:t> ransom note as .locked type handler.</a:t>
+            </a:r>
+            <a:endParaRPr lang="en-US" dirty="0"/>
+          </a:p>
+        </p:txBody>
+      </p:sp>
+      <p:sp>
+        <p:nvSpPr>
+          <p:cNvPr id="4" name="Slide Number Placeholder 3"/>
+          <p:cNvSpPr>
+            <a:spLocks noGrp="1"/>
+          </p:cNvSpPr>
+          <p:nvPr>
+            <p:ph type="sldNum" sz="quarter" idx="10"/>
+          </p:nvPr>
+        </p:nvSpPr>
+        <p:spPr/>
+        <p:txBody>
+          <a:bodyPr/>
+          <a:lstStyle/>
+          <a:p>
+            <a:fld id="{DD091B9F-3426-4F22-847B-A2FF371F41B6}" type="slidenum">
+              <a:rPr lang="en-US" smtClean="0"/>
               <a:t>18</a:t>
             </a:fld>
             <a:endParaRPr lang="en-US"/>
@@ -1089,6 +1519,418 @@
     <p:extLst>
       <p:ext uri="{BB962C8B-B14F-4D97-AF65-F5344CB8AC3E}">
         <p14:creationId xmlns:p14="http://schemas.microsoft.com/office/powerpoint/2010/main" val="1383420609"/>
+      </p:ext>
+    </p:extLst>
+  </p:cSld>
+  <p:clrMapOvr>
+    <a:masterClrMapping/>
+  </p:clrMapOvr>
+</p:notes>
+</file>
+
+<file path=ppt/notesSlides/notesSlide17.xml><?xml version="1.0" encoding="utf-8"?>
+<p:notes xmlns:a="http://schemas.openxmlformats.org/drawingml/2006/main" xmlns:r="http://schemas.openxmlformats.org/officeDocument/2006/relationships" xmlns:p="http://schemas.openxmlformats.org/presentationml/2006/main">
+  <p:cSld>
+    <p:spTree>
+      <p:nvGrpSpPr>
+        <p:cNvPr id="1" name=""/>
+        <p:cNvGrpSpPr/>
+        <p:nvPr/>
+      </p:nvGrpSpPr>
+      <p:grpSpPr>
+        <a:xfrm>
+          <a:off x="0" y="0"/>
+          <a:ext cx="0" cy="0"/>
+          <a:chOff x="0" y="0"/>
+          <a:chExt cx="0" cy="0"/>
+        </a:xfrm>
+      </p:grpSpPr>
+      <p:sp>
+        <p:nvSpPr>
+          <p:cNvPr id="2" name="Slide Image Placeholder 1"/>
+          <p:cNvSpPr>
+            <a:spLocks noGrp="1" noRot="1" noChangeAspect="1"/>
+          </p:cNvSpPr>
+          <p:nvPr>
+            <p:ph type="sldImg"/>
+          </p:nvPr>
+        </p:nvSpPr>
+        <p:spPr/>
+      </p:sp>
+      <p:sp>
+        <p:nvSpPr>
+          <p:cNvPr id="3" name="Notes Placeholder 2"/>
+          <p:cNvSpPr>
+            <a:spLocks noGrp="1"/>
+          </p:cNvSpPr>
+          <p:nvPr>
+            <p:ph type="body" idx="1"/>
+          </p:nvPr>
+        </p:nvSpPr>
+        <p:spPr/>
+        <p:txBody>
+          <a:bodyPr/>
+          <a:lstStyle/>
+          <a:p>
+            <a:r>
+              <a:rPr lang="en-US" sz="1200" b="0" i="0" kern="1200" dirty="0" err="1" smtClean="0">
+                <a:solidFill>
+                  <a:schemeClr val="tx1"/>
+                </a:solidFill>
+                <a:effectLst/>
+                <a:latin typeface="+mn-lt"/>
+                <a:ea typeface="+mn-ea"/>
+                <a:cs typeface="+mn-cs"/>
+              </a:rPr>
+              <a:t>Cerber</a:t>
+            </a:r>
+            <a:r>
+              <a:rPr lang="en-US" sz="1200" b="0" i="0" kern="1200" dirty="0" smtClean="0">
+                <a:solidFill>
+                  <a:schemeClr val="tx1"/>
+                </a:solidFill>
+                <a:effectLst/>
+                <a:latin typeface="+mn-lt"/>
+                <a:ea typeface="+mn-ea"/>
+                <a:cs typeface="+mn-cs"/>
+              </a:rPr>
+              <a:t> targets 294 different file extensions</a:t>
+            </a:r>
+          </a:p>
+          <a:p>
+            <a:r>
+              <a:rPr lang="en-US" sz="1200" b="0" i="0" kern="1200" dirty="0" err="1" smtClean="0">
+                <a:solidFill>
+                  <a:schemeClr val="tx1"/>
+                </a:solidFill>
+                <a:effectLst/>
+                <a:latin typeface="+mn-lt"/>
+                <a:ea typeface="+mn-ea"/>
+                <a:cs typeface="+mn-cs"/>
+              </a:rPr>
+              <a:t>HDDCryptor</a:t>
+            </a:r>
+            <a:r>
+              <a:rPr lang="en-US" sz="1200" b="0" i="0" kern="1200" dirty="0" smtClean="0">
+                <a:solidFill>
+                  <a:schemeClr val="tx1"/>
+                </a:solidFill>
+                <a:effectLst/>
+                <a:latin typeface="+mn-lt"/>
+                <a:ea typeface="+mn-ea"/>
+                <a:cs typeface="+mn-cs"/>
+              </a:rPr>
+              <a:t> uses</a:t>
+            </a:r>
+            <a:r>
+              <a:rPr lang="en-US" sz="1200" b="0" i="0" kern="1200" baseline="0" dirty="0" smtClean="0">
+                <a:solidFill>
+                  <a:schemeClr val="tx1"/>
+                </a:solidFill>
+                <a:effectLst/>
+                <a:latin typeface="+mn-lt"/>
+                <a:ea typeface="+mn-ea"/>
+                <a:cs typeface="+mn-cs"/>
+              </a:rPr>
+              <a:t> component of open source tool.</a:t>
+            </a:r>
+            <a:endParaRPr lang="en-US" dirty="0"/>
+          </a:p>
+        </p:txBody>
+      </p:sp>
+      <p:sp>
+        <p:nvSpPr>
+          <p:cNvPr id="4" name="Slide Number Placeholder 3"/>
+          <p:cNvSpPr>
+            <a:spLocks noGrp="1"/>
+          </p:cNvSpPr>
+          <p:nvPr>
+            <p:ph type="sldNum" sz="quarter" idx="10"/>
+          </p:nvPr>
+        </p:nvSpPr>
+        <p:spPr/>
+        <p:txBody>
+          <a:bodyPr/>
+          <a:lstStyle/>
+          <a:p>
+            <a:fld id="{DD091B9F-3426-4F22-847B-A2FF371F41B6}" type="slidenum">
+              <a:rPr lang="en-US" smtClean="0"/>
+              <a:t>19</a:t>
+            </a:fld>
+            <a:endParaRPr lang="en-US"/>
+          </a:p>
+        </p:txBody>
+      </p:sp>
+    </p:spTree>
+    <p:extLst>
+      <p:ext uri="{BB962C8B-B14F-4D97-AF65-F5344CB8AC3E}">
+        <p14:creationId xmlns:p14="http://schemas.microsoft.com/office/powerpoint/2010/main" val="3446086657"/>
+      </p:ext>
+    </p:extLst>
+  </p:cSld>
+  <p:clrMapOvr>
+    <a:masterClrMapping/>
+  </p:clrMapOvr>
+</p:notes>
+</file>
+
+<file path=ppt/notesSlides/notesSlide18.xml><?xml version="1.0" encoding="utf-8"?>
+<p:notes xmlns:a="http://schemas.openxmlformats.org/drawingml/2006/main" xmlns:r="http://schemas.openxmlformats.org/officeDocument/2006/relationships" xmlns:p="http://schemas.openxmlformats.org/presentationml/2006/main">
+  <p:cSld>
+    <p:spTree>
+      <p:nvGrpSpPr>
+        <p:cNvPr id="1" name=""/>
+        <p:cNvGrpSpPr/>
+        <p:nvPr/>
+      </p:nvGrpSpPr>
+      <p:grpSpPr>
+        <a:xfrm>
+          <a:off x="0" y="0"/>
+          <a:ext cx="0" cy="0"/>
+          <a:chOff x="0" y="0"/>
+          <a:chExt cx="0" cy="0"/>
+        </a:xfrm>
+      </p:grpSpPr>
+      <p:sp>
+        <p:nvSpPr>
+          <p:cNvPr id="2" name="Slide Image Placeholder 1"/>
+          <p:cNvSpPr>
+            <a:spLocks noGrp="1" noRot="1" noChangeAspect="1"/>
+          </p:cNvSpPr>
+          <p:nvPr>
+            <p:ph type="sldImg"/>
+          </p:nvPr>
+        </p:nvSpPr>
+        <p:spPr/>
+      </p:sp>
+      <p:sp>
+        <p:nvSpPr>
+          <p:cNvPr id="3" name="Notes Placeholder 2"/>
+          <p:cNvSpPr>
+            <a:spLocks noGrp="1"/>
+          </p:cNvSpPr>
+          <p:nvPr>
+            <p:ph type="body" idx="1"/>
+          </p:nvPr>
+        </p:nvSpPr>
+        <p:spPr/>
+        <p:txBody>
+          <a:bodyPr/>
+          <a:lstStyle/>
+          <a:p>
+            <a:r>
+              <a:rPr lang="en-US" dirty="0" smtClean="0"/>
+              <a:t>They usually</a:t>
+            </a:r>
+            <a:r>
+              <a:rPr lang="en-US" baseline="0" dirty="0" smtClean="0"/>
+              <a:t> display name of ransomware.</a:t>
+            </a:r>
+            <a:endParaRPr lang="en-US" dirty="0"/>
+          </a:p>
+        </p:txBody>
+      </p:sp>
+      <p:sp>
+        <p:nvSpPr>
+          <p:cNvPr id="4" name="Slide Number Placeholder 3"/>
+          <p:cNvSpPr>
+            <a:spLocks noGrp="1"/>
+          </p:cNvSpPr>
+          <p:nvPr>
+            <p:ph type="sldNum" sz="quarter" idx="10"/>
+          </p:nvPr>
+        </p:nvSpPr>
+        <p:spPr/>
+        <p:txBody>
+          <a:bodyPr/>
+          <a:lstStyle/>
+          <a:p>
+            <a:fld id="{DD091B9F-3426-4F22-847B-A2FF371F41B6}" type="slidenum">
+              <a:rPr lang="en-US" smtClean="0"/>
+              <a:t>20</a:t>
+            </a:fld>
+            <a:endParaRPr lang="en-US"/>
+          </a:p>
+        </p:txBody>
+      </p:sp>
+    </p:spTree>
+    <p:extLst>
+      <p:ext uri="{BB962C8B-B14F-4D97-AF65-F5344CB8AC3E}">
+        <p14:creationId xmlns:p14="http://schemas.microsoft.com/office/powerpoint/2010/main" val="3478860540"/>
+      </p:ext>
+    </p:extLst>
+  </p:cSld>
+  <p:clrMapOvr>
+    <a:masterClrMapping/>
+  </p:clrMapOvr>
+</p:notes>
+</file>
+
+<file path=ppt/notesSlides/notesSlide19.xml><?xml version="1.0" encoding="utf-8"?>
+<p:notes xmlns:a="http://schemas.openxmlformats.org/drawingml/2006/main" xmlns:r="http://schemas.openxmlformats.org/officeDocument/2006/relationships" xmlns:p="http://schemas.openxmlformats.org/presentationml/2006/main">
+  <p:cSld>
+    <p:spTree>
+      <p:nvGrpSpPr>
+        <p:cNvPr id="1" name=""/>
+        <p:cNvGrpSpPr/>
+        <p:nvPr/>
+      </p:nvGrpSpPr>
+      <p:grpSpPr>
+        <a:xfrm>
+          <a:off x="0" y="0"/>
+          <a:ext cx="0" cy="0"/>
+          <a:chOff x="0" y="0"/>
+          <a:chExt cx="0" cy="0"/>
+        </a:xfrm>
+      </p:grpSpPr>
+      <p:sp>
+        <p:nvSpPr>
+          <p:cNvPr id="2" name="Slide Image Placeholder 1"/>
+          <p:cNvSpPr>
+            <a:spLocks noGrp="1" noRot="1" noChangeAspect="1"/>
+          </p:cNvSpPr>
+          <p:nvPr>
+            <p:ph type="sldImg"/>
+          </p:nvPr>
+        </p:nvSpPr>
+        <p:spPr/>
+      </p:sp>
+      <p:sp>
+        <p:nvSpPr>
+          <p:cNvPr id="3" name="Notes Placeholder 2"/>
+          <p:cNvSpPr>
+            <a:spLocks noGrp="1"/>
+          </p:cNvSpPr>
+          <p:nvPr>
+            <p:ph type="body" idx="1"/>
+          </p:nvPr>
+        </p:nvSpPr>
+        <p:spPr/>
+        <p:txBody>
+          <a:bodyPr/>
+          <a:lstStyle/>
+          <a:p>
+            <a:pPr marL="0" marR="0" lvl="0" indent="0" algn="l" defTabSz="914400" rtl="0" eaLnBrk="1" fontAlgn="auto" latinLnBrk="0" hangingPunct="1">
+              <a:lnSpc>
+                <a:spcPct val="100000"/>
+              </a:lnSpc>
+              <a:spcBef>
+                <a:spcPts val="0"/>
+              </a:spcBef>
+              <a:spcAft>
+                <a:spcPts val="0"/>
+              </a:spcAft>
+              <a:buClrTx/>
+              <a:buSzTx/>
+              <a:buFontTx/>
+              <a:buNone/>
+              <a:tabLst/>
+              <a:defRPr/>
+            </a:pPr>
+            <a:r>
+              <a:rPr lang="en-US" dirty="0" smtClean="0"/>
+              <a:t>Almost</a:t>
+            </a:r>
+            <a:r>
+              <a:rPr lang="en-US" baseline="0" dirty="0" smtClean="0"/>
+              <a:t> all AV vendors have some ransomware recovery.</a:t>
+            </a:r>
+            <a:endParaRPr lang="en-US" dirty="0" smtClean="0"/>
+          </a:p>
+          <a:p>
+            <a:pPr marL="0" marR="0" lvl="0" indent="0" algn="l" defTabSz="914400" rtl="0" eaLnBrk="1" fontAlgn="auto" latinLnBrk="0" hangingPunct="1">
+              <a:lnSpc>
+                <a:spcPct val="100000"/>
+              </a:lnSpc>
+              <a:spcBef>
+                <a:spcPts val="0"/>
+              </a:spcBef>
+              <a:spcAft>
+                <a:spcPts val="0"/>
+              </a:spcAft>
+              <a:buClrTx/>
+              <a:buSzTx/>
+              <a:buFontTx/>
+              <a:buNone/>
+              <a:tabLst/>
+              <a:defRPr/>
+            </a:pPr>
+            <a:r>
+              <a:rPr lang="en-US" baseline="0" dirty="0" smtClean="0"/>
+              <a:t>Not all versions are </a:t>
+            </a:r>
+            <a:r>
+              <a:rPr lang="en-US" baseline="0" dirty="0" err="1" smtClean="0"/>
+              <a:t>decryptable</a:t>
+            </a:r>
+            <a:r>
+              <a:rPr lang="en-US" baseline="0" dirty="0" smtClean="0"/>
+              <a:t>.</a:t>
+            </a:r>
+            <a:endParaRPr lang="en-US" dirty="0" smtClean="0"/>
+          </a:p>
+          <a:p>
+            <a:r>
+              <a:rPr lang="en-US" dirty="0" err="1" smtClean="0"/>
+              <a:t>NoMoreRansom</a:t>
+            </a:r>
+            <a:r>
+              <a:rPr lang="en-US" dirty="0" smtClean="0"/>
+              <a:t>:</a:t>
+            </a:r>
+            <a:r>
+              <a:rPr lang="en-US" baseline="0" dirty="0" smtClean="0"/>
+              <a:t> Kaspersky, Intel, Law Enforcement </a:t>
+            </a:r>
+          </a:p>
+          <a:p>
+            <a:r>
+              <a:rPr lang="en-US" baseline="0" dirty="0" smtClean="0"/>
+              <a:t>Recover Tools: </a:t>
+            </a:r>
+            <a:r>
+              <a:rPr lang="en-US" baseline="0" dirty="0" err="1" smtClean="0"/>
+              <a:t>TestDisk</a:t>
+            </a:r>
+            <a:r>
+              <a:rPr lang="en-US" baseline="0" dirty="0" smtClean="0"/>
+              <a:t>. </a:t>
+            </a:r>
+            <a:r>
+              <a:rPr lang="en-US" baseline="0" dirty="0" err="1" smtClean="0"/>
+              <a:t>Recuva</a:t>
+            </a:r>
+            <a:endParaRPr lang="en-US" dirty="0"/>
+          </a:p>
+        </p:txBody>
+      </p:sp>
+      <p:sp>
+        <p:nvSpPr>
+          <p:cNvPr id="4" name="Slide Number Placeholder 3"/>
+          <p:cNvSpPr>
+            <a:spLocks noGrp="1"/>
+          </p:cNvSpPr>
+          <p:nvPr>
+            <p:ph type="sldNum" sz="quarter" idx="10"/>
+          </p:nvPr>
+        </p:nvSpPr>
+        <p:spPr/>
+        <p:txBody>
+          <a:bodyPr/>
+          <a:lstStyle/>
+          <a:p>
+            <a:fld id="{DD091B9F-3426-4F22-847B-A2FF371F41B6}" type="slidenum">
+              <a:rPr lang="en-US" smtClean="0"/>
+              <a:t>21</a:t>
+            </a:fld>
+            <a:endParaRPr lang="en-US"/>
+          </a:p>
+        </p:txBody>
+      </p:sp>
+    </p:spTree>
+    <p:extLst>
+      <p:ext uri="{BB962C8B-B14F-4D97-AF65-F5344CB8AC3E}">
+        <p14:creationId xmlns:p14="http://schemas.microsoft.com/office/powerpoint/2010/main" val="3205327109"/>
       </p:ext>
     </p:extLst>
   </p:cSld>
@@ -1143,54 +1985,16 @@
           <a:lstStyle/>
           <a:p>
             <a:r>
-              <a:rPr lang="en-US" dirty="0" smtClean="0"/>
-              <a:t>Symantec-08/2015</a:t>
-            </a:r>
-          </a:p>
-          <a:p>
-            <a:endParaRPr lang="en-US" dirty="0" smtClean="0"/>
-          </a:p>
-          <a:p>
-            <a:r>
-              <a:rPr lang="en-US" dirty="0" smtClean="0"/>
-              <a:t>“Ransom”: A sum of money demanded or paid for the release of a captive.</a:t>
-            </a:r>
-          </a:p>
-          <a:p>
-            <a:r>
-              <a:rPr lang="en-US" dirty="0" smtClean="0"/>
-              <a:t>Captive: Files/Systems</a:t>
-            </a:r>
-          </a:p>
-          <a:p>
-            <a:endParaRPr lang="en-US" dirty="0" smtClean="0"/>
-          </a:p>
-          <a:p>
-            <a:r>
-              <a:rPr lang="en-US" dirty="0" smtClean="0"/>
-              <a:t>Ransomware is a</a:t>
-            </a:r>
-            <a:r>
-              <a:rPr lang="en-US" baseline="0" dirty="0" smtClean="0"/>
-              <a:t> tool to facilitate Ransom.</a:t>
-            </a:r>
-          </a:p>
-          <a:p>
-            <a:endParaRPr lang="en-US" baseline="0" dirty="0" smtClean="0"/>
-          </a:p>
-          <a:p>
-            <a:r>
-              <a:rPr lang="en-US" baseline="0" dirty="0" smtClean="0"/>
-              <a:t>F-s0ciety</a:t>
-            </a:r>
-          </a:p>
-          <a:p>
-            <a:endParaRPr lang="en-US" baseline="0" dirty="0" smtClean="0"/>
-          </a:p>
-          <a:p>
-            <a:r>
-              <a:rPr lang="en-US" dirty="0" smtClean="0"/>
-              <a:t>http://www.symantec.com/content/en/us/enterprise/media/security_response/whitepapers/the-evolution-of-ransomware.pdf</a:t>
+              <a:rPr lang="en-US" sz="1200" b="0" i="0" kern="1200" dirty="0" smtClean="0">
+                <a:solidFill>
+                  <a:schemeClr val="tx1"/>
+                </a:solidFill>
+                <a:effectLst/>
+                <a:latin typeface="+mn-lt"/>
+                <a:ea typeface="+mn-ea"/>
+                <a:cs typeface="+mn-cs"/>
+              </a:rPr>
+              <a:t>Sean Murray</a:t>
             </a:r>
             <a:endParaRPr lang="en-US" dirty="0"/>
           </a:p>
@@ -1213,7 +2017,7 @@
           <a:p>
             <a:fld id="{DD091B9F-3426-4F22-847B-A2FF371F41B6}" type="slidenum">
               <a:rPr lang="en-US" smtClean="0"/>
-              <a:t>3</a:t>
+              <a:t>2</a:t>
             </a:fld>
             <a:endParaRPr lang="en-US"/>
           </a:p>
@@ -1222,7 +2026,111 @@
     </p:spTree>
     <p:extLst>
       <p:ext uri="{BB962C8B-B14F-4D97-AF65-F5344CB8AC3E}">
-        <p14:creationId xmlns:p14="http://schemas.microsoft.com/office/powerpoint/2010/main" val="2697887593"/>
+        <p14:creationId xmlns:p14="http://schemas.microsoft.com/office/powerpoint/2010/main" val="1575009120"/>
+      </p:ext>
+    </p:extLst>
+  </p:cSld>
+  <p:clrMapOvr>
+    <a:masterClrMapping/>
+  </p:clrMapOvr>
+</p:notes>
+</file>
+
+<file path=ppt/notesSlides/notesSlide20.xml><?xml version="1.0" encoding="utf-8"?>
+<p:notes xmlns:a="http://schemas.openxmlformats.org/drawingml/2006/main" xmlns:r="http://schemas.openxmlformats.org/officeDocument/2006/relationships" xmlns:p="http://schemas.openxmlformats.org/presentationml/2006/main">
+  <p:cSld>
+    <p:spTree>
+      <p:nvGrpSpPr>
+        <p:cNvPr id="1" name=""/>
+        <p:cNvGrpSpPr/>
+        <p:nvPr/>
+      </p:nvGrpSpPr>
+      <p:grpSpPr>
+        <a:xfrm>
+          <a:off x="0" y="0"/>
+          <a:ext cx="0" cy="0"/>
+          <a:chOff x="0" y="0"/>
+          <a:chExt cx="0" cy="0"/>
+        </a:xfrm>
+      </p:grpSpPr>
+      <p:sp>
+        <p:nvSpPr>
+          <p:cNvPr id="2" name="Slide Image Placeholder 1"/>
+          <p:cNvSpPr>
+            <a:spLocks noGrp="1" noRot="1" noChangeAspect="1"/>
+          </p:cNvSpPr>
+          <p:nvPr>
+            <p:ph type="sldImg"/>
+          </p:nvPr>
+        </p:nvSpPr>
+        <p:spPr/>
+      </p:sp>
+      <p:sp>
+        <p:nvSpPr>
+          <p:cNvPr id="3" name="Notes Placeholder 2"/>
+          <p:cNvSpPr>
+            <a:spLocks noGrp="1"/>
+          </p:cNvSpPr>
+          <p:nvPr>
+            <p:ph type="body" idx="1"/>
+          </p:nvPr>
+        </p:nvSpPr>
+        <p:spPr/>
+        <p:txBody>
+          <a:bodyPr/>
+          <a:lstStyle/>
+          <a:p>
+            <a:r>
+              <a:rPr lang="en-US" dirty="0" smtClean="0"/>
+              <a:t>Don’t pay : don’t listen to FBI</a:t>
+            </a:r>
+          </a:p>
+          <a:p>
+            <a:r>
+              <a:rPr lang="en-US" dirty="0" smtClean="0"/>
+              <a:t>Mount backups in </a:t>
+            </a:r>
+            <a:r>
+              <a:rPr lang="en-US" dirty="0" err="1" smtClean="0"/>
+              <a:t>ReadOnly</a:t>
+            </a:r>
+            <a:r>
+              <a:rPr lang="en-US" dirty="0" smtClean="0"/>
+              <a:t> mode while restoring.</a:t>
+            </a:r>
+          </a:p>
+          <a:p>
+            <a:endParaRPr lang="en-US" dirty="0"/>
+          </a:p>
+        </p:txBody>
+      </p:sp>
+      <p:sp>
+        <p:nvSpPr>
+          <p:cNvPr id="4" name="Slide Number Placeholder 3"/>
+          <p:cNvSpPr>
+            <a:spLocks noGrp="1"/>
+          </p:cNvSpPr>
+          <p:nvPr>
+            <p:ph type="sldNum" sz="quarter" idx="10"/>
+          </p:nvPr>
+        </p:nvSpPr>
+        <p:spPr/>
+        <p:txBody>
+          <a:bodyPr/>
+          <a:lstStyle/>
+          <a:p>
+            <a:fld id="{DD091B9F-3426-4F22-847B-A2FF371F41B6}" type="slidenum">
+              <a:rPr lang="en-US" smtClean="0"/>
+              <a:t>22</a:t>
+            </a:fld>
+            <a:endParaRPr lang="en-US"/>
+          </a:p>
+        </p:txBody>
+      </p:sp>
+    </p:spTree>
+    <p:extLst>
+      <p:ext uri="{BB962C8B-B14F-4D97-AF65-F5344CB8AC3E}">
+        <p14:creationId xmlns:p14="http://schemas.microsoft.com/office/powerpoint/2010/main" val="1562023026"/>
       </p:ext>
     </p:extLst>
   </p:cSld>
@@ -1278,7 +2186,53 @@
           <a:p>
             <a:r>
               <a:rPr lang="en-US" dirty="0" smtClean="0"/>
-              <a:t>https://fightransomware.com/</a:t>
+              <a:t>Symantec-08/2015</a:t>
+            </a:r>
+          </a:p>
+          <a:p>
+            <a:endParaRPr lang="en-US" dirty="0" smtClean="0"/>
+          </a:p>
+          <a:p>
+            <a:r>
+              <a:rPr lang="en-US" dirty="0" smtClean="0"/>
+              <a:t>“Ransom”: A sum of money demanded or paid for the release of a captive.</a:t>
+            </a:r>
+          </a:p>
+          <a:p>
+            <a:r>
+              <a:rPr lang="en-US" dirty="0" smtClean="0"/>
+              <a:t>Captive: Files/Systems</a:t>
+            </a:r>
+          </a:p>
+          <a:p>
+            <a:endParaRPr lang="en-US" dirty="0" smtClean="0"/>
+          </a:p>
+          <a:p>
+            <a:r>
+              <a:rPr lang="en-US" dirty="0" smtClean="0"/>
+              <a:t>Ransomware is a</a:t>
+            </a:r>
+            <a:r>
+              <a:rPr lang="en-US" baseline="0" dirty="0" smtClean="0"/>
+              <a:t> tool to facilitate Ransom.</a:t>
+            </a:r>
+          </a:p>
+          <a:p>
+            <a:endParaRPr lang="en-US" baseline="0" dirty="0" smtClean="0"/>
+          </a:p>
+          <a:p>
+            <a:r>
+              <a:rPr lang="en-US" baseline="0" dirty="0" smtClean="0"/>
+              <a:t>F-s0ciety</a:t>
+            </a:r>
+          </a:p>
+          <a:p>
+            <a:endParaRPr lang="en-US" baseline="0" dirty="0" smtClean="0"/>
+          </a:p>
+          <a:p>
+            <a:r>
+              <a:rPr lang="en-US" dirty="0" smtClean="0"/>
+              <a:t>http://www.symantec.com/content/en/us/enterprise/media/security_response/whitepapers/the-evolution-of-ransomware.pdf</a:t>
             </a:r>
             <a:endParaRPr lang="en-US" dirty="0"/>
           </a:p>
@@ -1301,7 +2255,7 @@
           <a:p>
             <a:fld id="{DD091B9F-3426-4F22-847B-A2FF371F41B6}" type="slidenum">
               <a:rPr lang="en-US" smtClean="0"/>
-              <a:t>4</a:t>
+              <a:t>3</a:t>
             </a:fld>
             <a:endParaRPr lang="en-US"/>
           </a:p>
@@ -1310,7 +2264,7 @@
     </p:spTree>
     <p:extLst>
       <p:ext uri="{BB962C8B-B14F-4D97-AF65-F5344CB8AC3E}">
-        <p14:creationId xmlns:p14="http://schemas.microsoft.com/office/powerpoint/2010/main" val="1894815603"/>
+        <p14:creationId xmlns:p14="http://schemas.microsoft.com/office/powerpoint/2010/main" val="2697887593"/>
       </p:ext>
     </p:extLst>
   </p:cSld>
@@ -1366,46 +2320,7 @@
           <a:p>
             <a:r>
               <a:rPr lang="en-US" dirty="0" smtClean="0"/>
-              <a:t>Return On Investment.</a:t>
-            </a:r>
-          </a:p>
-          <a:p>
-            <a:endParaRPr lang="en-US" dirty="0" smtClean="0"/>
-          </a:p>
-          <a:p>
-            <a:r>
-              <a:rPr lang="en-US" dirty="0" smtClean="0"/>
-              <a:t>Stats</a:t>
-            </a:r>
-            <a:r>
-              <a:rPr lang="en-US" baseline="0" dirty="0" smtClean="0"/>
-              <a:t> by </a:t>
-            </a:r>
-            <a:r>
-              <a:rPr lang="en-US" baseline="0" dirty="0" err="1" smtClean="0"/>
-              <a:t>Trustwave</a:t>
-            </a:r>
-            <a:r>
-              <a:rPr lang="en-US" baseline="0" dirty="0" smtClean="0"/>
-              <a:t>, </a:t>
-            </a:r>
-            <a:r>
-              <a:rPr lang="en-US" baseline="0" dirty="0" err="1" smtClean="0"/>
-              <a:t>CTBLoker</a:t>
-            </a:r>
-            <a:r>
-              <a:rPr lang="en-US" baseline="0" dirty="0" smtClean="0"/>
-              <a:t> as example.</a:t>
-            </a:r>
-            <a:endParaRPr lang="en-US" dirty="0" smtClean="0"/>
-          </a:p>
-          <a:p>
-            <a:endParaRPr lang="en-US" dirty="0" smtClean="0"/>
-          </a:p>
-          <a:p>
-            <a:r>
-              <a:rPr lang="en-US" dirty="0" smtClean="0"/>
-              <a:t>http://www.darkreading.com/analytics/cybercrime-can-give-attackers-1425--return-on-investment/d/d-id/1320756</a:t>
+              <a:t>https://fightransomware.com/</a:t>
             </a:r>
             <a:endParaRPr lang="en-US" dirty="0"/>
           </a:p>
@@ -1428,7 +2343,7 @@
           <a:p>
             <a:fld id="{DD091B9F-3426-4F22-847B-A2FF371F41B6}" type="slidenum">
               <a:rPr lang="en-US" smtClean="0"/>
-              <a:t>6</a:t>
+              <a:t>4</a:t>
             </a:fld>
             <a:endParaRPr lang="en-US"/>
           </a:p>
@@ -1437,7 +2352,7 @@
     </p:spTree>
     <p:extLst>
       <p:ext uri="{BB962C8B-B14F-4D97-AF65-F5344CB8AC3E}">
-        <p14:creationId xmlns:p14="http://schemas.microsoft.com/office/powerpoint/2010/main" val="4023032190"/>
+        <p14:creationId xmlns:p14="http://schemas.microsoft.com/office/powerpoint/2010/main" val="1894815603"/>
       </p:ext>
     </p:extLst>
   </p:cSld>
@@ -1491,45 +2406,39 @@
           <a:bodyPr/>
           <a:lstStyle/>
           <a:p>
-            <a:pPr marL="0" marR="0" lvl="0" indent="0" algn="l" defTabSz="914400" rtl="0" eaLnBrk="1" fontAlgn="auto" latinLnBrk="0" hangingPunct="1">
-              <a:lnSpc>
-                <a:spcPct val="100000"/>
-              </a:lnSpc>
-              <a:spcBef>
-                <a:spcPts val="0"/>
-              </a:spcBef>
-              <a:spcAft>
-                <a:spcPts val="0"/>
-              </a:spcAft>
-              <a:buClrTx/>
-              <a:buSzTx/>
-              <a:buFontTx/>
-              <a:buNone/>
-              <a:tabLst/>
-              <a:defRPr/>
-            </a:pPr>
-            <a:r>
-              <a:rPr lang="en-US" dirty="0" smtClean="0"/>
-              <a:t>*2</a:t>
+            <a:r>
+              <a:rPr lang="en-US" dirty="0" smtClean="0"/>
+              <a:t>Return On Investment.</a:t>
+            </a:r>
+          </a:p>
+          <a:p>
+            <a:endParaRPr lang="en-US" dirty="0" smtClean="0"/>
+          </a:p>
+          <a:p>
+            <a:r>
+              <a:rPr lang="en-US" dirty="0" smtClean="0"/>
+              <a:t>Stats</a:t>
             </a:r>
             <a:r>
               <a:rPr lang="en-US" baseline="0" dirty="0" smtClean="0"/>
-              <a:t> : </a:t>
+              <a:t> by </a:t>
             </a:r>
             <a:r>
               <a:rPr lang="en-US" baseline="0" dirty="0" err="1" smtClean="0"/>
-              <a:t>by</a:t>
-            </a:r>
-            <a:r>
-              <a:rPr lang="en-US" dirty="0" err="1" smtClean="0"/>
-              <a:t>FBI</a:t>
-            </a:r>
-            <a:r>
-              <a:rPr lang="en-US" dirty="0" smtClean="0"/>
-              <a:t>, based on reported cases.</a:t>
-            </a:r>
-          </a:p>
-          <a:p>
+              <a:t>Trustwave</a:t>
+            </a:r>
+            <a:r>
+              <a:rPr lang="en-US" baseline="0" dirty="0" smtClean="0"/>
+              <a:t>, </a:t>
+            </a:r>
+            <a:r>
+              <a:rPr lang="en-US" baseline="0" dirty="0" err="1" smtClean="0"/>
+              <a:t>CTBLoker</a:t>
+            </a:r>
+            <a:r>
+              <a:rPr lang="en-US" baseline="0" dirty="0" smtClean="0"/>
+              <a:t> as example.</a:t>
+            </a:r>
             <a:endParaRPr lang="en-US" dirty="0" smtClean="0"/>
           </a:p>
           <a:p>
@@ -1538,7 +2447,7 @@
           <a:p>
             <a:r>
               <a:rPr lang="en-US" dirty="0" smtClean="0"/>
-              <a:t>https://go.malwarebytes.com/OstermanRansomwareSurvey.html</a:t>
+              <a:t>http://www.darkreading.com/analytics/cybercrime-can-give-attackers-1425--return-on-investment/d/d-id/1320756</a:t>
             </a:r>
             <a:endParaRPr lang="en-US" dirty="0"/>
           </a:p>
@@ -1561,7 +2470,7 @@
           <a:p>
             <a:fld id="{DD091B9F-3426-4F22-847B-A2FF371F41B6}" type="slidenum">
               <a:rPr lang="en-US" smtClean="0"/>
-              <a:t>7</a:t>
+              <a:t>6</a:t>
             </a:fld>
             <a:endParaRPr lang="en-US"/>
           </a:p>
@@ -1570,7 +2479,7 @@
     </p:spTree>
     <p:extLst>
       <p:ext uri="{BB962C8B-B14F-4D97-AF65-F5344CB8AC3E}">
-        <p14:creationId xmlns:p14="http://schemas.microsoft.com/office/powerpoint/2010/main" val="340029348"/>
+        <p14:creationId xmlns:p14="http://schemas.microsoft.com/office/powerpoint/2010/main" val="4023032190"/>
       </p:ext>
     </p:extLst>
   </p:cSld>
@@ -1624,6 +2533,45 @@
           <a:bodyPr/>
           <a:lstStyle/>
           <a:p>
+            <a:pPr marL="0" marR="0" lvl="0" indent="0" algn="l" defTabSz="914400" rtl="0" eaLnBrk="1" fontAlgn="auto" latinLnBrk="0" hangingPunct="1">
+              <a:lnSpc>
+                <a:spcPct val="100000"/>
+              </a:lnSpc>
+              <a:spcBef>
+                <a:spcPts val="0"/>
+              </a:spcBef>
+              <a:spcAft>
+                <a:spcPts val="0"/>
+              </a:spcAft>
+              <a:buClrTx/>
+              <a:buSzTx/>
+              <a:buFontTx/>
+              <a:buNone/>
+              <a:tabLst/>
+              <a:defRPr/>
+            </a:pPr>
+            <a:r>
+              <a:rPr lang="en-US" dirty="0" smtClean="0"/>
+              <a:t>*2</a:t>
+            </a:r>
+            <a:r>
+              <a:rPr lang="en-US" baseline="0" dirty="0" smtClean="0"/>
+              <a:t> : </a:t>
+            </a:r>
+            <a:r>
+              <a:rPr lang="en-US" baseline="0" dirty="0" err="1" smtClean="0"/>
+              <a:t>by</a:t>
+            </a:r>
+            <a:r>
+              <a:rPr lang="en-US" dirty="0" err="1" smtClean="0"/>
+              <a:t>FBI</a:t>
+            </a:r>
+            <a:r>
+              <a:rPr lang="en-US" dirty="0" smtClean="0"/>
+              <a:t>, based on reported cases.</a:t>
+            </a:r>
+          </a:p>
+          <a:p>
             <a:endParaRPr lang="en-US" dirty="0" smtClean="0"/>
           </a:p>
           <a:p>
@@ -1632,7 +2580,7 @@
           <a:p>
             <a:r>
               <a:rPr lang="en-US" dirty="0" smtClean="0"/>
-              <a:t>http://centracomm.net/wp-content/uploads/2016/06/the-rise-of-ransomware.png</a:t>
+              <a:t>https://go.malwarebytes.com/OstermanRansomwareSurvey.html</a:t>
             </a:r>
             <a:endParaRPr lang="en-US" dirty="0"/>
           </a:p>
@@ -1655,7 +2603,7 @@
           <a:p>
             <a:fld id="{DD091B9F-3426-4F22-847B-A2FF371F41B6}" type="slidenum">
               <a:rPr lang="en-US" smtClean="0"/>
-              <a:t>8</a:t>
+              <a:t>7</a:t>
             </a:fld>
             <a:endParaRPr lang="en-US"/>
           </a:p>
@@ -1664,7 +2612,7 @@
     </p:spTree>
     <p:extLst>
       <p:ext uri="{BB962C8B-B14F-4D97-AF65-F5344CB8AC3E}">
-        <p14:creationId xmlns:p14="http://schemas.microsoft.com/office/powerpoint/2010/main" val="1589692032"/>
+        <p14:creationId xmlns:p14="http://schemas.microsoft.com/office/powerpoint/2010/main" val="340029348"/>
       </p:ext>
     </p:extLst>
   </p:cSld>
@@ -1718,33 +2666,15 @@
           <a:bodyPr/>
           <a:lstStyle/>
           <a:p>
-            <a:r>
-              <a:rPr lang="en-US" sz="1200" b="0" i="0" kern="1200" dirty="0" smtClean="0">
-                <a:solidFill>
-                  <a:schemeClr val="tx1"/>
-                </a:solidFill>
-                <a:effectLst/>
-                <a:latin typeface="+mn-lt"/>
-                <a:ea typeface="+mn-ea"/>
-                <a:cs typeface="+mn-cs"/>
-              </a:rPr>
-              <a:t>1. Harvard-trained evolutionary biologist Joseph L. Popp.</a:t>
-            </a:r>
-          </a:p>
-          <a:p>
-            <a:r>
-              <a:rPr lang="en-US" dirty="0" smtClean="0"/>
-              <a:t>4. PO Box</a:t>
-            </a:r>
-            <a:r>
-              <a:rPr lang="en-US" baseline="0" dirty="0" smtClean="0"/>
-              <a:t> in name of PC Cyborg Corp.</a:t>
-            </a:r>
-          </a:p>
-          <a:p>
-            <a:r>
-              <a:rPr lang="en-US" dirty="0" smtClean="0"/>
-              <a:t>5. Ransom was asked as license fee to use the software.</a:t>
+            <a:endParaRPr lang="en-US" dirty="0" smtClean="0"/>
+          </a:p>
+          <a:p>
+            <a:endParaRPr lang="en-US" dirty="0" smtClean="0"/>
+          </a:p>
+          <a:p>
+            <a:r>
+              <a:rPr lang="en-US" dirty="0" smtClean="0"/>
+              <a:t>http://centracomm.net/wp-content/uploads/2016/06/the-rise-of-ransomware.png</a:t>
             </a:r>
             <a:endParaRPr lang="en-US" dirty="0"/>
           </a:p>
@@ -1767,7 +2697,7 @@
           <a:p>
             <a:fld id="{DD091B9F-3426-4F22-847B-A2FF371F41B6}" type="slidenum">
               <a:rPr lang="en-US" smtClean="0"/>
-              <a:t>9</a:t>
+              <a:t>8</a:t>
             </a:fld>
             <a:endParaRPr lang="en-US"/>
           </a:p>
@@ -1776,7 +2706,7 @@
     </p:spTree>
     <p:extLst>
       <p:ext uri="{BB962C8B-B14F-4D97-AF65-F5344CB8AC3E}">
-        <p14:creationId xmlns:p14="http://schemas.microsoft.com/office/powerpoint/2010/main" val="3089237965"/>
+        <p14:creationId xmlns:p14="http://schemas.microsoft.com/office/powerpoint/2010/main" val="1589692032"/>
       </p:ext>
     </p:extLst>
   </p:cSld>
@@ -1831,67 +2761,32 @@
           <a:lstStyle/>
           <a:p>
             <a:r>
-              <a:rPr lang="en-US" dirty="0" smtClean="0"/>
-              <a:t>1</a:t>
-            </a:r>
-            <a:r>
-              <a:rPr lang="en-US" baseline="30000" dirty="0" smtClean="0"/>
-              <a:t>st</a:t>
-            </a:r>
-            <a:r>
-              <a:rPr lang="en-US" dirty="0" smtClean="0"/>
-              <a:t> </a:t>
+              <a:rPr lang="en-US" sz="1200" b="0" i="0" kern="1200" dirty="0" smtClean="0">
+                <a:solidFill>
+                  <a:schemeClr val="tx1"/>
+                </a:solidFill>
+                <a:effectLst/>
+                <a:latin typeface="+mn-lt"/>
+                <a:ea typeface="+mn-ea"/>
+                <a:cs typeface="+mn-cs"/>
+              </a:rPr>
+              <a:t>1. Harvard-trained evolutionary biologist Joseph L. Popp.</a:t>
+            </a:r>
+          </a:p>
+          <a:p>
+            <a:r>
+              <a:rPr lang="en-US" dirty="0" smtClean="0"/>
+              <a:t>4. PO Box</a:t>
             </a:r>
             <a:r>
               <a:rPr lang="en-US" baseline="0" dirty="0" smtClean="0"/>
-              <a:t>in 2004. Custom symmetric encryption, 1 byte key. Easily defeated.</a:t>
-            </a:r>
-          </a:p>
-          <a:p>
-            <a:endParaRPr lang="en-US" baseline="0" dirty="0" smtClean="0"/>
-          </a:p>
-          <a:p>
-            <a:r>
-              <a:rPr lang="en-US" baseline="0" dirty="0" err="1" smtClean="0"/>
-              <a:t>GPCoder.ak</a:t>
-            </a:r>
-            <a:r>
-              <a:rPr lang="en-US" baseline="0" dirty="0" smtClean="0"/>
-              <a:t> proper 1024bit RSA+RC4.</a:t>
-            </a:r>
-          </a:p>
-          <a:p>
-            <a:endParaRPr lang="en-US" baseline="0" dirty="0" smtClean="0"/>
-          </a:p>
-          <a:p>
-            <a:r>
-              <a:rPr lang="en-US" dirty="0" smtClean="0"/>
-              <a:t>Deleted, so undelete</a:t>
-            </a:r>
-            <a:r>
-              <a:rPr lang="en-US" baseline="0" dirty="0" smtClean="0"/>
-              <a:t> was possible.</a:t>
-            </a:r>
-          </a:p>
-          <a:p>
-            <a:endParaRPr lang="en-US" dirty="0" smtClean="0"/>
-          </a:p>
-          <a:p>
-            <a:r>
-              <a:rPr lang="en-US" dirty="0" smtClean="0"/>
-              <a:t>RC4</a:t>
-            </a:r>
-            <a:r>
-              <a:rPr lang="en-US" baseline="0" dirty="0" smtClean="0"/>
-              <a:t> =&gt; Easy </a:t>
-            </a:r>
-            <a:r>
-              <a:rPr lang="en-US" baseline="0" dirty="0" err="1" smtClean="0"/>
-              <a:t>cryptoanalysis</a:t>
-            </a:r>
-            <a:r>
-              <a:rPr lang="en-US" baseline="0" dirty="0" smtClean="0"/>
-              <a:t>.</a:t>
+              <a:t> in name of PC Cyborg Corp.</a:t>
+            </a:r>
+          </a:p>
+          <a:p>
+            <a:r>
+              <a:rPr lang="en-US" dirty="0" smtClean="0"/>
+              <a:t>5. Ransom was asked as license fee to use the software.</a:t>
             </a:r>
             <a:endParaRPr lang="en-US" dirty="0"/>
           </a:p>
@@ -1914,7 +2809,7 @@
           <a:p>
             <a:fld id="{DD091B9F-3426-4F22-847B-A2FF371F41B6}" type="slidenum">
               <a:rPr lang="en-US" smtClean="0"/>
-              <a:t>10</a:t>
+              <a:t>9</a:t>
             </a:fld>
             <a:endParaRPr lang="en-US"/>
           </a:p>
@@ -1923,7 +2818,7 @@
     </p:spTree>
     <p:extLst>
       <p:ext uri="{BB962C8B-B14F-4D97-AF65-F5344CB8AC3E}">
-        <p14:creationId xmlns:p14="http://schemas.microsoft.com/office/powerpoint/2010/main" val="892593213"/>
+        <p14:creationId xmlns:p14="http://schemas.microsoft.com/office/powerpoint/2010/main" val="3089237965"/>
       </p:ext>
     </p:extLst>
   </p:cSld>
@@ -1979,11 +2874,19 @@
           <a:p>
             <a:r>
               <a:rPr lang="en-US" dirty="0" smtClean="0"/>
-              <a:t>Police</a:t>
+              <a:t>1</a:t>
+            </a:r>
+            <a:r>
+              <a:rPr lang="en-US" baseline="30000" dirty="0" smtClean="0"/>
+              <a:t>st</a:t>
+            </a:r>
+            <a:r>
+              <a:rPr lang="en-US" dirty="0" smtClean="0"/>
+              <a:t> </a:t>
             </a:r>
             <a:r>
               <a:rPr lang="en-US" baseline="0" dirty="0" smtClean="0"/>
-              <a:t> themed ransomware.</a:t>
+              <a:t>in 2004. Custom symmetric encryption, 1 byte key. Easily defeated.</a:t>
             </a:r>
           </a:p>
           <a:p>
@@ -1991,8 +2894,25 @@
           </a:p>
           <a:p>
             <a:r>
+              <a:rPr lang="en-US" baseline="0" dirty="0" err="1" smtClean="0"/>
+              <a:t>GPCoder.ak</a:t>
+            </a:r>
+            <a:r>
               <a:rPr lang="en-US" baseline="0" dirty="0" smtClean="0"/>
-              <a:t>Ransomware for OSX. Used webpage and clickjacking.</a:t>
+              <a:t> proper 1024bit RSA+RC4.</a:t>
+            </a:r>
+          </a:p>
+          <a:p>
+            <a:endParaRPr lang="en-US" baseline="0" dirty="0" smtClean="0"/>
+          </a:p>
+          <a:p>
+            <a:r>
+              <a:rPr lang="en-US" dirty="0" smtClean="0"/>
+              <a:t>Deleted, so undelete</a:t>
+            </a:r>
+            <a:r>
+              <a:rPr lang="en-US" baseline="0" dirty="0" smtClean="0"/>
+              <a:t> was possible.</a:t>
             </a:r>
           </a:p>
           <a:p>
@@ -2000,54 +2920,22 @@
           </a:p>
           <a:p>
             <a:r>
-              <a:rPr lang="en-US" sz="1200" b="0" i="0" kern="1200" dirty="0" smtClean="0">
-                <a:solidFill>
-                  <a:schemeClr val="tx1"/>
-                </a:solidFill>
-                <a:effectLst/>
-                <a:latin typeface="+mn-lt"/>
-                <a:ea typeface="+mn-ea"/>
-                <a:cs typeface="+mn-cs"/>
-              </a:rPr>
-              <a:t>Jay Matthew Riley, 21, of Woodbridge, </a:t>
-            </a:r>
-            <a:r>
-              <a:rPr lang="en-US" sz="1200" b="0" i="0" kern="1200" dirty="0" err="1" smtClean="0">
-                <a:solidFill>
-                  <a:schemeClr val="tx1"/>
-                </a:solidFill>
-                <a:effectLst/>
-                <a:latin typeface="+mn-lt"/>
-                <a:ea typeface="+mn-ea"/>
-                <a:cs typeface="+mn-cs"/>
-              </a:rPr>
-              <a:t>Va</a:t>
-            </a:r>
-            <a:r>
-              <a:rPr lang="en-US" sz="1200" b="0" i="0" kern="1200" dirty="0" smtClean="0">
-                <a:solidFill>
-                  <a:schemeClr val="tx1"/>
-                </a:solidFill>
-                <a:effectLst/>
-                <a:latin typeface="+mn-lt"/>
-                <a:ea typeface="+mn-ea"/>
-                <a:cs typeface="+mn-cs"/>
-              </a:rPr>
-              <a:t>, turned</a:t>
-            </a:r>
-            <a:r>
-              <a:rPr lang="en-US" sz="1200" b="0" i="0" kern="1200" baseline="0" dirty="0" smtClean="0">
-                <a:solidFill>
-                  <a:schemeClr val="tx1"/>
-                </a:solidFill>
-                <a:effectLst/>
-                <a:latin typeface="+mn-lt"/>
-                <a:ea typeface="+mn-ea"/>
-                <a:cs typeface="+mn-cs"/>
-              </a:rPr>
-              <a:t> himself to police.</a:t>
-            </a:r>
-            <a:endParaRPr lang="en-US" dirty="0" smtClean="0"/>
+              <a:rPr lang="en-US" dirty="0" smtClean="0"/>
+              <a:t>RC4</a:t>
+            </a:r>
+            <a:r>
+              <a:rPr lang="en-US" baseline="0" dirty="0" smtClean="0"/>
+              <a:t> =&gt; Easy </a:t>
+            </a:r>
+            <a:r>
+              <a:rPr lang="en-US" baseline="0" dirty="0" err="1" smtClean="0"/>
+              <a:t>cryptoanalysis</a:t>
+            </a:r>
+            <a:r>
+              <a:rPr lang="en-US" baseline="0" dirty="0" smtClean="0"/>
+              <a:t>.</a:t>
+            </a:r>
+            <a:endParaRPr lang="en-US" dirty="0"/>
           </a:p>
         </p:txBody>
       </p:sp>
@@ -2068,7 +2956,7 @@
           <a:p>
             <a:fld id="{DD091B9F-3426-4F22-847B-A2FF371F41B6}" type="slidenum">
               <a:rPr lang="en-US" smtClean="0"/>
-              <a:t>12</a:t>
+              <a:t>10</a:t>
             </a:fld>
             <a:endParaRPr lang="en-US"/>
           </a:p>
@@ -2077,7 +2965,7 @@
     </p:spTree>
     <p:extLst>
       <p:ext uri="{BB962C8B-B14F-4D97-AF65-F5344CB8AC3E}">
-        <p14:creationId xmlns:p14="http://schemas.microsoft.com/office/powerpoint/2010/main" val="912829437"/>
+        <p14:creationId xmlns:p14="http://schemas.microsoft.com/office/powerpoint/2010/main" val="892593213"/>
       </p:ext>
     </p:extLst>
   </p:cSld>
@@ -2219,7 +3107,7 @@
             <a:fld id="{B61BEF0D-F0BB-DE4B-95CE-6DB70DBA9567}" type="datetimeFigureOut">
               <a:rPr lang="en-US" smtClean="0"/>
               <a:pPr/>
-              <a:t>07/12/2016</a:t>
+              <a:t>09/12/2016</a:t>
             </a:fld>
             <a:endParaRPr lang="en-US" dirty="0"/>
           </a:p>
@@ -2278,6 +3166,9 @@
   <p:clrMapOvr>
     <a:masterClrMapping/>
   </p:clrMapOvr>
+  <p:transition>
+    <p:fade/>
+  </p:transition>
   <p:timing>
     <p:tnLst>
       <p:par>
@@ -2398,7 +3289,7 @@
             <a:fld id="{B61BEF0D-F0BB-DE4B-95CE-6DB70DBA9567}" type="datetimeFigureOut">
               <a:rPr lang="en-US" smtClean="0"/>
               <a:pPr/>
-              <a:t>07/12/2016</a:t>
+              <a:t>09/12/2016</a:t>
             </a:fld>
             <a:endParaRPr lang="en-US" dirty="0"/>
           </a:p>
@@ -2457,6 +3348,9 @@
   <p:clrMapOvr>
     <a:masterClrMapping/>
   </p:clrMapOvr>
+  <p:transition>
+    <p:fade/>
+  </p:transition>
 </p:sldLayout>
 </file>
 
@@ -2580,7 +3474,7 @@
             <a:fld id="{B61BEF0D-F0BB-DE4B-95CE-6DB70DBA9567}" type="datetimeFigureOut">
               <a:rPr lang="en-US" smtClean="0"/>
               <a:pPr/>
-              <a:t>07/12/2016</a:t>
+              <a:t>09/12/2016</a:t>
             </a:fld>
             <a:endParaRPr lang="en-US" dirty="0"/>
           </a:p>
@@ -2639,6 +3533,9 @@
   <p:clrMapOvr>
     <a:masterClrMapping/>
   </p:clrMapOvr>
+  <p:transition>
+    <p:fade/>
+  </p:transition>
 </p:sldLayout>
 </file>
 
@@ -2752,7 +3649,7 @@
             <a:fld id="{B61BEF0D-F0BB-DE4B-95CE-6DB70DBA9567}" type="datetimeFigureOut">
               <a:rPr lang="en-US" smtClean="0"/>
               <a:pPr/>
-              <a:t>07/12/2016</a:t>
+              <a:t>09/12/2016</a:t>
             </a:fld>
             <a:endParaRPr lang="en-US" dirty="0"/>
           </a:p>
@@ -2811,6 +3708,9 @@
   <p:clrMapOvr>
     <a:masterClrMapping/>
   </p:clrMapOvr>
+  <p:transition>
+    <p:fade/>
+  </p:transition>
   <p:timing>
     <p:tnLst>
       <p:par>
@@ -3005,7 +3905,7 @@
             <a:fld id="{B61BEF0D-F0BB-DE4B-95CE-6DB70DBA9567}" type="datetimeFigureOut">
               <a:rPr lang="en-US" smtClean="0"/>
               <a:pPr/>
-              <a:t>07/12/2016</a:t>
+              <a:t>09/12/2016</a:t>
             </a:fld>
             <a:endParaRPr lang="en-US" dirty="0"/>
           </a:p>
@@ -3064,6 +3964,9 @@
   <p:clrMapOvr>
     <a:masterClrMapping/>
   </p:clrMapOvr>
+  <p:transition>
+    <p:fade/>
+  </p:transition>
 </p:sldLayout>
 </file>
 
@@ -3239,7 +4142,7 @@
             <a:fld id="{B61BEF0D-F0BB-DE4B-95CE-6DB70DBA9567}" type="datetimeFigureOut">
               <a:rPr lang="en-US" smtClean="0"/>
               <a:pPr/>
-              <a:t>07/12/2016</a:t>
+              <a:t>09/12/2016</a:t>
             </a:fld>
             <a:endParaRPr lang="en-US" dirty="0"/>
           </a:p>
@@ -3298,6 +4201,9 @@
   <p:clrMapOvr>
     <a:masterClrMapping/>
   </p:clrMapOvr>
+  <p:transition>
+    <p:fade/>
+  </p:transition>
 </p:sldLayout>
 </file>
 
@@ -3608,7 +4514,7 @@
             <a:fld id="{B61BEF0D-F0BB-DE4B-95CE-6DB70DBA9567}" type="datetimeFigureOut">
               <a:rPr lang="en-US" smtClean="0"/>
               <a:pPr/>
-              <a:t>07/12/2016</a:t>
+              <a:t>09/12/2016</a:t>
             </a:fld>
             <a:endParaRPr lang="en-US" dirty="0"/>
           </a:p>
@@ -3667,6 +4573,9 @@
   <p:clrMapOvr>
     <a:masterClrMapping/>
   </p:clrMapOvr>
+  <p:transition>
+    <p:fade/>
+  </p:transition>
 </p:sldLayout>
 </file>
 
@@ -3728,7 +4637,7 @@
             <a:fld id="{B61BEF0D-F0BB-DE4B-95CE-6DB70DBA9567}" type="datetimeFigureOut">
               <a:rPr lang="en-US" smtClean="0"/>
               <a:pPr/>
-              <a:t>07/12/2016</a:t>
+              <a:t>09/12/2016</a:t>
             </a:fld>
             <a:endParaRPr lang="en-US" dirty="0"/>
           </a:p>
@@ -3787,6 +4696,9 @@
   <p:clrMapOvr>
     <a:masterClrMapping/>
   </p:clrMapOvr>
+  <p:transition>
+    <p:fade/>
+  </p:transition>
 </p:sldLayout>
 </file>
 
@@ -3825,7 +4737,7 @@
             <a:fld id="{B61BEF0D-F0BB-DE4B-95CE-6DB70DBA9567}" type="datetimeFigureOut">
               <a:rPr lang="en-US" smtClean="0"/>
               <a:pPr/>
-              <a:t>07/12/2016</a:t>
+              <a:t>09/12/2016</a:t>
             </a:fld>
             <a:endParaRPr lang="en-US" dirty="0"/>
           </a:p>
@@ -3884,6 +4796,9 @@
   <p:clrMapOvr>
     <a:masterClrMapping/>
   </p:clrMapOvr>
+  <p:transition>
+    <p:fade/>
+  </p:transition>
 </p:sldLayout>
 </file>
 
@@ -4104,7 +5019,7 @@
             <a:fld id="{B61BEF0D-F0BB-DE4B-95CE-6DB70DBA9567}" type="datetimeFigureOut">
               <a:rPr lang="en-US" smtClean="0"/>
               <a:pPr/>
-              <a:t>07/12/2016</a:t>
+              <a:t>09/12/2016</a:t>
             </a:fld>
             <a:endParaRPr lang="en-US" dirty="0"/>
           </a:p>
@@ -4163,6 +5078,9 @@
   <p:clrMapOvr>
     <a:masterClrMapping/>
   </p:clrMapOvr>
+  <p:transition>
+    <p:fade/>
+  </p:transition>
 </p:sldLayout>
 </file>
 
@@ -4363,7 +5281,7 @@
             <a:fld id="{B61BEF0D-F0BB-DE4B-95CE-6DB70DBA9567}" type="datetimeFigureOut">
               <a:rPr lang="en-US" smtClean="0"/>
               <a:pPr/>
-              <a:t>07/12/2016</a:t>
+              <a:t>09/12/2016</a:t>
             </a:fld>
             <a:endParaRPr lang="en-US" dirty="0"/>
           </a:p>
@@ -4422,6 +5340,9 @@
   <p:clrMapOvr>
     <a:masterClrMapping/>
   </p:clrMapOvr>
+  <p:transition>
+    <p:fade/>
+  </p:transition>
 </p:sldLayout>
 </file>
 
@@ -4619,7 +5540,7 @@
             <a:fld id="{B61BEF0D-F0BB-DE4B-95CE-6DB70DBA9567}" type="datetimeFigureOut">
               <a:rPr lang="en-US" smtClean="0"/>
               <a:pPr/>
-              <a:t>07/12/2016</a:t>
+              <a:t>09/12/2016</a:t>
             </a:fld>
             <a:endParaRPr lang="en-US" dirty="0"/>
           </a:p>
@@ -4725,6 +5646,9 @@
     <p:sldLayoutId id="2147483750" r:id="rId10"/>
     <p:sldLayoutId id="2147483751" r:id="rId11"/>
   </p:sldLayoutIdLst>
+  <p:transition>
+    <p:fade/>
+  </p:transition>
   <p:timing>
     <p:tnLst>
       <p:par>
@@ -5180,6 +6104,9 @@
   <p:clrMapOvr>
     <a:masterClrMapping/>
   </p:clrMapOvr>
+  <p:transition>
+    <p:fade/>
+  </p:transition>
   <p:timing>
     <p:tnLst>
       <p:par>
@@ -5328,6 +6255,9 @@
   <p:clrMapOvr>
     <a:masterClrMapping/>
   </p:clrMapOvr>
+  <p:transition>
+    <p:fade/>
+  </p:transition>
   <p:timing>
     <p:tnLst>
       <p:par>
@@ -5462,6 +6392,9 @@
   <p:clrMapOvr>
     <a:masterClrMapping/>
   </p:clrMapOvr>
+  <p:transition>
+    <p:fade/>
+  </p:transition>
   <p:timing>
     <p:tnLst>
       <p:par>
@@ -5652,6 +6585,9 @@
   <p:clrMapOvr>
     <a:masterClrMapping/>
   </p:clrMapOvr>
+  <p:transition>
+    <p:fade/>
+  </p:transition>
   <p:timing>
     <p:tnLst>
       <p:par>
@@ -5796,6 +6732,9 @@
   <p:clrMapOvr>
     <a:masterClrMapping/>
   </p:clrMapOvr>
+  <p:transition>
+    <p:fade/>
+  </p:transition>
   <p:timing>
     <p:tnLst>
       <p:par>
@@ -6053,6 +6992,9 @@
   <p:clrMapOvr>
     <a:masterClrMapping/>
   </p:clrMapOvr>
+  <p:transition>
+    <p:fade/>
+  </p:transition>
   <p:timing>
     <p:tnLst>
       <p:par>
@@ -6177,6 +7119,9 @@
   <p:clrMapOvr>
     <a:masterClrMapping/>
   </p:clrMapOvr>
+  <p:transition>
+    <p:fade/>
+  </p:transition>
   <p:timing>
     <p:tnLst>
       <p:par>
@@ -6302,6 +7247,14 @@
             <a:endParaRPr lang="en-US" dirty="0" smtClean="0"/>
           </a:p>
           <a:p>
+            <a:pPr lvl="1"/>
+            <a:r>
+              <a:rPr lang="en-US" dirty="0" smtClean="0"/>
+              <a:t>ps1</a:t>
+            </a:r>
+            <a:endParaRPr lang="en-US" dirty="0" smtClean="0"/>
+          </a:p>
+          <a:p>
             <a:r>
               <a:rPr lang="en-US" dirty="0" smtClean="0"/>
               <a:t>HTML</a:t>
@@ -6314,8 +7267,96 @@
               <a:t>HTA</a:t>
             </a:r>
           </a:p>
-        </p:txBody>
-      </p:sp>
+          <a:p>
+            <a:pPr marL="0" indent="0">
+              <a:buNone/>
+            </a:pPr>
+            <a:endParaRPr lang="en-US" dirty="0"/>
+          </a:p>
+        </p:txBody>
+      </p:sp>
+      <p:pic>
+        <p:nvPicPr>
+          <p:cNvPr id="1028" name="Picture 4" descr="infected phishing email"/>
+          <p:cNvPicPr>
+            <a:picLocks noChangeAspect="1" noChangeArrowheads="1"/>
+          </p:cNvPicPr>
+          <p:nvPr/>
+        </p:nvPicPr>
+        <p:blipFill>
+          <a:blip r:embed="rId3">
+            <a:extLst>
+              <a:ext uri="{28A0092B-C50C-407E-A947-70E740481C1C}">
+                <a14:useLocalDpi xmlns:a14="http://schemas.microsoft.com/office/drawing/2010/main" val="0"/>
+              </a:ext>
+            </a:extLst>
+          </a:blip>
+          <a:srcRect/>
+          <a:stretch>
+            <a:fillRect/>
+          </a:stretch>
+        </p:blipFill>
+        <p:spPr bwMode="auto">
+          <a:xfrm>
+            <a:off x="6283842" y="2051237"/>
+            <a:ext cx="2860158" cy="2183808"/>
+          </a:xfrm>
+          <a:prstGeom prst="rect">
+            <a:avLst/>
+          </a:prstGeom>
+          <a:noFill/>
+          <a:extLst>
+            <a:ext uri="{909E8E84-426E-40DD-AFC4-6F175D3DCCD1}">
+              <a14:hiddenFill xmlns:a14="http://schemas.microsoft.com/office/drawing/2010/main">
+                <a:solidFill>
+                  <a:srgbClr val="FFFFFF"/>
+                </a:solidFill>
+              </a14:hiddenFill>
+            </a:ext>
+          </a:extLst>
+        </p:spPr>
+      </p:pic>
+      <p:pic>
+        <p:nvPicPr>
+          <p:cNvPr id="1030" name="Picture 6" descr="OLE Dump VBA Macro"/>
+          <p:cNvPicPr>
+            <a:picLocks noChangeAspect="1" noChangeArrowheads="1"/>
+          </p:cNvPicPr>
+          <p:nvPr/>
+        </p:nvPicPr>
+        <p:blipFill>
+          <a:blip r:embed="rId4">
+            <a:extLst>
+              <a:ext uri="{28A0092B-C50C-407E-A947-70E740481C1C}">
+                <a14:useLocalDpi xmlns:a14="http://schemas.microsoft.com/office/drawing/2010/main" val="0"/>
+              </a:ext>
+            </a:extLst>
+          </a:blip>
+          <a:srcRect/>
+          <a:stretch>
+            <a:fillRect/>
+          </a:stretch>
+        </p:blipFill>
+        <p:spPr bwMode="auto">
+          <a:xfrm>
+            <a:off x="3568392" y="4302513"/>
+            <a:ext cx="5575608" cy="2555487"/>
+          </a:xfrm>
+          <a:prstGeom prst="rect">
+            <a:avLst/>
+          </a:prstGeom>
+          <a:noFill/>
+          <a:extLst>
+            <a:ext uri="{909E8E84-426E-40DD-AFC4-6F175D3DCCD1}">
+              <a14:hiddenFill xmlns:a14="http://schemas.microsoft.com/office/drawing/2010/main">
+                <a:solidFill>
+                  <a:srgbClr val="FFFFFF"/>
+                </a:solidFill>
+              </a14:hiddenFill>
+            </a:ext>
+          </a:extLst>
+        </p:spPr>
+      </p:pic>
     </p:spTree>
     <p:extLst>
       <p:ext uri="{BB962C8B-B14F-4D97-AF65-F5344CB8AC3E}">
@@ -6326,12 +7367,482 @@
   <p:clrMapOvr>
     <a:masterClrMapping/>
   </p:clrMapOvr>
+  <p:transition>
+    <p:fade/>
+  </p:transition>
   <p:timing>
     <p:tnLst>
       <p:par>
-        <p:cTn id="1" dur="indefinite" restart="never" nodeType="tmRoot"/>
+        <p:cTn id="1" dur="indefinite" restart="never" nodeType="tmRoot">
+          <p:childTnLst>
+            <p:seq concurrent="1" nextAc="seek">
+              <p:cTn id="2" dur="indefinite" nodeType="mainSeq">
+                <p:childTnLst>
+                  <p:par>
+                    <p:cTn id="3" fill="hold">
+                      <p:stCondLst>
+                        <p:cond delay="indefinite"/>
+                      </p:stCondLst>
+                      <p:childTnLst>
+                        <p:par>
+                          <p:cTn id="4" fill="hold">
+                            <p:stCondLst>
+                              <p:cond delay="0"/>
+                            </p:stCondLst>
+                            <p:childTnLst>
+                              <p:par>
+                                <p:cTn id="5" presetID="10" presetClass="entr" presetSubtype="0" fill="hold" grpId="0" nodeType="clickEffect">
+                                  <p:stCondLst>
+                                    <p:cond delay="0"/>
+                                  </p:stCondLst>
+                                  <p:childTnLst>
+                                    <p:set>
+                                      <p:cBhvr>
+                                        <p:cTn id="6" dur="1" fill="hold">
+                                          <p:stCondLst>
+                                            <p:cond delay="0"/>
+                                          </p:stCondLst>
+                                        </p:cTn>
+                                        <p:tgtEl>
+                                          <p:spTgt spid="3">
+                                            <p:txEl>
+                                              <p:pRg st="0" end="0"/>
+                                            </p:txEl>
+                                          </p:spTgt>
+                                        </p:tgtEl>
+                                        <p:attrNameLst>
+                                          <p:attrName>style.visibility</p:attrName>
+                                        </p:attrNameLst>
+                                      </p:cBhvr>
+                                      <p:to>
+                                        <p:strVal val="visible"/>
+                                      </p:to>
+                                    </p:set>
+                                    <p:animEffect transition="in" filter="fade">
+                                      <p:cBhvr>
+                                        <p:cTn id="7" dur="500"/>
+                                        <p:tgtEl>
+                                          <p:spTgt spid="3">
+                                            <p:txEl>
+                                              <p:pRg st="0" end="0"/>
+                                            </p:txEl>
+                                          </p:spTgt>
+                                        </p:tgtEl>
+                                      </p:cBhvr>
+                                    </p:animEffect>
+                                  </p:childTnLst>
+                                </p:cTn>
+                              </p:par>
+                              <p:par>
+                                <p:cTn id="8" presetID="10" presetClass="entr" presetSubtype="0" fill="hold" grpId="0" nodeType="withEffect">
+                                  <p:stCondLst>
+                                    <p:cond delay="0"/>
+                                  </p:stCondLst>
+                                  <p:childTnLst>
+                                    <p:set>
+                                      <p:cBhvr>
+                                        <p:cTn id="9" dur="1" fill="hold">
+                                          <p:stCondLst>
+                                            <p:cond delay="0"/>
+                                          </p:stCondLst>
+                                        </p:cTn>
+                                        <p:tgtEl>
+                                          <p:spTgt spid="3">
+                                            <p:txEl>
+                                              <p:pRg st="1" end="1"/>
+                                            </p:txEl>
+                                          </p:spTgt>
+                                        </p:tgtEl>
+                                        <p:attrNameLst>
+                                          <p:attrName>style.visibility</p:attrName>
+                                        </p:attrNameLst>
+                                      </p:cBhvr>
+                                      <p:to>
+                                        <p:strVal val="visible"/>
+                                      </p:to>
+                                    </p:set>
+                                    <p:animEffect transition="in" filter="fade">
+                                      <p:cBhvr>
+                                        <p:cTn id="10" dur="500"/>
+                                        <p:tgtEl>
+                                          <p:spTgt spid="3">
+                                            <p:txEl>
+                                              <p:pRg st="1" end="1"/>
+                                            </p:txEl>
+                                          </p:spTgt>
+                                        </p:tgtEl>
+                                      </p:cBhvr>
+                                    </p:animEffect>
+                                  </p:childTnLst>
+                                </p:cTn>
+                              </p:par>
+                            </p:childTnLst>
+                          </p:cTn>
+                        </p:par>
+                      </p:childTnLst>
+                    </p:cTn>
+                  </p:par>
+                  <p:par>
+                    <p:cTn id="11" fill="hold">
+                      <p:stCondLst>
+                        <p:cond delay="indefinite"/>
+                      </p:stCondLst>
+                      <p:childTnLst>
+                        <p:par>
+                          <p:cTn id="12" fill="hold">
+                            <p:stCondLst>
+                              <p:cond delay="0"/>
+                            </p:stCondLst>
+                            <p:childTnLst>
+                              <p:par>
+                                <p:cTn id="13" presetID="10" presetClass="entr" presetSubtype="0" fill="hold" grpId="0" nodeType="clickEffect">
+                                  <p:stCondLst>
+                                    <p:cond delay="0"/>
+                                  </p:stCondLst>
+                                  <p:childTnLst>
+                                    <p:set>
+                                      <p:cBhvr>
+                                        <p:cTn id="14" dur="1" fill="hold">
+                                          <p:stCondLst>
+                                            <p:cond delay="0"/>
+                                          </p:stCondLst>
+                                        </p:cTn>
+                                        <p:tgtEl>
+                                          <p:spTgt spid="3">
+                                            <p:txEl>
+                                              <p:pRg st="2" end="2"/>
+                                            </p:txEl>
+                                          </p:spTgt>
+                                        </p:tgtEl>
+                                        <p:attrNameLst>
+                                          <p:attrName>style.visibility</p:attrName>
+                                        </p:attrNameLst>
+                                      </p:cBhvr>
+                                      <p:to>
+                                        <p:strVal val="visible"/>
+                                      </p:to>
+                                    </p:set>
+                                    <p:animEffect transition="in" filter="fade">
+                                      <p:cBhvr>
+                                        <p:cTn id="15" dur="500"/>
+                                        <p:tgtEl>
+                                          <p:spTgt spid="3">
+                                            <p:txEl>
+                                              <p:pRg st="2" end="2"/>
+                                            </p:txEl>
+                                          </p:spTgt>
+                                        </p:tgtEl>
+                                      </p:cBhvr>
+                                    </p:animEffect>
+                                  </p:childTnLst>
+                                </p:cTn>
+                              </p:par>
+                              <p:par>
+                                <p:cTn id="16" presetID="10" presetClass="entr" presetSubtype="0" fill="hold" grpId="0" nodeType="withEffect">
+                                  <p:stCondLst>
+                                    <p:cond delay="0"/>
+                                  </p:stCondLst>
+                                  <p:childTnLst>
+                                    <p:set>
+                                      <p:cBhvr>
+                                        <p:cTn id="17" dur="1" fill="hold">
+                                          <p:stCondLst>
+                                            <p:cond delay="0"/>
+                                          </p:stCondLst>
+                                        </p:cTn>
+                                        <p:tgtEl>
+                                          <p:spTgt spid="3">
+                                            <p:txEl>
+                                              <p:pRg st="3" end="3"/>
+                                            </p:txEl>
+                                          </p:spTgt>
+                                        </p:tgtEl>
+                                        <p:attrNameLst>
+                                          <p:attrName>style.visibility</p:attrName>
+                                        </p:attrNameLst>
+                                      </p:cBhvr>
+                                      <p:to>
+                                        <p:strVal val="visible"/>
+                                      </p:to>
+                                    </p:set>
+                                    <p:animEffect transition="in" filter="fade">
+                                      <p:cBhvr>
+                                        <p:cTn id="18" dur="500"/>
+                                        <p:tgtEl>
+                                          <p:spTgt spid="3">
+                                            <p:txEl>
+                                              <p:pRg st="3" end="3"/>
+                                            </p:txEl>
+                                          </p:spTgt>
+                                        </p:tgtEl>
+                                      </p:cBhvr>
+                                    </p:animEffect>
+                                  </p:childTnLst>
+                                </p:cTn>
+                              </p:par>
+                              <p:par>
+                                <p:cTn id="19" presetID="10" presetClass="entr" presetSubtype="0" fill="hold" grpId="0" nodeType="withEffect">
+                                  <p:stCondLst>
+                                    <p:cond delay="0"/>
+                                  </p:stCondLst>
+                                  <p:childTnLst>
+                                    <p:set>
+                                      <p:cBhvr>
+                                        <p:cTn id="20" dur="1" fill="hold">
+                                          <p:stCondLst>
+                                            <p:cond delay="0"/>
+                                          </p:stCondLst>
+                                        </p:cTn>
+                                        <p:tgtEl>
+                                          <p:spTgt spid="3">
+                                            <p:txEl>
+                                              <p:pRg st="4" end="4"/>
+                                            </p:txEl>
+                                          </p:spTgt>
+                                        </p:tgtEl>
+                                        <p:attrNameLst>
+                                          <p:attrName>style.visibility</p:attrName>
+                                        </p:attrNameLst>
+                                      </p:cBhvr>
+                                      <p:to>
+                                        <p:strVal val="visible"/>
+                                      </p:to>
+                                    </p:set>
+                                    <p:animEffect transition="in" filter="fade">
+                                      <p:cBhvr>
+                                        <p:cTn id="21" dur="500"/>
+                                        <p:tgtEl>
+                                          <p:spTgt spid="3">
+                                            <p:txEl>
+                                              <p:pRg st="4" end="4"/>
+                                            </p:txEl>
+                                          </p:spTgt>
+                                        </p:tgtEl>
+                                      </p:cBhvr>
+                                    </p:animEffect>
+                                  </p:childTnLst>
+                                </p:cTn>
+                              </p:par>
+                              <p:par>
+                                <p:cTn id="22" presetID="10" presetClass="entr" presetSubtype="0" fill="hold" grpId="0" nodeType="withEffect">
+                                  <p:stCondLst>
+                                    <p:cond delay="0"/>
+                                  </p:stCondLst>
+                                  <p:childTnLst>
+                                    <p:set>
+                                      <p:cBhvr>
+                                        <p:cTn id="23" dur="1" fill="hold">
+                                          <p:stCondLst>
+                                            <p:cond delay="0"/>
+                                          </p:stCondLst>
+                                        </p:cTn>
+                                        <p:tgtEl>
+                                          <p:spTgt spid="3">
+                                            <p:txEl>
+                                              <p:pRg st="5" end="5"/>
+                                            </p:txEl>
+                                          </p:spTgt>
+                                        </p:tgtEl>
+                                        <p:attrNameLst>
+                                          <p:attrName>style.visibility</p:attrName>
+                                        </p:attrNameLst>
+                                      </p:cBhvr>
+                                      <p:to>
+                                        <p:strVal val="visible"/>
+                                      </p:to>
+                                    </p:set>
+                                    <p:animEffect transition="in" filter="fade">
+                                      <p:cBhvr>
+                                        <p:cTn id="24" dur="500"/>
+                                        <p:tgtEl>
+                                          <p:spTgt spid="3">
+                                            <p:txEl>
+                                              <p:pRg st="5" end="5"/>
+                                            </p:txEl>
+                                          </p:spTgt>
+                                        </p:tgtEl>
+                                      </p:cBhvr>
+                                    </p:animEffect>
+                                  </p:childTnLst>
+                                </p:cTn>
+                              </p:par>
+                              <p:par>
+                                <p:cTn id="25" presetID="10" presetClass="entr" presetSubtype="0" fill="hold" grpId="0" nodeType="withEffect">
+                                  <p:stCondLst>
+                                    <p:cond delay="0"/>
+                                  </p:stCondLst>
+                                  <p:childTnLst>
+                                    <p:set>
+                                      <p:cBhvr>
+                                        <p:cTn id="26" dur="1" fill="hold">
+                                          <p:stCondLst>
+                                            <p:cond delay="0"/>
+                                          </p:stCondLst>
+                                        </p:cTn>
+                                        <p:tgtEl>
+                                          <p:spTgt spid="3">
+                                            <p:txEl>
+                                              <p:pRg st="6" end="6"/>
+                                            </p:txEl>
+                                          </p:spTgt>
+                                        </p:tgtEl>
+                                        <p:attrNameLst>
+                                          <p:attrName>style.visibility</p:attrName>
+                                        </p:attrNameLst>
+                                      </p:cBhvr>
+                                      <p:to>
+                                        <p:strVal val="visible"/>
+                                      </p:to>
+                                    </p:set>
+                                    <p:animEffect transition="in" filter="fade">
+                                      <p:cBhvr>
+                                        <p:cTn id="27" dur="500"/>
+                                        <p:tgtEl>
+                                          <p:spTgt spid="3">
+                                            <p:txEl>
+                                              <p:pRg st="6" end="6"/>
+                                            </p:txEl>
+                                          </p:spTgt>
+                                        </p:tgtEl>
+                                      </p:cBhvr>
+                                    </p:animEffect>
+                                  </p:childTnLst>
+                                </p:cTn>
+                              </p:par>
+                            </p:childTnLst>
+                          </p:cTn>
+                        </p:par>
+                      </p:childTnLst>
+                    </p:cTn>
+                  </p:par>
+                  <p:par>
+                    <p:cTn id="28" fill="hold">
+                      <p:stCondLst>
+                        <p:cond delay="indefinite"/>
+                      </p:stCondLst>
+                      <p:childTnLst>
+                        <p:par>
+                          <p:cTn id="29" fill="hold">
+                            <p:stCondLst>
+                              <p:cond delay="0"/>
+                            </p:stCondLst>
+                            <p:childTnLst>
+                              <p:par>
+                                <p:cTn id="30" presetID="10" presetClass="entr" presetSubtype="0" fill="hold" grpId="0" nodeType="clickEffect">
+                                  <p:stCondLst>
+                                    <p:cond delay="0"/>
+                                  </p:stCondLst>
+                                  <p:childTnLst>
+                                    <p:set>
+                                      <p:cBhvr>
+                                        <p:cTn id="31" dur="1" fill="hold">
+                                          <p:stCondLst>
+                                            <p:cond delay="0"/>
+                                          </p:stCondLst>
+                                        </p:cTn>
+                                        <p:tgtEl>
+                                          <p:spTgt spid="3">
+                                            <p:txEl>
+                                              <p:pRg st="7" end="7"/>
+                                            </p:txEl>
+                                          </p:spTgt>
+                                        </p:tgtEl>
+                                        <p:attrNameLst>
+                                          <p:attrName>style.visibility</p:attrName>
+                                        </p:attrNameLst>
+                                      </p:cBhvr>
+                                      <p:to>
+                                        <p:strVal val="visible"/>
+                                      </p:to>
+                                    </p:set>
+                                    <p:animEffect transition="in" filter="fade">
+                                      <p:cBhvr>
+                                        <p:cTn id="32" dur="500"/>
+                                        <p:tgtEl>
+                                          <p:spTgt spid="3">
+                                            <p:txEl>
+                                              <p:pRg st="7" end="7"/>
+                                            </p:txEl>
+                                          </p:spTgt>
+                                        </p:tgtEl>
+                                      </p:cBhvr>
+                                    </p:animEffect>
+                                  </p:childTnLst>
+                                </p:cTn>
+                              </p:par>
+                              <p:par>
+                                <p:cTn id="33" presetID="10" presetClass="entr" presetSubtype="0" fill="hold" grpId="0" nodeType="withEffect">
+                                  <p:stCondLst>
+                                    <p:cond delay="0"/>
+                                  </p:stCondLst>
+                                  <p:childTnLst>
+                                    <p:set>
+                                      <p:cBhvr>
+                                        <p:cTn id="34" dur="1" fill="hold">
+                                          <p:stCondLst>
+                                            <p:cond delay="0"/>
+                                          </p:stCondLst>
+                                        </p:cTn>
+                                        <p:tgtEl>
+                                          <p:spTgt spid="3">
+                                            <p:txEl>
+                                              <p:pRg st="8" end="8"/>
+                                            </p:txEl>
+                                          </p:spTgt>
+                                        </p:tgtEl>
+                                        <p:attrNameLst>
+                                          <p:attrName>style.visibility</p:attrName>
+                                        </p:attrNameLst>
+                                      </p:cBhvr>
+                                      <p:to>
+                                        <p:strVal val="visible"/>
+                                      </p:to>
+                                    </p:set>
+                                    <p:animEffect transition="in" filter="fade">
+                                      <p:cBhvr>
+                                        <p:cTn id="35" dur="500"/>
+                                        <p:tgtEl>
+                                          <p:spTgt spid="3">
+                                            <p:txEl>
+                                              <p:pRg st="8" end="8"/>
+                                            </p:txEl>
+                                          </p:spTgt>
+                                        </p:tgtEl>
+                                      </p:cBhvr>
+                                    </p:animEffect>
+                                  </p:childTnLst>
+                                </p:cTn>
+                              </p:par>
+                            </p:childTnLst>
+                          </p:cTn>
+                        </p:par>
+                      </p:childTnLst>
+                    </p:cTn>
+                  </p:par>
+                </p:childTnLst>
+              </p:cTn>
+              <p:prevCondLst>
+                <p:cond evt="onPrev" delay="0">
+                  <p:tgtEl>
+                    <p:sldTgt/>
+                  </p:tgtEl>
+                </p:cond>
+              </p:prevCondLst>
+              <p:nextCondLst>
+                <p:cond evt="onNext" delay="0">
+                  <p:tgtEl>
+                    <p:sldTgt/>
+                  </p:tgtEl>
+                </p:cond>
+              </p:nextCondLst>
+            </p:seq>
+          </p:childTnLst>
+        </p:cTn>
       </p:par>
     </p:tnLst>
+    <p:bldLst>
+      <p:bldP spid="3" grpId="0" build="p"/>
+    </p:bldLst>
   </p:timing>
 </p:sld>
 </file>
@@ -6400,8 +7911,9 @@
             <a:pPr lvl="1"/>
             <a:r>
               <a:rPr lang="en-US" dirty="0" smtClean="0"/>
-              <a:t>Packing</a:t>
-            </a:r>
+              <a:t>Custom Packers</a:t>
+            </a:r>
+            <a:endParaRPr lang="en-US" dirty="0" smtClean="0"/>
           </a:p>
           <a:p>
             <a:pPr lvl="1"/>
@@ -6420,21 +7932,202 @@
           <a:p>
             <a:r>
               <a:rPr lang="en-US" dirty="0" smtClean="0"/>
-              <a:t>PS script</a:t>
-            </a:r>
-          </a:p>
-          <a:p>
-            <a:r>
-              <a:rPr lang="en-US" dirty="0" smtClean="0"/>
-              <a:t>JS</a:t>
+              <a:t>Python </a:t>
             </a:r>
           </a:p>
           <a:p>
             <a:pPr lvl="1"/>
+            <a:r>
+              <a:rPr lang="en-US" dirty="0" smtClean="0"/>
+              <a:t>Fs0ciety</a:t>
+            </a:r>
+          </a:p>
+          <a:p>
+            <a:r>
+              <a:rPr lang="en-US" dirty="0" smtClean="0"/>
+              <a:t>PS1</a:t>
+            </a:r>
+          </a:p>
+          <a:p>
+            <a:pPr lvl="1"/>
+            <a:r>
+              <a:rPr lang="en-US" dirty="0" err="1" smtClean="0"/>
+              <a:t>PowerWare</a:t>
+            </a:r>
+            <a:endParaRPr lang="en-US" dirty="0" smtClean="0"/>
+          </a:p>
+          <a:p>
+            <a:pPr lvl="1"/>
+            <a:r>
+              <a:rPr lang="en-US" dirty="0" err="1" smtClean="0"/>
+              <a:t>Cerber</a:t>
+            </a:r>
             <a:endParaRPr lang="en-US" dirty="0"/>
           </a:p>
         </p:txBody>
       </p:sp>
+      <p:pic>
+        <p:nvPicPr>
+          <p:cNvPr id="3074" name="Picture 2" descr="https://blog.malwarebytes.com/wp-content/uploads/2016/02/locky_samples.png"/>
+          <p:cNvPicPr>
+            <a:picLocks noChangeAspect="1" noChangeArrowheads="1"/>
+          </p:cNvPicPr>
+          <p:nvPr/>
+        </p:nvPicPr>
+        <p:blipFill>
+          <a:blip r:embed="rId3">
+            <a:extLst>
+              <a:ext uri="{28A0092B-C50C-407E-A947-70E740481C1C}">
+                <a14:useLocalDpi xmlns:a14="http://schemas.microsoft.com/office/drawing/2010/main" val="0"/>
+              </a:ext>
+            </a:extLst>
+          </a:blip>
+          <a:srcRect/>
+          <a:stretch>
+            <a:fillRect/>
+          </a:stretch>
+        </p:blipFill>
+        <p:spPr bwMode="auto">
+          <a:xfrm>
+            <a:off x="6645349" y="2800329"/>
+            <a:ext cx="2498651" cy="1200965"/>
+          </a:xfrm>
+          <a:prstGeom prst="rect">
+            <a:avLst/>
+          </a:prstGeom>
+          <a:noFill/>
+          <a:extLst>
+            <a:ext uri="{909E8E84-426E-40DD-AFC4-6F175D3DCCD1}">
+              <a14:hiddenFill xmlns:a14="http://schemas.microsoft.com/office/drawing/2010/main">
+                <a:solidFill>
+                  <a:srgbClr val="FFFFFF"/>
+                </a:solidFill>
+              </a14:hiddenFill>
+            </a:ext>
+          </a:extLst>
+        </p:spPr>
+      </p:pic>
+      <p:pic>
+        <p:nvPicPr>
+          <p:cNvPr id="3076" name="Picture 4" descr="http://guides.uufix.com/wp-content/uploads/2016/05/12.png"/>
+          <p:cNvPicPr>
+            <a:picLocks noChangeAspect="1" noChangeArrowheads="1"/>
+          </p:cNvPicPr>
+          <p:nvPr/>
+        </p:nvPicPr>
+        <p:blipFill rotWithShape="1">
+          <a:blip r:embed="rId4">
+            <a:extLst>
+              <a:ext uri="{28A0092B-C50C-407E-A947-70E740481C1C}">
+                <a14:useLocalDpi xmlns:a14="http://schemas.microsoft.com/office/drawing/2010/main" val="0"/>
+              </a:ext>
+            </a:extLst>
+          </a:blip>
+          <a:srcRect l="21923" t="37209" r="4859" b="53084"/>
+          <a:stretch/>
+        </p:blipFill>
+        <p:spPr bwMode="auto">
+          <a:xfrm>
+            <a:off x="2881424" y="6517758"/>
+            <a:ext cx="6262576" cy="340242"/>
+          </a:xfrm>
+          <a:prstGeom prst="rect">
+            <a:avLst/>
+          </a:prstGeom>
+          <a:noFill/>
+          <a:extLst>
+            <a:ext uri="{909E8E84-426E-40DD-AFC4-6F175D3DCCD1}">
+              <a14:hiddenFill xmlns:a14="http://schemas.microsoft.com/office/drawing/2010/main">
+                <a:solidFill>
+                  <a:srgbClr val="FFFFFF"/>
+                </a:solidFill>
+              </a14:hiddenFill>
+            </a:ext>
+          </a:extLst>
+        </p:spPr>
+      </p:pic>
+      <p:pic>
+        <p:nvPicPr>
+          <p:cNvPr id="3078" name="Picture 6" descr="Locky_Word of the Day 1"/>
+          <p:cNvPicPr>
+            <a:picLocks noChangeAspect="1" noChangeArrowheads="1"/>
+          </p:cNvPicPr>
+          <p:nvPr/>
+        </p:nvPicPr>
+        <p:blipFill>
+          <a:blip r:embed="rId5">
+            <a:extLst>
+              <a:ext uri="{28A0092B-C50C-407E-A947-70E740481C1C}">
+                <a14:useLocalDpi xmlns:a14="http://schemas.microsoft.com/office/drawing/2010/main" val="0"/>
+              </a:ext>
+            </a:extLst>
+          </a:blip>
+          <a:srcRect/>
+          <a:stretch>
+            <a:fillRect/>
+          </a:stretch>
+        </p:blipFill>
+        <p:spPr bwMode="auto">
+          <a:xfrm>
+            <a:off x="5276850" y="3965058"/>
+            <a:ext cx="3867150" cy="2552700"/>
+          </a:xfrm>
+          <a:prstGeom prst="rect">
+            <a:avLst/>
+          </a:prstGeom>
+          <a:noFill/>
+          <a:extLst>
+            <a:ext uri="{909E8E84-426E-40DD-AFC4-6F175D3DCCD1}">
+              <a14:hiddenFill xmlns:a14="http://schemas.microsoft.com/office/drawing/2010/main">
+                <a:solidFill>
+                  <a:srgbClr val="FFFFFF"/>
+                </a:solidFill>
+              </a14:hiddenFill>
+            </a:ext>
+          </a:extLst>
+        </p:spPr>
+      </p:pic>
+      <p:pic>
+        <p:nvPicPr>
+          <p:cNvPr id="8" name="Picture 2" descr="http://www.pawelporwisz.pl/nsis/img/nsis.png"/>
+          <p:cNvPicPr>
+            <a:picLocks noChangeAspect="1" noChangeArrowheads="1"/>
+          </p:cNvPicPr>
+          <p:nvPr/>
+        </p:nvPicPr>
+        <p:blipFill>
+          <a:blip r:embed="rId6">
+            <a:extLst>
+              <a:ext uri="{28A0092B-C50C-407E-A947-70E740481C1C}">
+                <a14:useLocalDpi xmlns:a14="http://schemas.microsoft.com/office/drawing/2010/main" val="0"/>
+              </a:ext>
+            </a:extLst>
+          </a:blip>
+          <a:srcRect/>
+          <a:stretch>
+            <a:fillRect/>
+          </a:stretch>
+        </p:blipFill>
+        <p:spPr bwMode="auto">
+          <a:xfrm>
+            <a:off x="5276850" y="2757820"/>
+            <a:ext cx="1207238" cy="1207238"/>
+          </a:xfrm>
+          <a:prstGeom prst="rect">
+            <a:avLst/>
+          </a:prstGeom>
+          <a:noFill/>
+          <a:extLst>
+            <a:ext uri="{909E8E84-426E-40DD-AFC4-6F175D3DCCD1}">
+              <a14:hiddenFill xmlns:a14="http://schemas.microsoft.com/office/drawing/2010/main">
+                <a:solidFill>
+                  <a:srgbClr val="FFFFFF"/>
+                </a:solidFill>
+              </a14:hiddenFill>
+            </a:ext>
+          </a:extLst>
+        </p:spPr>
+      </p:pic>
     </p:spTree>
     <p:extLst>
       <p:ext uri="{BB962C8B-B14F-4D97-AF65-F5344CB8AC3E}">
@@ -6445,12 +8138,500 @@
   <p:clrMapOvr>
     <a:masterClrMapping/>
   </p:clrMapOvr>
+  <p:transition>
+    <p:fade/>
+  </p:transition>
   <p:timing>
     <p:tnLst>
       <p:par>
-        <p:cTn id="1" dur="indefinite" restart="never" nodeType="tmRoot"/>
+        <p:cTn id="1" dur="indefinite" restart="never" nodeType="tmRoot">
+          <p:childTnLst>
+            <p:seq concurrent="1" nextAc="seek">
+              <p:cTn id="2" dur="indefinite" nodeType="mainSeq">
+                <p:childTnLst>
+                  <p:par>
+                    <p:cTn id="3" fill="hold">
+                      <p:stCondLst>
+                        <p:cond delay="indefinite"/>
+                      </p:stCondLst>
+                      <p:childTnLst>
+                        <p:par>
+                          <p:cTn id="4" fill="hold">
+                            <p:stCondLst>
+                              <p:cond delay="0"/>
+                            </p:stCondLst>
+                            <p:childTnLst>
+                              <p:par>
+                                <p:cTn id="5" presetID="10" presetClass="entr" presetSubtype="0" fill="hold" grpId="0" nodeType="clickEffect">
+                                  <p:stCondLst>
+                                    <p:cond delay="0"/>
+                                  </p:stCondLst>
+                                  <p:childTnLst>
+                                    <p:set>
+                                      <p:cBhvr>
+                                        <p:cTn id="6" dur="1" fill="hold">
+                                          <p:stCondLst>
+                                            <p:cond delay="0"/>
+                                          </p:stCondLst>
+                                        </p:cTn>
+                                        <p:tgtEl>
+                                          <p:spTgt spid="3">
+                                            <p:txEl>
+                                              <p:pRg st="0" end="0"/>
+                                            </p:txEl>
+                                          </p:spTgt>
+                                        </p:tgtEl>
+                                        <p:attrNameLst>
+                                          <p:attrName>style.visibility</p:attrName>
+                                        </p:attrNameLst>
+                                      </p:cBhvr>
+                                      <p:to>
+                                        <p:strVal val="visible"/>
+                                      </p:to>
+                                    </p:set>
+                                    <p:animEffect transition="in" filter="fade">
+                                      <p:cBhvr>
+                                        <p:cTn id="7" dur="500"/>
+                                        <p:tgtEl>
+                                          <p:spTgt spid="3">
+                                            <p:txEl>
+                                              <p:pRg st="0" end="0"/>
+                                            </p:txEl>
+                                          </p:spTgt>
+                                        </p:tgtEl>
+                                      </p:cBhvr>
+                                    </p:animEffect>
+                                  </p:childTnLst>
+                                </p:cTn>
+                              </p:par>
+                              <p:par>
+                                <p:cTn id="8" presetID="10" presetClass="entr" presetSubtype="0" fill="hold" grpId="0" nodeType="withEffect">
+                                  <p:stCondLst>
+                                    <p:cond delay="0"/>
+                                  </p:stCondLst>
+                                  <p:childTnLst>
+                                    <p:set>
+                                      <p:cBhvr>
+                                        <p:cTn id="9" dur="1" fill="hold">
+                                          <p:stCondLst>
+                                            <p:cond delay="0"/>
+                                          </p:stCondLst>
+                                        </p:cTn>
+                                        <p:tgtEl>
+                                          <p:spTgt spid="3">
+                                            <p:txEl>
+                                              <p:pRg st="1" end="1"/>
+                                            </p:txEl>
+                                          </p:spTgt>
+                                        </p:tgtEl>
+                                        <p:attrNameLst>
+                                          <p:attrName>style.visibility</p:attrName>
+                                        </p:attrNameLst>
+                                      </p:cBhvr>
+                                      <p:to>
+                                        <p:strVal val="visible"/>
+                                      </p:to>
+                                    </p:set>
+                                    <p:animEffect transition="in" filter="fade">
+                                      <p:cBhvr>
+                                        <p:cTn id="10" dur="500"/>
+                                        <p:tgtEl>
+                                          <p:spTgt spid="3">
+                                            <p:txEl>
+                                              <p:pRg st="1" end="1"/>
+                                            </p:txEl>
+                                          </p:spTgt>
+                                        </p:tgtEl>
+                                      </p:cBhvr>
+                                    </p:animEffect>
+                                  </p:childTnLst>
+                                </p:cTn>
+                              </p:par>
+                              <p:par>
+                                <p:cTn id="11" presetID="10" presetClass="entr" presetSubtype="0" fill="hold" grpId="0" nodeType="withEffect">
+                                  <p:stCondLst>
+                                    <p:cond delay="0"/>
+                                  </p:stCondLst>
+                                  <p:childTnLst>
+                                    <p:set>
+                                      <p:cBhvr>
+                                        <p:cTn id="12" dur="1" fill="hold">
+                                          <p:stCondLst>
+                                            <p:cond delay="0"/>
+                                          </p:stCondLst>
+                                        </p:cTn>
+                                        <p:tgtEl>
+                                          <p:spTgt spid="3">
+                                            <p:txEl>
+                                              <p:pRg st="2" end="2"/>
+                                            </p:txEl>
+                                          </p:spTgt>
+                                        </p:tgtEl>
+                                        <p:attrNameLst>
+                                          <p:attrName>style.visibility</p:attrName>
+                                        </p:attrNameLst>
+                                      </p:cBhvr>
+                                      <p:to>
+                                        <p:strVal val="visible"/>
+                                      </p:to>
+                                    </p:set>
+                                    <p:animEffect transition="in" filter="fade">
+                                      <p:cBhvr>
+                                        <p:cTn id="13" dur="500"/>
+                                        <p:tgtEl>
+                                          <p:spTgt spid="3">
+                                            <p:txEl>
+                                              <p:pRg st="2" end="2"/>
+                                            </p:txEl>
+                                          </p:spTgt>
+                                        </p:tgtEl>
+                                      </p:cBhvr>
+                                    </p:animEffect>
+                                  </p:childTnLst>
+                                </p:cTn>
+                              </p:par>
+                            </p:childTnLst>
+                          </p:cTn>
+                        </p:par>
+                      </p:childTnLst>
+                    </p:cTn>
+                  </p:par>
+                  <p:par>
+                    <p:cTn id="14" fill="hold">
+                      <p:stCondLst>
+                        <p:cond delay="indefinite"/>
+                      </p:stCondLst>
+                      <p:childTnLst>
+                        <p:par>
+                          <p:cTn id="15" fill="hold">
+                            <p:stCondLst>
+                              <p:cond delay="0"/>
+                            </p:stCondLst>
+                            <p:childTnLst>
+                              <p:par>
+                                <p:cTn id="16" presetID="10" presetClass="entr" presetSubtype="0" fill="hold" grpId="0" nodeType="clickEffect">
+                                  <p:stCondLst>
+                                    <p:cond delay="0"/>
+                                  </p:stCondLst>
+                                  <p:childTnLst>
+                                    <p:set>
+                                      <p:cBhvr>
+                                        <p:cTn id="17" dur="1" fill="hold">
+                                          <p:stCondLst>
+                                            <p:cond delay="0"/>
+                                          </p:stCondLst>
+                                        </p:cTn>
+                                        <p:tgtEl>
+                                          <p:spTgt spid="3">
+                                            <p:txEl>
+                                              <p:pRg st="3" end="3"/>
+                                            </p:txEl>
+                                          </p:spTgt>
+                                        </p:tgtEl>
+                                        <p:attrNameLst>
+                                          <p:attrName>style.visibility</p:attrName>
+                                        </p:attrNameLst>
+                                      </p:cBhvr>
+                                      <p:to>
+                                        <p:strVal val="visible"/>
+                                      </p:to>
+                                    </p:set>
+                                    <p:animEffect transition="in" filter="fade">
+                                      <p:cBhvr>
+                                        <p:cTn id="18" dur="500"/>
+                                        <p:tgtEl>
+                                          <p:spTgt spid="3">
+                                            <p:txEl>
+                                              <p:pRg st="3" end="3"/>
+                                            </p:txEl>
+                                          </p:spTgt>
+                                        </p:tgtEl>
+                                      </p:cBhvr>
+                                    </p:animEffect>
+                                  </p:childTnLst>
+                                </p:cTn>
+                              </p:par>
+                            </p:childTnLst>
+                          </p:cTn>
+                        </p:par>
+                      </p:childTnLst>
+                    </p:cTn>
+                  </p:par>
+                  <p:par>
+                    <p:cTn id="19" fill="hold">
+                      <p:stCondLst>
+                        <p:cond delay="indefinite"/>
+                      </p:stCondLst>
+                      <p:childTnLst>
+                        <p:par>
+                          <p:cTn id="20" fill="hold">
+                            <p:stCondLst>
+                              <p:cond delay="0"/>
+                            </p:stCondLst>
+                            <p:childTnLst>
+                              <p:par>
+                                <p:cTn id="21" presetID="10" presetClass="entr" presetSubtype="0" fill="hold" grpId="0" nodeType="clickEffect">
+                                  <p:stCondLst>
+                                    <p:cond delay="0"/>
+                                  </p:stCondLst>
+                                  <p:childTnLst>
+                                    <p:set>
+                                      <p:cBhvr>
+                                        <p:cTn id="22" dur="1" fill="hold">
+                                          <p:stCondLst>
+                                            <p:cond delay="0"/>
+                                          </p:stCondLst>
+                                        </p:cTn>
+                                        <p:tgtEl>
+                                          <p:spTgt spid="3">
+                                            <p:txEl>
+                                              <p:pRg st="4" end="4"/>
+                                            </p:txEl>
+                                          </p:spTgt>
+                                        </p:tgtEl>
+                                        <p:attrNameLst>
+                                          <p:attrName>style.visibility</p:attrName>
+                                        </p:attrNameLst>
+                                      </p:cBhvr>
+                                      <p:to>
+                                        <p:strVal val="visible"/>
+                                      </p:to>
+                                    </p:set>
+                                    <p:animEffect transition="in" filter="fade">
+                                      <p:cBhvr>
+                                        <p:cTn id="23" dur="500"/>
+                                        <p:tgtEl>
+                                          <p:spTgt spid="3">
+                                            <p:txEl>
+                                              <p:pRg st="4" end="4"/>
+                                            </p:txEl>
+                                          </p:spTgt>
+                                        </p:tgtEl>
+                                      </p:cBhvr>
+                                    </p:animEffect>
+                                  </p:childTnLst>
+                                </p:cTn>
+                              </p:par>
+                              <p:par>
+                                <p:cTn id="24" presetID="10" presetClass="entr" presetSubtype="0" fill="hold" grpId="0" nodeType="withEffect">
+                                  <p:stCondLst>
+                                    <p:cond delay="0"/>
+                                  </p:stCondLst>
+                                  <p:childTnLst>
+                                    <p:set>
+                                      <p:cBhvr>
+                                        <p:cTn id="25" dur="1" fill="hold">
+                                          <p:stCondLst>
+                                            <p:cond delay="0"/>
+                                          </p:stCondLst>
+                                        </p:cTn>
+                                        <p:tgtEl>
+                                          <p:spTgt spid="3">
+                                            <p:txEl>
+                                              <p:pRg st="5" end="5"/>
+                                            </p:txEl>
+                                          </p:spTgt>
+                                        </p:tgtEl>
+                                        <p:attrNameLst>
+                                          <p:attrName>style.visibility</p:attrName>
+                                        </p:attrNameLst>
+                                      </p:cBhvr>
+                                      <p:to>
+                                        <p:strVal val="visible"/>
+                                      </p:to>
+                                    </p:set>
+                                    <p:animEffect transition="in" filter="fade">
+                                      <p:cBhvr>
+                                        <p:cTn id="26" dur="500"/>
+                                        <p:tgtEl>
+                                          <p:spTgt spid="3">
+                                            <p:txEl>
+                                              <p:pRg st="5" end="5"/>
+                                            </p:txEl>
+                                          </p:spTgt>
+                                        </p:tgtEl>
+                                      </p:cBhvr>
+                                    </p:animEffect>
+                                  </p:childTnLst>
+                                </p:cTn>
+                              </p:par>
+                            </p:childTnLst>
+                          </p:cTn>
+                        </p:par>
+                      </p:childTnLst>
+                    </p:cTn>
+                  </p:par>
+                  <p:par>
+                    <p:cTn id="27" fill="hold">
+                      <p:stCondLst>
+                        <p:cond delay="indefinite"/>
+                      </p:stCondLst>
+                      <p:childTnLst>
+                        <p:par>
+                          <p:cTn id="28" fill="hold">
+                            <p:stCondLst>
+                              <p:cond delay="0"/>
+                            </p:stCondLst>
+                            <p:childTnLst>
+                              <p:par>
+                                <p:cTn id="29" presetID="10" presetClass="entr" presetSubtype="0" fill="hold" grpId="0" nodeType="clickEffect">
+                                  <p:stCondLst>
+                                    <p:cond delay="0"/>
+                                  </p:stCondLst>
+                                  <p:childTnLst>
+                                    <p:set>
+                                      <p:cBhvr>
+                                        <p:cTn id="30" dur="1" fill="hold">
+                                          <p:stCondLst>
+                                            <p:cond delay="0"/>
+                                          </p:stCondLst>
+                                        </p:cTn>
+                                        <p:tgtEl>
+                                          <p:spTgt spid="3">
+                                            <p:txEl>
+                                              <p:pRg st="6" end="6"/>
+                                            </p:txEl>
+                                          </p:spTgt>
+                                        </p:tgtEl>
+                                        <p:attrNameLst>
+                                          <p:attrName>style.visibility</p:attrName>
+                                        </p:attrNameLst>
+                                      </p:cBhvr>
+                                      <p:to>
+                                        <p:strVal val="visible"/>
+                                      </p:to>
+                                    </p:set>
+                                    <p:animEffect transition="in" filter="fade">
+                                      <p:cBhvr>
+                                        <p:cTn id="31" dur="500"/>
+                                        <p:tgtEl>
+                                          <p:spTgt spid="3">
+                                            <p:txEl>
+                                              <p:pRg st="6" end="6"/>
+                                            </p:txEl>
+                                          </p:spTgt>
+                                        </p:tgtEl>
+                                      </p:cBhvr>
+                                    </p:animEffect>
+                                  </p:childTnLst>
+                                </p:cTn>
+                              </p:par>
+                              <p:par>
+                                <p:cTn id="32" presetID="10" presetClass="entr" presetSubtype="0" fill="hold" grpId="0" nodeType="withEffect">
+                                  <p:stCondLst>
+                                    <p:cond delay="0"/>
+                                  </p:stCondLst>
+                                  <p:childTnLst>
+                                    <p:set>
+                                      <p:cBhvr>
+                                        <p:cTn id="33" dur="1" fill="hold">
+                                          <p:stCondLst>
+                                            <p:cond delay="0"/>
+                                          </p:stCondLst>
+                                        </p:cTn>
+                                        <p:tgtEl>
+                                          <p:spTgt spid="3">
+                                            <p:txEl>
+                                              <p:pRg st="7" end="7"/>
+                                            </p:txEl>
+                                          </p:spTgt>
+                                        </p:tgtEl>
+                                        <p:attrNameLst>
+                                          <p:attrName>style.visibility</p:attrName>
+                                        </p:attrNameLst>
+                                      </p:cBhvr>
+                                      <p:to>
+                                        <p:strVal val="visible"/>
+                                      </p:to>
+                                    </p:set>
+                                    <p:animEffect transition="in" filter="fade">
+                                      <p:cBhvr>
+                                        <p:cTn id="34" dur="500"/>
+                                        <p:tgtEl>
+                                          <p:spTgt spid="3">
+                                            <p:txEl>
+                                              <p:pRg st="7" end="7"/>
+                                            </p:txEl>
+                                          </p:spTgt>
+                                        </p:tgtEl>
+                                      </p:cBhvr>
+                                    </p:animEffect>
+                                  </p:childTnLst>
+                                </p:cTn>
+                              </p:par>
+                              <p:par>
+                                <p:cTn id="35" presetID="10" presetClass="entr" presetSubtype="0" fill="hold" grpId="0" nodeType="withEffect">
+                                  <p:stCondLst>
+                                    <p:cond delay="0"/>
+                                  </p:stCondLst>
+                                  <p:childTnLst>
+                                    <p:set>
+                                      <p:cBhvr>
+                                        <p:cTn id="36" dur="1" fill="hold">
+                                          <p:stCondLst>
+                                            <p:cond delay="0"/>
+                                          </p:stCondLst>
+                                        </p:cTn>
+                                        <p:tgtEl>
+                                          <p:spTgt spid="3">
+                                            <p:txEl>
+                                              <p:pRg st="8" end="8"/>
+                                            </p:txEl>
+                                          </p:spTgt>
+                                        </p:tgtEl>
+                                        <p:attrNameLst>
+                                          <p:attrName>style.visibility</p:attrName>
+                                        </p:attrNameLst>
+                                      </p:cBhvr>
+                                      <p:to>
+                                        <p:strVal val="visible"/>
+                                      </p:to>
+                                    </p:set>
+                                    <p:animEffect transition="in" filter="fade">
+                                      <p:cBhvr>
+                                        <p:cTn id="37" dur="500"/>
+                                        <p:tgtEl>
+                                          <p:spTgt spid="3">
+                                            <p:txEl>
+                                              <p:pRg st="8" end="8"/>
+                                            </p:txEl>
+                                          </p:spTgt>
+                                        </p:tgtEl>
+                                      </p:cBhvr>
+                                    </p:animEffect>
+                                  </p:childTnLst>
+                                </p:cTn>
+                              </p:par>
+                            </p:childTnLst>
+                          </p:cTn>
+                        </p:par>
+                      </p:childTnLst>
+                    </p:cTn>
+                  </p:par>
+                </p:childTnLst>
+              </p:cTn>
+              <p:prevCondLst>
+                <p:cond evt="onPrev" delay="0">
+                  <p:tgtEl>
+                    <p:sldTgt/>
+                  </p:tgtEl>
+                </p:cond>
+              </p:prevCondLst>
+              <p:nextCondLst>
+                <p:cond evt="onNext" delay="0">
+                  <p:tgtEl>
+                    <p:sldTgt/>
+                  </p:tgtEl>
+                </p:cond>
+              </p:nextCondLst>
+            </p:seq>
+          </p:childTnLst>
+        </p:cTn>
       </p:par>
     </p:tnLst>
+    <p:bldLst>
+      <p:bldP spid="3" grpId="0" build="p"/>
+    </p:bldLst>
   </p:timing>
 </p:sld>
 </file>
@@ -6507,7 +8688,9 @@
         </p:nvSpPr>
         <p:spPr/>
         <p:txBody>
-          <a:bodyPr/>
+          <a:bodyPr>
+            <a:normAutofit fontScale="92500" lnSpcReduction="10000"/>
+          </a:bodyPr>
           <a:lstStyle/>
           <a:p>
             <a:r>
@@ -6532,25 +8715,167 @@
           </a:p>
           <a:p>
             <a:pPr lvl="1"/>
+            <a:r>
+              <a:rPr lang="en-US" i="1" dirty="0"/>
+              <a:t>WMIC.exe "</a:t>
+            </a:r>
+            <a:r>
+              <a:rPr lang="en-US" i="1" dirty="0" err="1"/>
+              <a:t>shadowcopy</a:t>
+            </a:r>
+            <a:r>
+              <a:rPr lang="en-US" i="1" dirty="0"/>
+              <a:t> </a:t>
+            </a:r>
+            <a:r>
+              <a:rPr lang="en-US" i="1" dirty="0" smtClean="0"/>
+              <a:t>delete“</a:t>
+            </a:r>
+          </a:p>
+          <a:p>
+            <a:pPr lvl="1"/>
+            <a:r>
+              <a:rPr lang="en-US" i="1" dirty="0"/>
+              <a:t>Bcdedit.exe "/set {default} </a:t>
+            </a:r>
+            <a:r>
+              <a:rPr lang="en-US" i="1" dirty="0" err="1"/>
+              <a:t>recoveryenabled</a:t>
+            </a:r>
+            <a:r>
+              <a:rPr lang="en-US" i="1" dirty="0"/>
+              <a:t> </a:t>
+            </a:r>
+            <a:r>
+              <a:rPr lang="en-US" i="1" dirty="0" smtClean="0"/>
+              <a:t>no“</a:t>
+            </a:r>
+          </a:p>
+          <a:p>
+            <a:pPr lvl="1"/>
+            <a:r>
+              <a:rPr lang="en-US" i="1" dirty="0"/>
+              <a:t>Bcdedit.exe "/set {default} </a:t>
+            </a:r>
+            <a:r>
+              <a:rPr lang="en-US" i="1" dirty="0" err="1"/>
+              <a:t>bootstatuspolicy</a:t>
+            </a:r>
+            <a:r>
+              <a:rPr lang="en-US" i="1" dirty="0"/>
+              <a:t> </a:t>
+            </a:r>
+            <a:r>
+              <a:rPr lang="en-US" i="1" dirty="0" err="1"/>
+              <a:t>ignoreallfailures</a:t>
+            </a:r>
             <a:endParaRPr lang="en-US" i="1" dirty="0" smtClean="0"/>
           </a:p>
           <a:p>
             <a:r>
               <a:rPr lang="en-US" dirty="0" smtClean="0"/>
-              <a:t>Registry Entries</a:t>
-            </a:r>
-          </a:p>
-          <a:p>
-            <a:r>
-              <a:rPr lang="en-US" dirty="0" smtClean="0"/>
-              <a:t>Encryption Key</a:t>
-            </a:r>
+              <a:t>Registry </a:t>
+            </a:r>
+            <a:r>
+              <a:rPr lang="en-US" dirty="0" smtClean="0"/>
+              <a:t>Entries</a:t>
+            </a:r>
+          </a:p>
+          <a:p>
+            <a:pPr lvl="1"/>
+            <a:r>
+              <a:rPr lang="en-US" dirty="0" err="1" smtClean="0"/>
+              <a:t>Autorun</a:t>
+            </a:r>
+            <a:endParaRPr lang="en-US" dirty="0" smtClean="0"/>
+          </a:p>
+          <a:p>
+            <a:pPr lvl="1"/>
+            <a:r>
+              <a:rPr lang="en-US" dirty="0" err="1" smtClean="0"/>
+              <a:t>key+IV</a:t>
+            </a:r>
+            <a:endParaRPr lang="en-US" dirty="0" smtClean="0"/>
+          </a:p>
+          <a:p>
+            <a:pPr lvl="1"/>
+            <a:r>
+              <a:rPr lang="en-US" dirty="0" err="1" smtClean="0"/>
+              <a:t>TypeHandler</a:t>
+            </a:r>
+            <a:endParaRPr lang="en-US" dirty="0" smtClean="0"/>
+          </a:p>
+          <a:p>
+            <a:r>
+              <a:rPr lang="en-US" dirty="0" smtClean="0"/>
+              <a:t>Encryption </a:t>
+            </a:r>
+            <a:r>
+              <a:rPr lang="en-US" dirty="0" smtClean="0"/>
+              <a:t>Key</a:t>
+            </a:r>
+          </a:p>
+          <a:p>
+            <a:pPr lvl="1"/>
+            <a:r>
+              <a:rPr lang="en-US" dirty="0" smtClean="0"/>
+              <a:t>UUID</a:t>
+            </a:r>
+          </a:p>
+          <a:p>
+            <a:pPr lvl="1"/>
+            <a:r>
+              <a:rPr lang="en-US" dirty="0" err="1" smtClean="0"/>
+              <a:t>SerialNumber</a:t>
+            </a:r>
+            <a:endParaRPr lang="en-US" dirty="0" smtClean="0"/>
           </a:p>
           <a:p>
             <a:endParaRPr lang="en-US" dirty="0"/>
           </a:p>
         </p:txBody>
       </p:sp>
+      <p:pic>
+        <p:nvPicPr>
+          <p:cNvPr id="7" name="Picture 2" descr="http://blog.checkpoint.com/wp-content/uploads/2016/02/AirDroid_story_2.png"/>
+          <p:cNvPicPr>
+            <a:picLocks noChangeAspect="1" noChangeArrowheads="1"/>
+          </p:cNvPicPr>
+          <p:nvPr/>
+        </p:nvPicPr>
+        <p:blipFill>
+          <a:blip r:embed="rId3">
+            <a:extLst>
+              <a:ext uri="{28A0092B-C50C-407E-A947-70E740481C1C}">
+                <a14:useLocalDpi xmlns:a14="http://schemas.microsoft.com/office/drawing/2010/main" val="0"/>
+              </a:ext>
+            </a:extLst>
+          </a:blip>
+          <a:srcRect/>
+          <a:stretch>
+            <a:fillRect/>
+          </a:stretch>
+        </p:blipFill>
+        <p:spPr bwMode="auto">
+          <a:xfrm>
+            <a:off x="5805379" y="3519377"/>
+            <a:ext cx="3338621" cy="3338623"/>
+          </a:xfrm>
+          <a:prstGeom prst="rect">
+            <a:avLst/>
+          </a:prstGeom>
+          <a:noFill/>
+          <a:extLst>
+            <a:ext uri="{909E8E84-426E-40DD-AFC4-6F175D3DCCD1}">
+              <a14:hiddenFill xmlns:a14="http://schemas.microsoft.com/office/drawing/2010/main">
+                <a:solidFill>
+                  <a:srgbClr val="FFFFFF"/>
+                </a:solidFill>
+              </a14:hiddenFill>
+            </a:ext>
+          </a:extLst>
+        </p:spPr>
+      </p:pic>
     </p:spTree>
     <p:extLst>
       <p:ext uri="{BB962C8B-B14F-4D97-AF65-F5344CB8AC3E}">
@@ -6561,12 +8886,611 @@
   <p:clrMapOvr>
     <a:masterClrMapping/>
   </p:clrMapOvr>
+  <p:transition>
+    <p:fade/>
+  </p:transition>
   <p:timing>
     <p:tnLst>
       <p:par>
-        <p:cTn id="1" dur="indefinite" restart="never" nodeType="tmRoot"/>
+        <p:cTn id="1" dur="indefinite" restart="never" nodeType="tmRoot">
+          <p:childTnLst>
+            <p:seq concurrent="1" nextAc="seek">
+              <p:cTn id="2" dur="indefinite" nodeType="mainSeq">
+                <p:childTnLst>
+                  <p:par>
+                    <p:cTn id="3" fill="hold">
+                      <p:stCondLst>
+                        <p:cond delay="indefinite"/>
+                      </p:stCondLst>
+                      <p:childTnLst>
+                        <p:par>
+                          <p:cTn id="4" fill="hold">
+                            <p:stCondLst>
+                              <p:cond delay="0"/>
+                            </p:stCondLst>
+                            <p:childTnLst>
+                              <p:par>
+                                <p:cTn id="5" presetID="10" presetClass="entr" presetSubtype="0" fill="hold" grpId="0" nodeType="clickEffect">
+                                  <p:stCondLst>
+                                    <p:cond delay="0"/>
+                                  </p:stCondLst>
+                                  <p:childTnLst>
+                                    <p:set>
+                                      <p:cBhvr>
+                                        <p:cTn id="6" dur="1" fill="hold">
+                                          <p:stCondLst>
+                                            <p:cond delay="0"/>
+                                          </p:stCondLst>
+                                        </p:cTn>
+                                        <p:tgtEl>
+                                          <p:spTgt spid="3">
+                                            <p:txEl>
+                                              <p:pRg st="0" end="0"/>
+                                            </p:txEl>
+                                          </p:spTgt>
+                                        </p:tgtEl>
+                                        <p:attrNameLst>
+                                          <p:attrName>style.visibility</p:attrName>
+                                        </p:attrNameLst>
+                                      </p:cBhvr>
+                                      <p:to>
+                                        <p:strVal val="visible"/>
+                                      </p:to>
+                                    </p:set>
+                                    <p:animEffect transition="in" filter="fade">
+                                      <p:cBhvr>
+                                        <p:cTn id="7" dur="500"/>
+                                        <p:tgtEl>
+                                          <p:spTgt spid="3">
+                                            <p:txEl>
+                                              <p:pRg st="0" end="0"/>
+                                            </p:txEl>
+                                          </p:spTgt>
+                                        </p:tgtEl>
+                                      </p:cBhvr>
+                                    </p:animEffect>
+                                  </p:childTnLst>
+                                </p:cTn>
+                              </p:par>
+                              <p:par>
+                                <p:cTn id="8" presetID="10" presetClass="entr" presetSubtype="0" fill="hold" grpId="0" nodeType="withEffect">
+                                  <p:stCondLst>
+                                    <p:cond delay="0"/>
+                                  </p:stCondLst>
+                                  <p:childTnLst>
+                                    <p:set>
+                                      <p:cBhvr>
+                                        <p:cTn id="9" dur="1" fill="hold">
+                                          <p:stCondLst>
+                                            <p:cond delay="0"/>
+                                          </p:stCondLst>
+                                        </p:cTn>
+                                        <p:tgtEl>
+                                          <p:spTgt spid="3">
+                                            <p:txEl>
+                                              <p:pRg st="1" end="1"/>
+                                            </p:txEl>
+                                          </p:spTgt>
+                                        </p:tgtEl>
+                                        <p:attrNameLst>
+                                          <p:attrName>style.visibility</p:attrName>
+                                        </p:attrNameLst>
+                                      </p:cBhvr>
+                                      <p:to>
+                                        <p:strVal val="visible"/>
+                                      </p:to>
+                                    </p:set>
+                                    <p:animEffect transition="in" filter="fade">
+                                      <p:cBhvr>
+                                        <p:cTn id="10" dur="500"/>
+                                        <p:tgtEl>
+                                          <p:spTgt spid="3">
+                                            <p:txEl>
+                                              <p:pRg st="1" end="1"/>
+                                            </p:txEl>
+                                          </p:spTgt>
+                                        </p:tgtEl>
+                                      </p:cBhvr>
+                                    </p:animEffect>
+                                  </p:childTnLst>
+                                </p:cTn>
+                              </p:par>
+                              <p:par>
+                                <p:cTn id="11" presetID="10" presetClass="entr" presetSubtype="0" fill="hold" grpId="0" nodeType="withEffect">
+                                  <p:stCondLst>
+                                    <p:cond delay="0"/>
+                                  </p:stCondLst>
+                                  <p:childTnLst>
+                                    <p:set>
+                                      <p:cBhvr>
+                                        <p:cTn id="12" dur="1" fill="hold">
+                                          <p:stCondLst>
+                                            <p:cond delay="0"/>
+                                          </p:stCondLst>
+                                        </p:cTn>
+                                        <p:tgtEl>
+                                          <p:spTgt spid="3">
+                                            <p:txEl>
+                                              <p:pRg st="2" end="2"/>
+                                            </p:txEl>
+                                          </p:spTgt>
+                                        </p:tgtEl>
+                                        <p:attrNameLst>
+                                          <p:attrName>style.visibility</p:attrName>
+                                        </p:attrNameLst>
+                                      </p:cBhvr>
+                                      <p:to>
+                                        <p:strVal val="visible"/>
+                                      </p:to>
+                                    </p:set>
+                                    <p:animEffect transition="in" filter="fade">
+                                      <p:cBhvr>
+                                        <p:cTn id="13" dur="500"/>
+                                        <p:tgtEl>
+                                          <p:spTgt spid="3">
+                                            <p:txEl>
+                                              <p:pRg st="2" end="2"/>
+                                            </p:txEl>
+                                          </p:spTgt>
+                                        </p:tgtEl>
+                                      </p:cBhvr>
+                                    </p:animEffect>
+                                  </p:childTnLst>
+                                </p:cTn>
+                              </p:par>
+                              <p:par>
+                                <p:cTn id="14" presetID="10" presetClass="entr" presetSubtype="0" fill="hold" grpId="0" nodeType="withEffect">
+                                  <p:stCondLst>
+                                    <p:cond delay="0"/>
+                                  </p:stCondLst>
+                                  <p:childTnLst>
+                                    <p:set>
+                                      <p:cBhvr>
+                                        <p:cTn id="15" dur="1" fill="hold">
+                                          <p:stCondLst>
+                                            <p:cond delay="0"/>
+                                          </p:stCondLst>
+                                        </p:cTn>
+                                        <p:tgtEl>
+                                          <p:spTgt spid="3">
+                                            <p:txEl>
+                                              <p:pRg st="3" end="3"/>
+                                            </p:txEl>
+                                          </p:spTgt>
+                                        </p:tgtEl>
+                                        <p:attrNameLst>
+                                          <p:attrName>style.visibility</p:attrName>
+                                        </p:attrNameLst>
+                                      </p:cBhvr>
+                                      <p:to>
+                                        <p:strVal val="visible"/>
+                                      </p:to>
+                                    </p:set>
+                                    <p:animEffect transition="in" filter="fade">
+                                      <p:cBhvr>
+                                        <p:cTn id="16" dur="500"/>
+                                        <p:tgtEl>
+                                          <p:spTgt spid="3">
+                                            <p:txEl>
+                                              <p:pRg st="3" end="3"/>
+                                            </p:txEl>
+                                          </p:spTgt>
+                                        </p:tgtEl>
+                                      </p:cBhvr>
+                                    </p:animEffect>
+                                  </p:childTnLst>
+                                </p:cTn>
+                              </p:par>
+                              <p:par>
+                                <p:cTn id="17" presetID="10" presetClass="entr" presetSubtype="0" fill="hold" grpId="0" nodeType="withEffect">
+                                  <p:stCondLst>
+                                    <p:cond delay="0"/>
+                                  </p:stCondLst>
+                                  <p:childTnLst>
+                                    <p:set>
+                                      <p:cBhvr>
+                                        <p:cTn id="18" dur="1" fill="hold">
+                                          <p:stCondLst>
+                                            <p:cond delay="0"/>
+                                          </p:stCondLst>
+                                        </p:cTn>
+                                        <p:tgtEl>
+                                          <p:spTgt spid="3">
+                                            <p:txEl>
+                                              <p:pRg st="4" end="4"/>
+                                            </p:txEl>
+                                          </p:spTgt>
+                                        </p:tgtEl>
+                                        <p:attrNameLst>
+                                          <p:attrName>style.visibility</p:attrName>
+                                        </p:attrNameLst>
+                                      </p:cBhvr>
+                                      <p:to>
+                                        <p:strVal val="visible"/>
+                                      </p:to>
+                                    </p:set>
+                                    <p:animEffect transition="in" filter="fade">
+                                      <p:cBhvr>
+                                        <p:cTn id="19" dur="500"/>
+                                        <p:tgtEl>
+                                          <p:spTgt spid="3">
+                                            <p:txEl>
+                                              <p:pRg st="4" end="4"/>
+                                            </p:txEl>
+                                          </p:spTgt>
+                                        </p:tgtEl>
+                                      </p:cBhvr>
+                                    </p:animEffect>
+                                  </p:childTnLst>
+                                </p:cTn>
+                              </p:par>
+                            </p:childTnLst>
+                          </p:cTn>
+                        </p:par>
+                      </p:childTnLst>
+                    </p:cTn>
+                  </p:par>
+                  <p:par>
+                    <p:cTn id="20" fill="hold">
+                      <p:stCondLst>
+                        <p:cond delay="indefinite"/>
+                      </p:stCondLst>
+                      <p:childTnLst>
+                        <p:par>
+                          <p:cTn id="21" fill="hold">
+                            <p:stCondLst>
+                              <p:cond delay="0"/>
+                            </p:stCondLst>
+                            <p:childTnLst>
+                              <p:par>
+                                <p:cTn id="22" presetID="10" presetClass="entr" presetSubtype="0" fill="hold" grpId="0" nodeType="clickEffect">
+                                  <p:stCondLst>
+                                    <p:cond delay="0"/>
+                                  </p:stCondLst>
+                                  <p:childTnLst>
+                                    <p:set>
+                                      <p:cBhvr>
+                                        <p:cTn id="23" dur="1" fill="hold">
+                                          <p:stCondLst>
+                                            <p:cond delay="0"/>
+                                          </p:stCondLst>
+                                        </p:cTn>
+                                        <p:tgtEl>
+                                          <p:spTgt spid="3">
+                                            <p:txEl>
+                                              <p:pRg st="5" end="5"/>
+                                            </p:txEl>
+                                          </p:spTgt>
+                                        </p:tgtEl>
+                                        <p:attrNameLst>
+                                          <p:attrName>style.visibility</p:attrName>
+                                        </p:attrNameLst>
+                                      </p:cBhvr>
+                                      <p:to>
+                                        <p:strVal val="visible"/>
+                                      </p:to>
+                                    </p:set>
+                                    <p:animEffect transition="in" filter="fade">
+                                      <p:cBhvr>
+                                        <p:cTn id="24" dur="500"/>
+                                        <p:tgtEl>
+                                          <p:spTgt spid="3">
+                                            <p:txEl>
+                                              <p:pRg st="5" end="5"/>
+                                            </p:txEl>
+                                          </p:spTgt>
+                                        </p:tgtEl>
+                                      </p:cBhvr>
+                                    </p:animEffect>
+                                  </p:childTnLst>
+                                </p:cTn>
+                              </p:par>
+                              <p:par>
+                                <p:cTn id="25" presetID="10" presetClass="entr" presetSubtype="0" fill="hold" grpId="0" nodeType="withEffect">
+                                  <p:stCondLst>
+                                    <p:cond delay="0"/>
+                                  </p:stCondLst>
+                                  <p:childTnLst>
+                                    <p:set>
+                                      <p:cBhvr>
+                                        <p:cTn id="26" dur="1" fill="hold">
+                                          <p:stCondLst>
+                                            <p:cond delay="0"/>
+                                          </p:stCondLst>
+                                        </p:cTn>
+                                        <p:tgtEl>
+                                          <p:spTgt spid="3">
+                                            <p:txEl>
+                                              <p:pRg st="6" end="6"/>
+                                            </p:txEl>
+                                          </p:spTgt>
+                                        </p:tgtEl>
+                                        <p:attrNameLst>
+                                          <p:attrName>style.visibility</p:attrName>
+                                        </p:attrNameLst>
+                                      </p:cBhvr>
+                                      <p:to>
+                                        <p:strVal val="visible"/>
+                                      </p:to>
+                                    </p:set>
+                                    <p:animEffect transition="in" filter="fade">
+                                      <p:cBhvr>
+                                        <p:cTn id="27" dur="500"/>
+                                        <p:tgtEl>
+                                          <p:spTgt spid="3">
+                                            <p:txEl>
+                                              <p:pRg st="6" end="6"/>
+                                            </p:txEl>
+                                          </p:spTgt>
+                                        </p:tgtEl>
+                                      </p:cBhvr>
+                                    </p:animEffect>
+                                  </p:childTnLst>
+                                </p:cTn>
+                              </p:par>
+                              <p:par>
+                                <p:cTn id="28" presetID="10" presetClass="entr" presetSubtype="0" fill="hold" grpId="0" nodeType="withEffect">
+                                  <p:stCondLst>
+                                    <p:cond delay="0"/>
+                                  </p:stCondLst>
+                                  <p:childTnLst>
+                                    <p:set>
+                                      <p:cBhvr>
+                                        <p:cTn id="29" dur="1" fill="hold">
+                                          <p:stCondLst>
+                                            <p:cond delay="0"/>
+                                          </p:stCondLst>
+                                        </p:cTn>
+                                        <p:tgtEl>
+                                          <p:spTgt spid="3">
+                                            <p:txEl>
+                                              <p:pRg st="7" end="7"/>
+                                            </p:txEl>
+                                          </p:spTgt>
+                                        </p:tgtEl>
+                                        <p:attrNameLst>
+                                          <p:attrName>style.visibility</p:attrName>
+                                        </p:attrNameLst>
+                                      </p:cBhvr>
+                                      <p:to>
+                                        <p:strVal val="visible"/>
+                                      </p:to>
+                                    </p:set>
+                                    <p:animEffect transition="in" filter="fade">
+                                      <p:cBhvr>
+                                        <p:cTn id="30" dur="500"/>
+                                        <p:tgtEl>
+                                          <p:spTgt spid="3">
+                                            <p:txEl>
+                                              <p:pRg st="7" end="7"/>
+                                            </p:txEl>
+                                          </p:spTgt>
+                                        </p:tgtEl>
+                                      </p:cBhvr>
+                                    </p:animEffect>
+                                  </p:childTnLst>
+                                </p:cTn>
+                              </p:par>
+                              <p:par>
+                                <p:cTn id="31" presetID="10" presetClass="entr" presetSubtype="0" fill="hold" grpId="0" nodeType="withEffect">
+                                  <p:stCondLst>
+                                    <p:cond delay="0"/>
+                                  </p:stCondLst>
+                                  <p:childTnLst>
+                                    <p:set>
+                                      <p:cBhvr>
+                                        <p:cTn id="32" dur="1" fill="hold">
+                                          <p:stCondLst>
+                                            <p:cond delay="0"/>
+                                          </p:stCondLst>
+                                        </p:cTn>
+                                        <p:tgtEl>
+                                          <p:spTgt spid="3">
+                                            <p:txEl>
+                                              <p:pRg st="8" end="8"/>
+                                            </p:txEl>
+                                          </p:spTgt>
+                                        </p:tgtEl>
+                                        <p:attrNameLst>
+                                          <p:attrName>style.visibility</p:attrName>
+                                        </p:attrNameLst>
+                                      </p:cBhvr>
+                                      <p:to>
+                                        <p:strVal val="visible"/>
+                                      </p:to>
+                                    </p:set>
+                                    <p:animEffect transition="in" filter="fade">
+                                      <p:cBhvr>
+                                        <p:cTn id="33" dur="500"/>
+                                        <p:tgtEl>
+                                          <p:spTgt spid="3">
+                                            <p:txEl>
+                                              <p:pRg st="8" end="8"/>
+                                            </p:txEl>
+                                          </p:spTgt>
+                                        </p:tgtEl>
+                                      </p:cBhvr>
+                                    </p:animEffect>
+                                  </p:childTnLst>
+                                </p:cTn>
+                              </p:par>
+                            </p:childTnLst>
+                          </p:cTn>
+                        </p:par>
+                      </p:childTnLst>
+                    </p:cTn>
+                  </p:par>
+                  <p:par>
+                    <p:cTn id="34" fill="hold">
+                      <p:stCondLst>
+                        <p:cond delay="indefinite"/>
+                      </p:stCondLst>
+                      <p:childTnLst>
+                        <p:par>
+                          <p:cTn id="35" fill="hold">
+                            <p:stCondLst>
+                              <p:cond delay="0"/>
+                            </p:stCondLst>
+                            <p:childTnLst>
+                              <p:par>
+                                <p:cTn id="36" presetID="10" presetClass="entr" presetSubtype="0" fill="hold" grpId="0" nodeType="clickEffect">
+                                  <p:stCondLst>
+                                    <p:cond delay="0"/>
+                                  </p:stCondLst>
+                                  <p:childTnLst>
+                                    <p:set>
+                                      <p:cBhvr>
+                                        <p:cTn id="37" dur="1" fill="hold">
+                                          <p:stCondLst>
+                                            <p:cond delay="0"/>
+                                          </p:stCondLst>
+                                        </p:cTn>
+                                        <p:tgtEl>
+                                          <p:spTgt spid="3">
+                                            <p:txEl>
+                                              <p:pRg st="9" end="9"/>
+                                            </p:txEl>
+                                          </p:spTgt>
+                                        </p:tgtEl>
+                                        <p:attrNameLst>
+                                          <p:attrName>style.visibility</p:attrName>
+                                        </p:attrNameLst>
+                                      </p:cBhvr>
+                                      <p:to>
+                                        <p:strVal val="visible"/>
+                                      </p:to>
+                                    </p:set>
+                                    <p:animEffect transition="in" filter="fade">
+                                      <p:cBhvr>
+                                        <p:cTn id="38" dur="500"/>
+                                        <p:tgtEl>
+                                          <p:spTgt spid="3">
+                                            <p:txEl>
+                                              <p:pRg st="9" end="9"/>
+                                            </p:txEl>
+                                          </p:spTgt>
+                                        </p:tgtEl>
+                                      </p:cBhvr>
+                                    </p:animEffect>
+                                  </p:childTnLst>
+                                </p:cTn>
+                              </p:par>
+                              <p:par>
+                                <p:cTn id="39" presetID="10" presetClass="entr" presetSubtype="0" fill="hold" grpId="0" nodeType="withEffect">
+                                  <p:stCondLst>
+                                    <p:cond delay="0"/>
+                                  </p:stCondLst>
+                                  <p:childTnLst>
+                                    <p:set>
+                                      <p:cBhvr>
+                                        <p:cTn id="40" dur="1" fill="hold">
+                                          <p:stCondLst>
+                                            <p:cond delay="0"/>
+                                          </p:stCondLst>
+                                        </p:cTn>
+                                        <p:tgtEl>
+                                          <p:spTgt spid="3">
+                                            <p:txEl>
+                                              <p:pRg st="10" end="10"/>
+                                            </p:txEl>
+                                          </p:spTgt>
+                                        </p:tgtEl>
+                                        <p:attrNameLst>
+                                          <p:attrName>style.visibility</p:attrName>
+                                        </p:attrNameLst>
+                                      </p:cBhvr>
+                                      <p:to>
+                                        <p:strVal val="visible"/>
+                                      </p:to>
+                                    </p:set>
+                                    <p:animEffect transition="in" filter="fade">
+                                      <p:cBhvr>
+                                        <p:cTn id="41" dur="500"/>
+                                        <p:tgtEl>
+                                          <p:spTgt spid="3">
+                                            <p:txEl>
+                                              <p:pRg st="10" end="10"/>
+                                            </p:txEl>
+                                          </p:spTgt>
+                                        </p:tgtEl>
+                                      </p:cBhvr>
+                                    </p:animEffect>
+                                  </p:childTnLst>
+                                </p:cTn>
+                              </p:par>
+                              <p:par>
+                                <p:cTn id="42" presetID="10" presetClass="entr" presetSubtype="0" fill="hold" grpId="0" nodeType="withEffect">
+                                  <p:stCondLst>
+                                    <p:cond delay="0"/>
+                                  </p:stCondLst>
+                                  <p:childTnLst>
+                                    <p:set>
+                                      <p:cBhvr>
+                                        <p:cTn id="43" dur="1" fill="hold">
+                                          <p:stCondLst>
+                                            <p:cond delay="0"/>
+                                          </p:stCondLst>
+                                        </p:cTn>
+                                        <p:tgtEl>
+                                          <p:spTgt spid="3">
+                                            <p:txEl>
+                                              <p:pRg st="11" end="11"/>
+                                            </p:txEl>
+                                          </p:spTgt>
+                                        </p:tgtEl>
+                                        <p:attrNameLst>
+                                          <p:attrName>style.visibility</p:attrName>
+                                        </p:attrNameLst>
+                                      </p:cBhvr>
+                                      <p:to>
+                                        <p:strVal val="visible"/>
+                                      </p:to>
+                                    </p:set>
+                                    <p:animEffect transition="in" filter="fade">
+                                      <p:cBhvr>
+                                        <p:cTn id="44" dur="500"/>
+                                        <p:tgtEl>
+                                          <p:spTgt spid="3">
+                                            <p:txEl>
+                                              <p:pRg st="11" end="11"/>
+                                            </p:txEl>
+                                          </p:spTgt>
+                                        </p:tgtEl>
+                                      </p:cBhvr>
+                                    </p:animEffect>
+                                  </p:childTnLst>
+                                </p:cTn>
+                              </p:par>
+                            </p:childTnLst>
+                          </p:cTn>
+                        </p:par>
+                      </p:childTnLst>
+                    </p:cTn>
+                  </p:par>
+                </p:childTnLst>
+              </p:cTn>
+              <p:prevCondLst>
+                <p:cond evt="onPrev" delay="0">
+                  <p:tgtEl>
+                    <p:sldTgt/>
+                  </p:tgtEl>
+                </p:cond>
+              </p:prevCondLst>
+              <p:nextCondLst>
+                <p:cond evt="onNext" delay="0">
+                  <p:tgtEl>
+                    <p:sldTgt/>
+                  </p:tgtEl>
+                </p:cond>
+              </p:nextCondLst>
+            </p:seq>
+          </p:childTnLst>
+        </p:cTn>
       </p:par>
     </p:tnLst>
+    <p:bldLst>
+      <p:bldP spid="3" grpId="0" build="p"/>
+    </p:bldLst>
   </p:timing>
 </p:sld>
 </file>
@@ -6623,7 +9547,9 @@
         </p:nvSpPr>
         <p:spPr/>
         <p:txBody>
-          <a:bodyPr/>
+          <a:bodyPr>
+            <a:normAutofit/>
+          </a:bodyPr>
           <a:lstStyle/>
           <a:p>
             <a:r>
@@ -6635,8 +9561,36 @@
             <a:pPr lvl="1"/>
             <a:r>
               <a:rPr lang="en-US" dirty="0" smtClean="0"/>
-              <a:t>File Types</a:t>
-            </a:r>
+              <a:t>File </a:t>
+            </a:r>
+            <a:r>
+              <a:rPr lang="en-US" dirty="0" smtClean="0"/>
+              <a:t>Types</a:t>
+            </a:r>
+          </a:p>
+          <a:p>
+            <a:pPr lvl="2"/>
+            <a:r>
+              <a:rPr lang="en-US" dirty="0" smtClean="0"/>
+              <a:t>doc, </a:t>
+            </a:r>
+            <a:r>
+              <a:rPr lang="en-US" dirty="0" err="1" smtClean="0"/>
+              <a:t>xls</a:t>
+            </a:r>
+            <a:r>
+              <a:rPr lang="en-US" dirty="0" smtClean="0"/>
+              <a:t>, </a:t>
+            </a:r>
+            <a:r>
+              <a:rPr lang="en-US" dirty="0" err="1" smtClean="0"/>
+              <a:t>ppt</a:t>
+            </a:r>
+            <a:r>
+              <a:rPr lang="en-US" dirty="0" smtClean="0"/>
+              <a:t>, jpg…</a:t>
+            </a:r>
+            <a:endParaRPr lang="en-US" dirty="0" smtClean="0"/>
           </a:p>
           <a:p>
             <a:pPr lvl="1"/>
@@ -6648,17 +9602,100 @@
           <a:p>
             <a:r>
               <a:rPr lang="en-US" dirty="0" smtClean="0"/>
-              <a:t>Encryption</a:t>
-            </a:r>
-          </a:p>
-          <a:p>
-            <a:r>
-              <a:rPr lang="en-US" dirty="0" smtClean="0"/>
-              <a:t>Encrypted Extensions</a:t>
-            </a:r>
-          </a:p>
-        </p:txBody>
-      </p:sp>
+              <a:t>Extensions</a:t>
+            </a:r>
+          </a:p>
+          <a:p>
+            <a:pPr lvl="1"/>
+            <a:r>
+              <a:rPr lang="en-US" dirty="0" err="1" smtClean="0"/>
+              <a:t>locky</a:t>
+            </a:r>
+            <a:r>
+              <a:rPr lang="en-US" dirty="0" smtClean="0"/>
+              <a:t>, crypt, locked, [random]…</a:t>
+            </a:r>
+            <a:endParaRPr lang="en-US" dirty="0" smtClean="0"/>
+          </a:p>
+          <a:p>
+            <a:r>
+              <a:rPr lang="en-US" dirty="0" smtClean="0"/>
+              <a:t>Exclusions</a:t>
+            </a:r>
+          </a:p>
+          <a:p>
+            <a:pPr lvl="1"/>
+            <a:r>
+              <a:rPr lang="en-US" dirty="0" smtClean="0"/>
+              <a:t>Program Files\</a:t>
+            </a:r>
+          </a:p>
+          <a:p>
+            <a:pPr lvl="1"/>
+            <a:r>
+              <a:rPr lang="en-US" dirty="0" smtClean="0"/>
+              <a:t>Windows\</a:t>
+            </a:r>
+          </a:p>
+          <a:p>
+            <a:pPr lvl="1"/>
+            <a:r>
+              <a:rPr lang="en-US" dirty="0" smtClean="0"/>
+              <a:t>.exe, .</a:t>
+            </a:r>
+            <a:r>
+              <a:rPr lang="en-US" dirty="0" err="1" smtClean="0"/>
+              <a:t>dll</a:t>
+            </a:r>
+            <a:r>
+              <a:rPr lang="en-US" dirty="0" smtClean="0"/>
+              <a:t>, .sys</a:t>
+            </a:r>
+            <a:endParaRPr lang="en-US" dirty="0" smtClean="0"/>
+          </a:p>
+        </p:txBody>
+      </p:sp>
+      <p:pic>
+        <p:nvPicPr>
+          <p:cNvPr id="5124" name="Picture 4" descr="http://demand-gen.zscaler.com/images/vpn-data-encryption.png"/>
+          <p:cNvPicPr>
+            <a:picLocks noChangeAspect="1" noChangeArrowheads="1"/>
+          </p:cNvPicPr>
+          <p:nvPr/>
+        </p:nvPicPr>
+        <p:blipFill>
+          <a:blip r:embed="rId3">
+            <a:extLst>
+              <a:ext uri="{28A0092B-C50C-407E-A947-70E740481C1C}">
+                <a14:useLocalDpi xmlns:a14="http://schemas.microsoft.com/office/drawing/2010/main" val="0"/>
+              </a:ext>
+            </a:extLst>
+          </a:blip>
+          <a:srcRect/>
+          <a:stretch>
+            <a:fillRect/>
+          </a:stretch>
+        </p:blipFill>
+        <p:spPr bwMode="auto">
+          <a:xfrm>
+            <a:off x="4572001" y="2286001"/>
+            <a:ext cx="4572000" cy="4572000"/>
+          </a:xfrm>
+          <a:prstGeom prst="rect">
+            <a:avLst/>
+          </a:prstGeom>
+          <a:noFill/>
+          <a:extLst>
+            <a:ext uri="{909E8E84-426E-40DD-AFC4-6F175D3DCCD1}">
+              <a14:hiddenFill xmlns:a14="http://schemas.microsoft.com/office/drawing/2010/main">
+                <a:solidFill>
+                  <a:srgbClr val="FFFFFF"/>
+                </a:solidFill>
+              </a14:hiddenFill>
+            </a:ext>
+          </a:extLst>
+        </p:spPr>
+      </p:pic>
     </p:spTree>
     <p:extLst>
       <p:ext uri="{BB962C8B-B14F-4D97-AF65-F5344CB8AC3E}">
@@ -6669,12 +9706,525 @@
   <p:clrMapOvr>
     <a:masterClrMapping/>
   </p:clrMapOvr>
+  <p:transition>
+    <p:fade/>
+  </p:transition>
   <p:timing>
     <p:tnLst>
       <p:par>
-        <p:cTn id="1" dur="indefinite" restart="never" nodeType="tmRoot"/>
+        <p:cTn id="1" dur="indefinite" restart="never" nodeType="tmRoot">
+          <p:childTnLst>
+            <p:seq concurrent="1" nextAc="seek">
+              <p:cTn id="2" dur="indefinite" nodeType="mainSeq">
+                <p:childTnLst>
+                  <p:par>
+                    <p:cTn id="3" fill="hold">
+                      <p:stCondLst>
+                        <p:cond delay="indefinite"/>
+                      </p:stCondLst>
+                      <p:childTnLst>
+                        <p:par>
+                          <p:cTn id="4" fill="hold">
+                            <p:stCondLst>
+                              <p:cond delay="0"/>
+                            </p:stCondLst>
+                            <p:childTnLst>
+                              <p:par>
+                                <p:cTn id="5" presetID="10" presetClass="entr" presetSubtype="0" fill="hold" grpId="0" nodeType="clickEffect">
+                                  <p:stCondLst>
+                                    <p:cond delay="0"/>
+                                  </p:stCondLst>
+                                  <p:childTnLst>
+                                    <p:set>
+                                      <p:cBhvr>
+                                        <p:cTn id="6" dur="1" fill="hold">
+                                          <p:stCondLst>
+                                            <p:cond delay="0"/>
+                                          </p:stCondLst>
+                                        </p:cTn>
+                                        <p:tgtEl>
+                                          <p:spTgt spid="3">
+                                            <p:txEl>
+                                              <p:pRg st="0" end="0"/>
+                                            </p:txEl>
+                                          </p:spTgt>
+                                        </p:tgtEl>
+                                        <p:attrNameLst>
+                                          <p:attrName>style.visibility</p:attrName>
+                                        </p:attrNameLst>
+                                      </p:cBhvr>
+                                      <p:to>
+                                        <p:strVal val="visible"/>
+                                      </p:to>
+                                    </p:set>
+                                    <p:animEffect transition="in" filter="fade">
+                                      <p:cBhvr>
+                                        <p:cTn id="7" dur="500"/>
+                                        <p:tgtEl>
+                                          <p:spTgt spid="3">
+                                            <p:txEl>
+                                              <p:pRg st="0" end="0"/>
+                                            </p:txEl>
+                                          </p:spTgt>
+                                        </p:tgtEl>
+                                      </p:cBhvr>
+                                    </p:animEffect>
+                                  </p:childTnLst>
+                                </p:cTn>
+                              </p:par>
+                              <p:par>
+                                <p:cTn id="8" presetID="10" presetClass="entr" presetSubtype="0" fill="hold" grpId="0" nodeType="withEffect">
+                                  <p:stCondLst>
+                                    <p:cond delay="0"/>
+                                  </p:stCondLst>
+                                  <p:childTnLst>
+                                    <p:set>
+                                      <p:cBhvr>
+                                        <p:cTn id="9" dur="1" fill="hold">
+                                          <p:stCondLst>
+                                            <p:cond delay="0"/>
+                                          </p:stCondLst>
+                                        </p:cTn>
+                                        <p:tgtEl>
+                                          <p:spTgt spid="3">
+                                            <p:txEl>
+                                              <p:pRg st="1" end="1"/>
+                                            </p:txEl>
+                                          </p:spTgt>
+                                        </p:tgtEl>
+                                        <p:attrNameLst>
+                                          <p:attrName>style.visibility</p:attrName>
+                                        </p:attrNameLst>
+                                      </p:cBhvr>
+                                      <p:to>
+                                        <p:strVal val="visible"/>
+                                      </p:to>
+                                    </p:set>
+                                    <p:animEffect transition="in" filter="fade">
+                                      <p:cBhvr>
+                                        <p:cTn id="10" dur="500"/>
+                                        <p:tgtEl>
+                                          <p:spTgt spid="3">
+                                            <p:txEl>
+                                              <p:pRg st="1" end="1"/>
+                                            </p:txEl>
+                                          </p:spTgt>
+                                        </p:tgtEl>
+                                      </p:cBhvr>
+                                    </p:animEffect>
+                                  </p:childTnLst>
+                                </p:cTn>
+                              </p:par>
+                              <p:par>
+                                <p:cTn id="11" presetID="10" presetClass="entr" presetSubtype="0" fill="hold" grpId="0" nodeType="withEffect">
+                                  <p:stCondLst>
+                                    <p:cond delay="0"/>
+                                  </p:stCondLst>
+                                  <p:childTnLst>
+                                    <p:set>
+                                      <p:cBhvr>
+                                        <p:cTn id="12" dur="1" fill="hold">
+                                          <p:stCondLst>
+                                            <p:cond delay="0"/>
+                                          </p:stCondLst>
+                                        </p:cTn>
+                                        <p:tgtEl>
+                                          <p:spTgt spid="3">
+                                            <p:txEl>
+                                              <p:pRg st="2" end="2"/>
+                                            </p:txEl>
+                                          </p:spTgt>
+                                        </p:tgtEl>
+                                        <p:attrNameLst>
+                                          <p:attrName>style.visibility</p:attrName>
+                                        </p:attrNameLst>
+                                      </p:cBhvr>
+                                      <p:to>
+                                        <p:strVal val="visible"/>
+                                      </p:to>
+                                    </p:set>
+                                    <p:animEffect transition="in" filter="fade">
+                                      <p:cBhvr>
+                                        <p:cTn id="13" dur="500"/>
+                                        <p:tgtEl>
+                                          <p:spTgt spid="3">
+                                            <p:txEl>
+                                              <p:pRg st="2" end="2"/>
+                                            </p:txEl>
+                                          </p:spTgt>
+                                        </p:tgtEl>
+                                      </p:cBhvr>
+                                    </p:animEffect>
+                                  </p:childTnLst>
+                                </p:cTn>
+                              </p:par>
+                              <p:par>
+                                <p:cTn id="14" presetID="10" presetClass="entr" presetSubtype="0" fill="hold" grpId="0" nodeType="withEffect">
+                                  <p:stCondLst>
+                                    <p:cond delay="0"/>
+                                  </p:stCondLst>
+                                  <p:childTnLst>
+                                    <p:set>
+                                      <p:cBhvr>
+                                        <p:cTn id="15" dur="1" fill="hold">
+                                          <p:stCondLst>
+                                            <p:cond delay="0"/>
+                                          </p:stCondLst>
+                                        </p:cTn>
+                                        <p:tgtEl>
+                                          <p:spTgt spid="3">
+                                            <p:txEl>
+                                              <p:pRg st="3" end="3"/>
+                                            </p:txEl>
+                                          </p:spTgt>
+                                        </p:tgtEl>
+                                        <p:attrNameLst>
+                                          <p:attrName>style.visibility</p:attrName>
+                                        </p:attrNameLst>
+                                      </p:cBhvr>
+                                      <p:to>
+                                        <p:strVal val="visible"/>
+                                      </p:to>
+                                    </p:set>
+                                    <p:animEffect transition="in" filter="fade">
+                                      <p:cBhvr>
+                                        <p:cTn id="16" dur="500"/>
+                                        <p:tgtEl>
+                                          <p:spTgt spid="3">
+                                            <p:txEl>
+                                              <p:pRg st="3" end="3"/>
+                                            </p:txEl>
+                                          </p:spTgt>
+                                        </p:tgtEl>
+                                      </p:cBhvr>
+                                    </p:animEffect>
+                                  </p:childTnLst>
+                                </p:cTn>
+                              </p:par>
+                            </p:childTnLst>
+                          </p:cTn>
+                        </p:par>
+                      </p:childTnLst>
+                    </p:cTn>
+                  </p:par>
+                  <p:par>
+                    <p:cTn id="17" fill="hold">
+                      <p:stCondLst>
+                        <p:cond delay="indefinite"/>
+                      </p:stCondLst>
+                      <p:childTnLst>
+                        <p:par>
+                          <p:cTn id="18" fill="hold">
+                            <p:stCondLst>
+                              <p:cond delay="0"/>
+                            </p:stCondLst>
+                            <p:childTnLst>
+                              <p:par>
+                                <p:cTn id="19" presetID="10" presetClass="entr" presetSubtype="0" fill="hold" grpId="0" nodeType="clickEffect">
+                                  <p:stCondLst>
+                                    <p:cond delay="0"/>
+                                  </p:stCondLst>
+                                  <p:childTnLst>
+                                    <p:set>
+                                      <p:cBhvr>
+                                        <p:cTn id="20" dur="1" fill="hold">
+                                          <p:stCondLst>
+                                            <p:cond delay="0"/>
+                                          </p:stCondLst>
+                                        </p:cTn>
+                                        <p:tgtEl>
+                                          <p:spTgt spid="3">
+                                            <p:txEl>
+                                              <p:pRg st="4" end="4"/>
+                                            </p:txEl>
+                                          </p:spTgt>
+                                        </p:tgtEl>
+                                        <p:attrNameLst>
+                                          <p:attrName>style.visibility</p:attrName>
+                                        </p:attrNameLst>
+                                      </p:cBhvr>
+                                      <p:to>
+                                        <p:strVal val="visible"/>
+                                      </p:to>
+                                    </p:set>
+                                    <p:animEffect transition="in" filter="fade">
+                                      <p:cBhvr>
+                                        <p:cTn id="21" dur="500"/>
+                                        <p:tgtEl>
+                                          <p:spTgt spid="3">
+                                            <p:txEl>
+                                              <p:pRg st="4" end="4"/>
+                                            </p:txEl>
+                                          </p:spTgt>
+                                        </p:tgtEl>
+                                      </p:cBhvr>
+                                    </p:animEffect>
+                                  </p:childTnLst>
+                                </p:cTn>
+                              </p:par>
+                              <p:par>
+                                <p:cTn id="22" presetID="10" presetClass="entr" presetSubtype="0" fill="hold" grpId="0" nodeType="withEffect">
+                                  <p:stCondLst>
+                                    <p:cond delay="0"/>
+                                  </p:stCondLst>
+                                  <p:childTnLst>
+                                    <p:set>
+                                      <p:cBhvr>
+                                        <p:cTn id="23" dur="1" fill="hold">
+                                          <p:stCondLst>
+                                            <p:cond delay="0"/>
+                                          </p:stCondLst>
+                                        </p:cTn>
+                                        <p:tgtEl>
+                                          <p:spTgt spid="3">
+                                            <p:txEl>
+                                              <p:pRg st="5" end="5"/>
+                                            </p:txEl>
+                                          </p:spTgt>
+                                        </p:tgtEl>
+                                        <p:attrNameLst>
+                                          <p:attrName>style.visibility</p:attrName>
+                                        </p:attrNameLst>
+                                      </p:cBhvr>
+                                      <p:to>
+                                        <p:strVal val="visible"/>
+                                      </p:to>
+                                    </p:set>
+                                    <p:animEffect transition="in" filter="fade">
+                                      <p:cBhvr>
+                                        <p:cTn id="24" dur="500"/>
+                                        <p:tgtEl>
+                                          <p:spTgt spid="3">
+                                            <p:txEl>
+                                              <p:pRg st="5" end="5"/>
+                                            </p:txEl>
+                                          </p:spTgt>
+                                        </p:tgtEl>
+                                      </p:cBhvr>
+                                    </p:animEffect>
+                                  </p:childTnLst>
+                                </p:cTn>
+                              </p:par>
+                            </p:childTnLst>
+                          </p:cTn>
+                        </p:par>
+                      </p:childTnLst>
+                    </p:cTn>
+                  </p:par>
+                  <p:par>
+                    <p:cTn id="25" fill="hold">
+                      <p:stCondLst>
+                        <p:cond delay="indefinite"/>
+                      </p:stCondLst>
+                      <p:childTnLst>
+                        <p:par>
+                          <p:cTn id="26" fill="hold">
+                            <p:stCondLst>
+                              <p:cond delay="0"/>
+                            </p:stCondLst>
+                            <p:childTnLst>
+                              <p:par>
+                                <p:cTn id="27" presetID="10" presetClass="entr" presetSubtype="0" fill="hold" grpId="0" nodeType="clickEffect">
+                                  <p:stCondLst>
+                                    <p:cond delay="0"/>
+                                  </p:stCondLst>
+                                  <p:childTnLst>
+                                    <p:set>
+                                      <p:cBhvr>
+                                        <p:cTn id="28" dur="1" fill="hold">
+                                          <p:stCondLst>
+                                            <p:cond delay="0"/>
+                                          </p:stCondLst>
+                                        </p:cTn>
+                                        <p:tgtEl>
+                                          <p:spTgt spid="3">
+                                            <p:txEl>
+                                              <p:pRg st="6" end="6"/>
+                                            </p:txEl>
+                                          </p:spTgt>
+                                        </p:tgtEl>
+                                        <p:attrNameLst>
+                                          <p:attrName>style.visibility</p:attrName>
+                                        </p:attrNameLst>
+                                      </p:cBhvr>
+                                      <p:to>
+                                        <p:strVal val="visible"/>
+                                      </p:to>
+                                    </p:set>
+                                    <p:animEffect transition="in" filter="fade">
+                                      <p:cBhvr>
+                                        <p:cTn id="29" dur="500"/>
+                                        <p:tgtEl>
+                                          <p:spTgt spid="3">
+                                            <p:txEl>
+                                              <p:pRg st="6" end="6"/>
+                                            </p:txEl>
+                                          </p:spTgt>
+                                        </p:tgtEl>
+                                      </p:cBhvr>
+                                    </p:animEffect>
+                                  </p:childTnLst>
+                                </p:cTn>
+                              </p:par>
+                              <p:par>
+                                <p:cTn id="30" presetID="10" presetClass="entr" presetSubtype="0" fill="hold" grpId="0" nodeType="withEffect">
+                                  <p:stCondLst>
+                                    <p:cond delay="0"/>
+                                  </p:stCondLst>
+                                  <p:childTnLst>
+                                    <p:set>
+                                      <p:cBhvr>
+                                        <p:cTn id="31" dur="1" fill="hold">
+                                          <p:stCondLst>
+                                            <p:cond delay="0"/>
+                                          </p:stCondLst>
+                                        </p:cTn>
+                                        <p:tgtEl>
+                                          <p:spTgt spid="3">
+                                            <p:txEl>
+                                              <p:pRg st="7" end="7"/>
+                                            </p:txEl>
+                                          </p:spTgt>
+                                        </p:tgtEl>
+                                        <p:attrNameLst>
+                                          <p:attrName>style.visibility</p:attrName>
+                                        </p:attrNameLst>
+                                      </p:cBhvr>
+                                      <p:to>
+                                        <p:strVal val="visible"/>
+                                      </p:to>
+                                    </p:set>
+                                    <p:animEffect transition="in" filter="fade">
+                                      <p:cBhvr>
+                                        <p:cTn id="32" dur="500"/>
+                                        <p:tgtEl>
+                                          <p:spTgt spid="3">
+                                            <p:txEl>
+                                              <p:pRg st="7" end="7"/>
+                                            </p:txEl>
+                                          </p:spTgt>
+                                        </p:tgtEl>
+                                      </p:cBhvr>
+                                    </p:animEffect>
+                                  </p:childTnLst>
+                                </p:cTn>
+                              </p:par>
+                              <p:par>
+                                <p:cTn id="33" presetID="10" presetClass="entr" presetSubtype="0" fill="hold" grpId="0" nodeType="withEffect">
+                                  <p:stCondLst>
+                                    <p:cond delay="0"/>
+                                  </p:stCondLst>
+                                  <p:childTnLst>
+                                    <p:set>
+                                      <p:cBhvr>
+                                        <p:cTn id="34" dur="1" fill="hold">
+                                          <p:stCondLst>
+                                            <p:cond delay="0"/>
+                                          </p:stCondLst>
+                                        </p:cTn>
+                                        <p:tgtEl>
+                                          <p:spTgt spid="3">
+                                            <p:txEl>
+                                              <p:pRg st="8" end="8"/>
+                                            </p:txEl>
+                                          </p:spTgt>
+                                        </p:tgtEl>
+                                        <p:attrNameLst>
+                                          <p:attrName>style.visibility</p:attrName>
+                                        </p:attrNameLst>
+                                      </p:cBhvr>
+                                      <p:to>
+                                        <p:strVal val="visible"/>
+                                      </p:to>
+                                    </p:set>
+                                    <p:animEffect transition="in" filter="fade">
+                                      <p:cBhvr>
+                                        <p:cTn id="35" dur="500"/>
+                                        <p:tgtEl>
+                                          <p:spTgt spid="3">
+                                            <p:txEl>
+                                              <p:pRg st="8" end="8"/>
+                                            </p:txEl>
+                                          </p:spTgt>
+                                        </p:tgtEl>
+                                      </p:cBhvr>
+                                    </p:animEffect>
+                                  </p:childTnLst>
+                                </p:cTn>
+                              </p:par>
+                              <p:par>
+                                <p:cTn id="36" presetID="10" presetClass="entr" presetSubtype="0" fill="hold" grpId="0" nodeType="withEffect">
+                                  <p:stCondLst>
+                                    <p:cond delay="0"/>
+                                  </p:stCondLst>
+                                  <p:childTnLst>
+                                    <p:set>
+                                      <p:cBhvr>
+                                        <p:cTn id="37" dur="1" fill="hold">
+                                          <p:stCondLst>
+                                            <p:cond delay="0"/>
+                                          </p:stCondLst>
+                                        </p:cTn>
+                                        <p:tgtEl>
+                                          <p:spTgt spid="3">
+                                            <p:txEl>
+                                              <p:pRg st="9" end="9"/>
+                                            </p:txEl>
+                                          </p:spTgt>
+                                        </p:tgtEl>
+                                        <p:attrNameLst>
+                                          <p:attrName>style.visibility</p:attrName>
+                                        </p:attrNameLst>
+                                      </p:cBhvr>
+                                      <p:to>
+                                        <p:strVal val="visible"/>
+                                      </p:to>
+                                    </p:set>
+                                    <p:animEffect transition="in" filter="fade">
+                                      <p:cBhvr>
+                                        <p:cTn id="38" dur="500"/>
+                                        <p:tgtEl>
+                                          <p:spTgt spid="3">
+                                            <p:txEl>
+                                              <p:pRg st="9" end="9"/>
+                                            </p:txEl>
+                                          </p:spTgt>
+                                        </p:tgtEl>
+                                      </p:cBhvr>
+                                    </p:animEffect>
+                                  </p:childTnLst>
+                                </p:cTn>
+                              </p:par>
+                            </p:childTnLst>
+                          </p:cTn>
+                        </p:par>
+                      </p:childTnLst>
+                    </p:cTn>
+                  </p:par>
+                </p:childTnLst>
+              </p:cTn>
+              <p:prevCondLst>
+                <p:cond evt="onPrev" delay="0">
+                  <p:tgtEl>
+                    <p:sldTgt/>
+                  </p:tgtEl>
+                </p:cond>
+              </p:prevCondLst>
+              <p:nextCondLst>
+                <p:cond evt="onNext" delay="0">
+                  <p:tgtEl>
+                    <p:sldTgt/>
+                  </p:tgtEl>
+                </p:cond>
+              </p:nextCondLst>
+            </p:seq>
+          </p:childTnLst>
+        </p:cTn>
       </p:par>
     </p:tnLst>
+    <p:bldLst>
+      <p:bldP spid="3" grpId="0" build="p"/>
+    </p:bldLst>
   </p:timing>
 </p:sld>
 </file>
@@ -6696,6 +10246,47 @@
           <a:chExt cx="0" cy="0"/>
         </a:xfrm>
       </p:grpSpPr>
+      <p:pic>
+        <p:nvPicPr>
+          <p:cNvPr id="8196" name="Picture 4" descr="http://static1.gamespot.com/uploads/original/1526/15260912/3122262-3121472-5428227716-maxre.jpg"/>
+          <p:cNvPicPr>
+            <a:picLocks noChangeAspect="1" noChangeArrowheads="1"/>
+          </p:cNvPicPr>
+          <p:nvPr/>
+        </p:nvPicPr>
+        <p:blipFill>
+          <a:blip r:embed="rId3">
+            <a:extLst>
+              <a:ext uri="{28A0092B-C50C-407E-A947-70E740481C1C}">
+                <a14:useLocalDpi xmlns:a14="http://schemas.microsoft.com/office/drawing/2010/main" val="0"/>
+              </a:ext>
+            </a:extLst>
+          </a:blip>
+          <a:srcRect/>
+          <a:stretch>
+            <a:fillRect/>
+          </a:stretch>
+        </p:blipFill>
+        <p:spPr bwMode="auto">
+          <a:xfrm>
+            <a:off x="2887332" y="3338623"/>
+            <a:ext cx="6256668" cy="3519377"/>
+          </a:xfrm>
+          <a:prstGeom prst="rect">
+            <a:avLst/>
+          </a:prstGeom>
+          <a:noFill/>
+          <a:extLst>
+            <a:ext uri="{909E8E84-426E-40DD-AFC4-6F175D3DCCD1}">
+              <a14:hiddenFill xmlns:a14="http://schemas.microsoft.com/office/drawing/2010/main">
+                <a:solidFill>
+                  <a:srgbClr val="FFFFFF"/>
+                </a:solidFill>
+              </a14:hiddenFill>
+            </a:ext>
+          </a:extLst>
+        </p:spPr>
+      </p:pic>
       <p:sp>
         <p:nvSpPr>
           <p:cNvPr id="2" name="Title 1"/>
@@ -6734,7 +10325,59 @@
           <a:bodyPr/>
           <a:lstStyle/>
           <a:p>
-            <a:endParaRPr lang="en-US" dirty="0"/>
+            <a:r>
+              <a:rPr lang="en-US" dirty="0" smtClean="0"/>
+              <a:t>Threat Researcher for money.</a:t>
+            </a:r>
+          </a:p>
+          <a:p>
+            <a:r>
+              <a:rPr lang="en-US" dirty="0" smtClean="0"/>
+              <a:t>Interested in</a:t>
+            </a:r>
+          </a:p>
+          <a:p>
+            <a:pPr lvl="1"/>
+            <a:r>
+              <a:rPr lang="en-US" dirty="0" smtClean="0"/>
+              <a:t>Things commonly considered criminal.</a:t>
+            </a:r>
+          </a:p>
+          <a:p>
+            <a:r>
+              <a:rPr lang="en-US" dirty="0" smtClean="0"/>
+              <a:t>Reach me</a:t>
+            </a:r>
+          </a:p>
+          <a:p>
+            <a:pPr lvl="1"/>
+            <a:r>
+              <a:rPr lang="en-US" dirty="0" smtClean="0"/>
+              <a:t>@_</a:t>
+            </a:r>
+            <a:r>
+              <a:rPr lang="en-US" dirty="0" err="1" smtClean="0"/>
+              <a:t>badbot</a:t>
+            </a:r>
+            <a:endParaRPr lang="en-US" dirty="0" smtClean="0"/>
+          </a:p>
+          <a:p>
+            <a:pPr lvl="1"/>
+            <a:r>
+              <a:rPr lang="en-US" dirty="0" smtClean="0">
+                <a:hlinkClick r:id="rId4"/>
+              </a:rPr>
+              <a:t>badboy16a@gmail.com</a:t>
+            </a:r>
+            <a:endParaRPr lang="en-US" dirty="0" smtClean="0"/>
+          </a:p>
+          <a:p>
+            <a:pPr lvl="1"/>
+            <a:endParaRPr lang="en-US" dirty="0" smtClean="0"/>
+          </a:p>
+          <a:p>
+            <a:pPr lvl="1"/>
+            <a:endParaRPr lang="en-US" dirty="0" smtClean="0"/>
           </a:p>
         </p:txBody>
       </p:sp>
@@ -6748,6 +10391,9 @@
   <p:clrMapOvr>
     <a:masterClrMapping/>
   </p:clrMapOvr>
+  <p:transition>
+    <p:fade/>
+  </p:transition>
   <p:timing>
     <p:tnLst>
       <p:par>
@@ -6810,13 +10456,187 @@
         </p:nvSpPr>
         <p:spPr/>
         <p:txBody>
-          <a:bodyPr/>
+          <a:bodyPr>
+            <a:normAutofit fontScale="92500" lnSpcReduction="10000"/>
+          </a:bodyPr>
           <a:lstStyle/>
           <a:p>
-            <a:endParaRPr lang="en-US"/>
-          </a:p>
-        </p:txBody>
-      </p:sp>
+            <a:r>
+              <a:rPr lang="en-US" dirty="0" smtClean="0"/>
+              <a:t>Display Note</a:t>
+            </a:r>
+          </a:p>
+          <a:p>
+            <a:pPr lvl="1"/>
+            <a:r>
+              <a:rPr lang="en-US" dirty="0" err="1" smtClean="0"/>
+              <a:t>MessageBox</a:t>
+            </a:r>
+            <a:endParaRPr lang="en-US" dirty="0" smtClean="0"/>
+          </a:p>
+          <a:p>
+            <a:pPr lvl="1"/>
+            <a:r>
+              <a:rPr lang="en-US" dirty="0" smtClean="0"/>
+              <a:t>Window</a:t>
+            </a:r>
+          </a:p>
+          <a:p>
+            <a:pPr lvl="1"/>
+            <a:r>
+              <a:rPr lang="en-US" dirty="0" smtClean="0"/>
+              <a:t>Wallpaper</a:t>
+            </a:r>
+          </a:p>
+          <a:p>
+            <a:pPr lvl="1"/>
+            <a:r>
+              <a:rPr lang="en-US" dirty="0" smtClean="0"/>
+              <a:t>Image</a:t>
+            </a:r>
+          </a:p>
+          <a:p>
+            <a:pPr lvl="1"/>
+            <a:r>
+              <a:rPr lang="en-US" dirty="0" smtClean="0"/>
+              <a:t>HTML/TEXT/URL</a:t>
+            </a:r>
+          </a:p>
+          <a:p>
+            <a:r>
+              <a:rPr lang="en-US" dirty="0" smtClean="0"/>
+              <a:t>Content</a:t>
+            </a:r>
+          </a:p>
+          <a:p>
+            <a:pPr lvl="1"/>
+            <a:r>
+              <a:rPr lang="en-US" dirty="0" smtClean="0"/>
+              <a:t>Encryption Algorithm</a:t>
+            </a:r>
+          </a:p>
+          <a:p>
+            <a:pPr lvl="1"/>
+            <a:r>
+              <a:rPr lang="en-US" dirty="0" smtClean="0"/>
+              <a:t>Amount</a:t>
+            </a:r>
+          </a:p>
+          <a:p>
+            <a:pPr lvl="1"/>
+            <a:r>
+              <a:rPr lang="en-US" dirty="0" err="1" smtClean="0"/>
+              <a:t>SystemID</a:t>
+            </a:r>
+            <a:r>
+              <a:rPr lang="en-US" dirty="0" smtClean="0"/>
+              <a:t>/</a:t>
+            </a:r>
+            <a:r>
+              <a:rPr lang="en-US" dirty="0" err="1" smtClean="0"/>
+              <a:t>UserID</a:t>
+            </a:r>
+            <a:endParaRPr lang="en-US" dirty="0" smtClean="0"/>
+          </a:p>
+          <a:p>
+            <a:pPr lvl="1"/>
+            <a:r>
+              <a:rPr lang="en-US" dirty="0" smtClean="0"/>
+              <a:t>URL for bitcoin transfer</a:t>
+            </a:r>
+          </a:p>
+          <a:p>
+            <a:pPr lvl="1"/>
+            <a:r>
+              <a:rPr lang="en-US" dirty="0" smtClean="0"/>
+              <a:t>Proof of decryption</a:t>
+            </a:r>
+            <a:endParaRPr lang="en-US" dirty="0"/>
+          </a:p>
+        </p:txBody>
+      </p:sp>
+      <p:pic>
+        <p:nvPicPr>
+          <p:cNvPr id="4" name="Picture 4" descr="http://zdnet2.cbsistatic.com/hub/i/r/2015/11/09/b9373df0-049c-4f2d-a53c-7f04cfa4ad10/resize/770xauto/3af4131870f5b7aa9c83341fb42c52eb/cryptowall.png"/>
+          <p:cNvPicPr>
+            <a:picLocks noChangeAspect="1" noChangeArrowheads="1"/>
+          </p:cNvPicPr>
+          <p:nvPr/>
+        </p:nvPicPr>
+        <p:blipFill>
+          <a:blip r:embed="rId3">
+            <a:extLst>
+              <a:ext uri="{28A0092B-C50C-407E-A947-70E740481C1C}">
+                <a14:useLocalDpi xmlns:a14="http://schemas.microsoft.com/office/drawing/2010/main" val="0"/>
+              </a:ext>
+            </a:extLst>
+          </a:blip>
+          <a:srcRect/>
+          <a:stretch>
+            <a:fillRect/>
+          </a:stretch>
+        </p:blipFill>
+        <p:spPr bwMode="auto">
+          <a:xfrm>
+            <a:off x="4239313" y="1834351"/>
+            <a:ext cx="4904687" cy="3184215"/>
+          </a:xfrm>
+          <a:prstGeom prst="rect">
+            <a:avLst/>
+          </a:prstGeom>
+          <a:noFill/>
+          <a:extLst>
+            <a:ext uri="{909E8E84-426E-40DD-AFC4-6F175D3DCCD1}">
+              <a14:hiddenFill xmlns:a14="http://schemas.microsoft.com/office/drawing/2010/main">
+                <a:solidFill>
+                  <a:srgbClr val="FFFFFF"/>
+                </a:solidFill>
+              </a14:hiddenFill>
+            </a:ext>
+          </a:extLst>
+        </p:spPr>
+      </p:pic>
+      <p:pic>
+        <p:nvPicPr>
+          <p:cNvPr id="2054" name="Picture 6" descr="https://www.fireeye.com/content/dam/fireeye-www/blog/images/Cerber%20Analyzing%20a%20Ransomware%20Ankit/fig3.jpeg"/>
+          <p:cNvPicPr>
+            <a:picLocks noChangeAspect="1" noChangeArrowheads="1"/>
+          </p:cNvPicPr>
+          <p:nvPr/>
+        </p:nvPicPr>
+        <p:blipFill>
+          <a:blip r:embed="rId4">
+            <a:extLst>
+              <a:ext uri="{28A0092B-C50C-407E-A947-70E740481C1C}">
+                <a14:useLocalDpi xmlns:a14="http://schemas.microsoft.com/office/drawing/2010/main" val="0"/>
+              </a:ext>
+            </a:extLst>
+          </a:blip>
+          <a:srcRect/>
+          <a:stretch>
+            <a:fillRect/>
+          </a:stretch>
+        </p:blipFill>
+        <p:spPr bwMode="auto">
+          <a:xfrm>
+            <a:off x="4239313" y="5018566"/>
+            <a:ext cx="4904687" cy="1906901"/>
+          </a:xfrm>
+          <a:prstGeom prst="rect">
+            <a:avLst/>
+          </a:prstGeom>
+          <a:noFill/>
+          <a:extLst>
+            <a:ext uri="{909E8E84-426E-40DD-AFC4-6F175D3DCCD1}">
+              <a14:hiddenFill xmlns:a14="http://schemas.microsoft.com/office/drawing/2010/main">
+                <a:solidFill>
+                  <a:srgbClr val="FFFFFF"/>
+                </a:solidFill>
+              </a14:hiddenFill>
+            </a:ext>
+          </a:extLst>
+        </p:spPr>
+      </p:pic>
     </p:spTree>
     <p:extLst>
       <p:ext uri="{BB962C8B-B14F-4D97-AF65-F5344CB8AC3E}">
@@ -6827,12 +10647,593 @@
   <p:clrMapOvr>
     <a:masterClrMapping/>
   </p:clrMapOvr>
+  <p:transition>
+    <p:fade/>
+  </p:transition>
   <p:timing>
     <p:tnLst>
       <p:par>
-        <p:cTn id="1" dur="indefinite" restart="never" nodeType="tmRoot"/>
+        <p:cTn id="1" dur="indefinite" restart="never" nodeType="tmRoot">
+          <p:childTnLst>
+            <p:seq concurrent="1" nextAc="seek">
+              <p:cTn id="2" dur="indefinite" nodeType="mainSeq">
+                <p:childTnLst>
+                  <p:par>
+                    <p:cTn id="3" fill="hold">
+                      <p:stCondLst>
+                        <p:cond delay="indefinite"/>
+                      </p:stCondLst>
+                      <p:childTnLst>
+                        <p:par>
+                          <p:cTn id="4" fill="hold">
+                            <p:stCondLst>
+                              <p:cond delay="0"/>
+                            </p:stCondLst>
+                            <p:childTnLst>
+                              <p:par>
+                                <p:cTn id="5" presetID="10" presetClass="entr" presetSubtype="0" fill="hold" grpId="0" nodeType="clickEffect">
+                                  <p:stCondLst>
+                                    <p:cond delay="0"/>
+                                  </p:stCondLst>
+                                  <p:childTnLst>
+                                    <p:set>
+                                      <p:cBhvr>
+                                        <p:cTn id="6" dur="1" fill="hold">
+                                          <p:stCondLst>
+                                            <p:cond delay="0"/>
+                                          </p:stCondLst>
+                                        </p:cTn>
+                                        <p:tgtEl>
+                                          <p:spTgt spid="3">
+                                            <p:txEl>
+                                              <p:pRg st="0" end="0"/>
+                                            </p:txEl>
+                                          </p:spTgt>
+                                        </p:tgtEl>
+                                        <p:attrNameLst>
+                                          <p:attrName>style.visibility</p:attrName>
+                                        </p:attrNameLst>
+                                      </p:cBhvr>
+                                      <p:to>
+                                        <p:strVal val="visible"/>
+                                      </p:to>
+                                    </p:set>
+                                    <p:animEffect transition="in" filter="fade">
+                                      <p:cBhvr>
+                                        <p:cTn id="7" dur="500"/>
+                                        <p:tgtEl>
+                                          <p:spTgt spid="3">
+                                            <p:txEl>
+                                              <p:pRg st="0" end="0"/>
+                                            </p:txEl>
+                                          </p:spTgt>
+                                        </p:tgtEl>
+                                      </p:cBhvr>
+                                    </p:animEffect>
+                                  </p:childTnLst>
+                                </p:cTn>
+                              </p:par>
+                              <p:par>
+                                <p:cTn id="8" presetID="10" presetClass="entr" presetSubtype="0" fill="hold" grpId="0" nodeType="withEffect">
+                                  <p:stCondLst>
+                                    <p:cond delay="0"/>
+                                  </p:stCondLst>
+                                  <p:childTnLst>
+                                    <p:set>
+                                      <p:cBhvr>
+                                        <p:cTn id="9" dur="1" fill="hold">
+                                          <p:stCondLst>
+                                            <p:cond delay="0"/>
+                                          </p:stCondLst>
+                                        </p:cTn>
+                                        <p:tgtEl>
+                                          <p:spTgt spid="3">
+                                            <p:txEl>
+                                              <p:pRg st="1" end="1"/>
+                                            </p:txEl>
+                                          </p:spTgt>
+                                        </p:tgtEl>
+                                        <p:attrNameLst>
+                                          <p:attrName>style.visibility</p:attrName>
+                                        </p:attrNameLst>
+                                      </p:cBhvr>
+                                      <p:to>
+                                        <p:strVal val="visible"/>
+                                      </p:to>
+                                    </p:set>
+                                    <p:animEffect transition="in" filter="fade">
+                                      <p:cBhvr>
+                                        <p:cTn id="10" dur="500"/>
+                                        <p:tgtEl>
+                                          <p:spTgt spid="3">
+                                            <p:txEl>
+                                              <p:pRg st="1" end="1"/>
+                                            </p:txEl>
+                                          </p:spTgt>
+                                        </p:tgtEl>
+                                      </p:cBhvr>
+                                    </p:animEffect>
+                                  </p:childTnLst>
+                                </p:cTn>
+                              </p:par>
+                              <p:par>
+                                <p:cTn id="11" presetID="10" presetClass="entr" presetSubtype="0" fill="hold" grpId="0" nodeType="withEffect">
+                                  <p:stCondLst>
+                                    <p:cond delay="0"/>
+                                  </p:stCondLst>
+                                  <p:childTnLst>
+                                    <p:set>
+                                      <p:cBhvr>
+                                        <p:cTn id="12" dur="1" fill="hold">
+                                          <p:stCondLst>
+                                            <p:cond delay="0"/>
+                                          </p:stCondLst>
+                                        </p:cTn>
+                                        <p:tgtEl>
+                                          <p:spTgt spid="3">
+                                            <p:txEl>
+                                              <p:pRg st="2" end="2"/>
+                                            </p:txEl>
+                                          </p:spTgt>
+                                        </p:tgtEl>
+                                        <p:attrNameLst>
+                                          <p:attrName>style.visibility</p:attrName>
+                                        </p:attrNameLst>
+                                      </p:cBhvr>
+                                      <p:to>
+                                        <p:strVal val="visible"/>
+                                      </p:to>
+                                    </p:set>
+                                    <p:animEffect transition="in" filter="fade">
+                                      <p:cBhvr>
+                                        <p:cTn id="13" dur="500"/>
+                                        <p:tgtEl>
+                                          <p:spTgt spid="3">
+                                            <p:txEl>
+                                              <p:pRg st="2" end="2"/>
+                                            </p:txEl>
+                                          </p:spTgt>
+                                        </p:tgtEl>
+                                      </p:cBhvr>
+                                    </p:animEffect>
+                                  </p:childTnLst>
+                                </p:cTn>
+                              </p:par>
+                              <p:par>
+                                <p:cTn id="14" presetID="10" presetClass="entr" presetSubtype="0" fill="hold" grpId="0" nodeType="withEffect">
+                                  <p:stCondLst>
+                                    <p:cond delay="0"/>
+                                  </p:stCondLst>
+                                  <p:childTnLst>
+                                    <p:set>
+                                      <p:cBhvr>
+                                        <p:cTn id="15" dur="1" fill="hold">
+                                          <p:stCondLst>
+                                            <p:cond delay="0"/>
+                                          </p:stCondLst>
+                                        </p:cTn>
+                                        <p:tgtEl>
+                                          <p:spTgt spid="3">
+                                            <p:txEl>
+                                              <p:pRg st="3" end="3"/>
+                                            </p:txEl>
+                                          </p:spTgt>
+                                        </p:tgtEl>
+                                        <p:attrNameLst>
+                                          <p:attrName>style.visibility</p:attrName>
+                                        </p:attrNameLst>
+                                      </p:cBhvr>
+                                      <p:to>
+                                        <p:strVal val="visible"/>
+                                      </p:to>
+                                    </p:set>
+                                    <p:animEffect transition="in" filter="fade">
+                                      <p:cBhvr>
+                                        <p:cTn id="16" dur="500"/>
+                                        <p:tgtEl>
+                                          <p:spTgt spid="3">
+                                            <p:txEl>
+                                              <p:pRg st="3" end="3"/>
+                                            </p:txEl>
+                                          </p:spTgt>
+                                        </p:tgtEl>
+                                      </p:cBhvr>
+                                    </p:animEffect>
+                                  </p:childTnLst>
+                                </p:cTn>
+                              </p:par>
+                              <p:par>
+                                <p:cTn id="17" presetID="10" presetClass="entr" presetSubtype="0" fill="hold" grpId="0" nodeType="withEffect">
+                                  <p:stCondLst>
+                                    <p:cond delay="0"/>
+                                  </p:stCondLst>
+                                  <p:childTnLst>
+                                    <p:set>
+                                      <p:cBhvr>
+                                        <p:cTn id="18" dur="1" fill="hold">
+                                          <p:stCondLst>
+                                            <p:cond delay="0"/>
+                                          </p:stCondLst>
+                                        </p:cTn>
+                                        <p:tgtEl>
+                                          <p:spTgt spid="3">
+                                            <p:txEl>
+                                              <p:pRg st="4" end="4"/>
+                                            </p:txEl>
+                                          </p:spTgt>
+                                        </p:tgtEl>
+                                        <p:attrNameLst>
+                                          <p:attrName>style.visibility</p:attrName>
+                                        </p:attrNameLst>
+                                      </p:cBhvr>
+                                      <p:to>
+                                        <p:strVal val="visible"/>
+                                      </p:to>
+                                    </p:set>
+                                    <p:animEffect transition="in" filter="fade">
+                                      <p:cBhvr>
+                                        <p:cTn id="19" dur="500"/>
+                                        <p:tgtEl>
+                                          <p:spTgt spid="3">
+                                            <p:txEl>
+                                              <p:pRg st="4" end="4"/>
+                                            </p:txEl>
+                                          </p:spTgt>
+                                        </p:tgtEl>
+                                      </p:cBhvr>
+                                    </p:animEffect>
+                                  </p:childTnLst>
+                                </p:cTn>
+                              </p:par>
+                              <p:par>
+                                <p:cTn id="20" presetID="10" presetClass="entr" presetSubtype="0" fill="hold" grpId="0" nodeType="withEffect">
+                                  <p:stCondLst>
+                                    <p:cond delay="0"/>
+                                  </p:stCondLst>
+                                  <p:childTnLst>
+                                    <p:set>
+                                      <p:cBhvr>
+                                        <p:cTn id="21" dur="1" fill="hold">
+                                          <p:stCondLst>
+                                            <p:cond delay="0"/>
+                                          </p:stCondLst>
+                                        </p:cTn>
+                                        <p:tgtEl>
+                                          <p:spTgt spid="3">
+                                            <p:txEl>
+                                              <p:pRg st="5" end="5"/>
+                                            </p:txEl>
+                                          </p:spTgt>
+                                        </p:tgtEl>
+                                        <p:attrNameLst>
+                                          <p:attrName>style.visibility</p:attrName>
+                                        </p:attrNameLst>
+                                      </p:cBhvr>
+                                      <p:to>
+                                        <p:strVal val="visible"/>
+                                      </p:to>
+                                    </p:set>
+                                    <p:animEffect transition="in" filter="fade">
+                                      <p:cBhvr>
+                                        <p:cTn id="22" dur="500"/>
+                                        <p:tgtEl>
+                                          <p:spTgt spid="3">
+                                            <p:txEl>
+                                              <p:pRg st="5" end="5"/>
+                                            </p:txEl>
+                                          </p:spTgt>
+                                        </p:tgtEl>
+                                      </p:cBhvr>
+                                    </p:animEffect>
+                                  </p:childTnLst>
+                                </p:cTn>
+                              </p:par>
+                            </p:childTnLst>
+                          </p:cTn>
+                        </p:par>
+                      </p:childTnLst>
+                    </p:cTn>
+                  </p:par>
+                  <p:par>
+                    <p:cTn id="23" fill="hold">
+                      <p:stCondLst>
+                        <p:cond delay="indefinite"/>
+                      </p:stCondLst>
+                      <p:childTnLst>
+                        <p:par>
+                          <p:cTn id="24" fill="hold">
+                            <p:stCondLst>
+                              <p:cond delay="0"/>
+                            </p:stCondLst>
+                            <p:childTnLst>
+                              <p:par>
+                                <p:cTn id="25" presetID="10" presetClass="entr" presetSubtype="0" fill="hold" grpId="0" nodeType="clickEffect">
+                                  <p:stCondLst>
+                                    <p:cond delay="0"/>
+                                  </p:stCondLst>
+                                  <p:childTnLst>
+                                    <p:set>
+                                      <p:cBhvr>
+                                        <p:cTn id="26" dur="1" fill="hold">
+                                          <p:stCondLst>
+                                            <p:cond delay="0"/>
+                                          </p:stCondLst>
+                                        </p:cTn>
+                                        <p:tgtEl>
+                                          <p:spTgt spid="3">
+                                            <p:txEl>
+                                              <p:pRg st="6" end="6"/>
+                                            </p:txEl>
+                                          </p:spTgt>
+                                        </p:tgtEl>
+                                        <p:attrNameLst>
+                                          <p:attrName>style.visibility</p:attrName>
+                                        </p:attrNameLst>
+                                      </p:cBhvr>
+                                      <p:to>
+                                        <p:strVal val="visible"/>
+                                      </p:to>
+                                    </p:set>
+                                    <p:animEffect transition="in" filter="fade">
+                                      <p:cBhvr>
+                                        <p:cTn id="27" dur="500"/>
+                                        <p:tgtEl>
+                                          <p:spTgt spid="3">
+                                            <p:txEl>
+                                              <p:pRg st="6" end="6"/>
+                                            </p:txEl>
+                                          </p:spTgt>
+                                        </p:tgtEl>
+                                      </p:cBhvr>
+                                    </p:animEffect>
+                                  </p:childTnLst>
+                                </p:cTn>
+                              </p:par>
+                              <p:par>
+                                <p:cTn id="28" presetID="10" presetClass="entr" presetSubtype="0" fill="hold" grpId="0" nodeType="withEffect">
+                                  <p:stCondLst>
+                                    <p:cond delay="0"/>
+                                  </p:stCondLst>
+                                  <p:childTnLst>
+                                    <p:set>
+                                      <p:cBhvr>
+                                        <p:cTn id="29" dur="1" fill="hold">
+                                          <p:stCondLst>
+                                            <p:cond delay="0"/>
+                                          </p:stCondLst>
+                                        </p:cTn>
+                                        <p:tgtEl>
+                                          <p:spTgt spid="3">
+                                            <p:txEl>
+                                              <p:pRg st="7" end="7"/>
+                                            </p:txEl>
+                                          </p:spTgt>
+                                        </p:tgtEl>
+                                        <p:attrNameLst>
+                                          <p:attrName>style.visibility</p:attrName>
+                                        </p:attrNameLst>
+                                      </p:cBhvr>
+                                      <p:to>
+                                        <p:strVal val="visible"/>
+                                      </p:to>
+                                    </p:set>
+                                    <p:animEffect transition="in" filter="fade">
+                                      <p:cBhvr>
+                                        <p:cTn id="30" dur="500"/>
+                                        <p:tgtEl>
+                                          <p:spTgt spid="3">
+                                            <p:txEl>
+                                              <p:pRg st="7" end="7"/>
+                                            </p:txEl>
+                                          </p:spTgt>
+                                        </p:tgtEl>
+                                      </p:cBhvr>
+                                    </p:animEffect>
+                                  </p:childTnLst>
+                                </p:cTn>
+                              </p:par>
+                              <p:par>
+                                <p:cTn id="31" presetID="10" presetClass="entr" presetSubtype="0" fill="hold" grpId="0" nodeType="withEffect">
+                                  <p:stCondLst>
+                                    <p:cond delay="0"/>
+                                  </p:stCondLst>
+                                  <p:childTnLst>
+                                    <p:set>
+                                      <p:cBhvr>
+                                        <p:cTn id="32" dur="1" fill="hold">
+                                          <p:stCondLst>
+                                            <p:cond delay="0"/>
+                                          </p:stCondLst>
+                                        </p:cTn>
+                                        <p:tgtEl>
+                                          <p:spTgt spid="3">
+                                            <p:txEl>
+                                              <p:pRg st="8" end="8"/>
+                                            </p:txEl>
+                                          </p:spTgt>
+                                        </p:tgtEl>
+                                        <p:attrNameLst>
+                                          <p:attrName>style.visibility</p:attrName>
+                                        </p:attrNameLst>
+                                      </p:cBhvr>
+                                      <p:to>
+                                        <p:strVal val="visible"/>
+                                      </p:to>
+                                    </p:set>
+                                    <p:animEffect transition="in" filter="fade">
+                                      <p:cBhvr>
+                                        <p:cTn id="33" dur="500"/>
+                                        <p:tgtEl>
+                                          <p:spTgt spid="3">
+                                            <p:txEl>
+                                              <p:pRg st="8" end="8"/>
+                                            </p:txEl>
+                                          </p:spTgt>
+                                        </p:tgtEl>
+                                      </p:cBhvr>
+                                    </p:animEffect>
+                                  </p:childTnLst>
+                                </p:cTn>
+                              </p:par>
+                              <p:par>
+                                <p:cTn id="34" presetID="10" presetClass="entr" presetSubtype="0" fill="hold" grpId="0" nodeType="withEffect">
+                                  <p:stCondLst>
+                                    <p:cond delay="0"/>
+                                  </p:stCondLst>
+                                  <p:childTnLst>
+                                    <p:set>
+                                      <p:cBhvr>
+                                        <p:cTn id="35" dur="1" fill="hold">
+                                          <p:stCondLst>
+                                            <p:cond delay="0"/>
+                                          </p:stCondLst>
+                                        </p:cTn>
+                                        <p:tgtEl>
+                                          <p:spTgt spid="3">
+                                            <p:txEl>
+                                              <p:pRg st="9" end="9"/>
+                                            </p:txEl>
+                                          </p:spTgt>
+                                        </p:tgtEl>
+                                        <p:attrNameLst>
+                                          <p:attrName>style.visibility</p:attrName>
+                                        </p:attrNameLst>
+                                      </p:cBhvr>
+                                      <p:to>
+                                        <p:strVal val="visible"/>
+                                      </p:to>
+                                    </p:set>
+                                    <p:animEffect transition="in" filter="fade">
+                                      <p:cBhvr>
+                                        <p:cTn id="36" dur="500"/>
+                                        <p:tgtEl>
+                                          <p:spTgt spid="3">
+                                            <p:txEl>
+                                              <p:pRg st="9" end="9"/>
+                                            </p:txEl>
+                                          </p:spTgt>
+                                        </p:tgtEl>
+                                      </p:cBhvr>
+                                    </p:animEffect>
+                                  </p:childTnLst>
+                                </p:cTn>
+                              </p:par>
+                              <p:par>
+                                <p:cTn id="37" presetID="10" presetClass="entr" presetSubtype="0" fill="hold" grpId="0" nodeType="withEffect">
+                                  <p:stCondLst>
+                                    <p:cond delay="0"/>
+                                  </p:stCondLst>
+                                  <p:childTnLst>
+                                    <p:set>
+                                      <p:cBhvr>
+                                        <p:cTn id="38" dur="1" fill="hold">
+                                          <p:stCondLst>
+                                            <p:cond delay="0"/>
+                                          </p:stCondLst>
+                                        </p:cTn>
+                                        <p:tgtEl>
+                                          <p:spTgt spid="3">
+                                            <p:txEl>
+                                              <p:pRg st="10" end="10"/>
+                                            </p:txEl>
+                                          </p:spTgt>
+                                        </p:tgtEl>
+                                        <p:attrNameLst>
+                                          <p:attrName>style.visibility</p:attrName>
+                                        </p:attrNameLst>
+                                      </p:cBhvr>
+                                      <p:to>
+                                        <p:strVal val="visible"/>
+                                      </p:to>
+                                    </p:set>
+                                    <p:animEffect transition="in" filter="fade">
+                                      <p:cBhvr>
+                                        <p:cTn id="39" dur="500"/>
+                                        <p:tgtEl>
+                                          <p:spTgt spid="3">
+                                            <p:txEl>
+                                              <p:pRg st="10" end="10"/>
+                                            </p:txEl>
+                                          </p:spTgt>
+                                        </p:tgtEl>
+                                      </p:cBhvr>
+                                    </p:animEffect>
+                                  </p:childTnLst>
+                                </p:cTn>
+                              </p:par>
+                              <p:par>
+                                <p:cTn id="40" presetID="10" presetClass="entr" presetSubtype="0" fill="hold" grpId="0" nodeType="withEffect">
+                                  <p:stCondLst>
+                                    <p:cond delay="0"/>
+                                  </p:stCondLst>
+                                  <p:childTnLst>
+                                    <p:set>
+                                      <p:cBhvr>
+                                        <p:cTn id="41" dur="1" fill="hold">
+                                          <p:stCondLst>
+                                            <p:cond delay="0"/>
+                                          </p:stCondLst>
+                                        </p:cTn>
+                                        <p:tgtEl>
+                                          <p:spTgt spid="3">
+                                            <p:txEl>
+                                              <p:pRg st="11" end="11"/>
+                                            </p:txEl>
+                                          </p:spTgt>
+                                        </p:tgtEl>
+                                        <p:attrNameLst>
+                                          <p:attrName>style.visibility</p:attrName>
+                                        </p:attrNameLst>
+                                      </p:cBhvr>
+                                      <p:to>
+                                        <p:strVal val="visible"/>
+                                      </p:to>
+                                    </p:set>
+                                    <p:animEffect transition="in" filter="fade">
+                                      <p:cBhvr>
+                                        <p:cTn id="42" dur="500"/>
+                                        <p:tgtEl>
+                                          <p:spTgt spid="3">
+                                            <p:txEl>
+                                              <p:pRg st="11" end="11"/>
+                                            </p:txEl>
+                                          </p:spTgt>
+                                        </p:tgtEl>
+                                      </p:cBhvr>
+                                    </p:animEffect>
+                                  </p:childTnLst>
+                                </p:cTn>
+                              </p:par>
+                            </p:childTnLst>
+                          </p:cTn>
+                        </p:par>
+                      </p:childTnLst>
+                    </p:cTn>
+                  </p:par>
+                </p:childTnLst>
+              </p:cTn>
+              <p:prevCondLst>
+                <p:cond evt="onPrev" delay="0">
+                  <p:tgtEl>
+                    <p:sldTgt/>
+                  </p:tgtEl>
+                </p:cond>
+              </p:prevCondLst>
+              <p:nextCondLst>
+                <p:cond evt="onNext" delay="0">
+                  <p:tgtEl>
+                    <p:sldTgt/>
+                  </p:tgtEl>
+                </p:cond>
+              </p:nextCondLst>
+            </p:seq>
+          </p:childTnLst>
+        </p:cTn>
       </p:par>
     </p:tnLst>
+    <p:bldLst>
+      <p:bldP spid="3" grpId="0" build="p"/>
+    </p:bldLst>
   </p:timing>
 </p:sld>
 </file>
@@ -6854,6 +11255,47 @@
           <a:chExt cx="0" cy="0"/>
         </a:xfrm>
       </p:grpSpPr>
+      <p:pic>
+        <p:nvPicPr>
+          <p:cNvPr id="6146" name="Picture 2" descr="http://www.keycloud.com/wp-content/uploads/2016/04/Backup-and-Recovery-Clouds.png"/>
+          <p:cNvPicPr>
+            <a:picLocks noChangeAspect="1" noChangeArrowheads="1"/>
+          </p:cNvPicPr>
+          <p:nvPr/>
+        </p:nvPicPr>
+        <p:blipFill>
+          <a:blip r:embed="rId3">
+            <a:extLst>
+              <a:ext uri="{28A0092B-C50C-407E-A947-70E740481C1C}">
+                <a14:useLocalDpi xmlns:a14="http://schemas.microsoft.com/office/drawing/2010/main" val="0"/>
+              </a:ext>
+            </a:extLst>
+          </a:blip>
+          <a:srcRect/>
+          <a:stretch>
+            <a:fillRect/>
+          </a:stretch>
+        </p:blipFill>
+        <p:spPr bwMode="auto">
+          <a:xfrm>
+            <a:off x="2530548" y="4791996"/>
+            <a:ext cx="6892972" cy="2402405"/>
+          </a:xfrm>
+          <a:prstGeom prst="rect">
+            <a:avLst/>
+          </a:prstGeom>
+          <a:noFill/>
+          <a:extLst>
+            <a:ext uri="{909E8E84-426E-40DD-AFC4-6F175D3DCCD1}">
+              <a14:hiddenFill xmlns:a14="http://schemas.microsoft.com/office/drawing/2010/main">
+                <a:solidFill>
+                  <a:srgbClr val="FFFFFF"/>
+                </a:solidFill>
+              </a14:hiddenFill>
+            </a:ext>
+          </a:extLst>
+        </p:spPr>
+      </p:pic>
       <p:sp>
         <p:nvSpPr>
           <p:cNvPr id="2" name="Title 1"/>
@@ -6889,10 +11331,138 @@
         </p:nvSpPr>
         <p:spPr/>
         <p:txBody>
-          <a:bodyPr/>
+          <a:bodyPr>
+            <a:normAutofit/>
+          </a:bodyPr>
           <a:lstStyle/>
           <a:p>
-            <a:endParaRPr lang="en-US"/>
+            <a:r>
+              <a:rPr lang="en-US" dirty="0" smtClean="0"/>
+              <a:t>Decryption/Eradication Tools</a:t>
+            </a:r>
+          </a:p>
+          <a:p>
+            <a:pPr lvl="1"/>
+            <a:r>
+              <a:rPr lang="en-US" dirty="0" smtClean="0">
+                <a:hlinkClick r:id="rId4"/>
+              </a:rPr>
+              <a:t>Kaspersky</a:t>
+            </a:r>
+            <a:endParaRPr lang="en-US" dirty="0" smtClean="0"/>
+          </a:p>
+          <a:p>
+            <a:pPr lvl="2"/>
+            <a:r>
+              <a:rPr lang="en-US" dirty="0" err="1" smtClean="0"/>
+              <a:t>WildFire</a:t>
+            </a:r>
+            <a:r>
+              <a:rPr lang="en-US" dirty="0" smtClean="0"/>
+              <a:t>, Shade, </a:t>
+            </a:r>
+            <a:r>
+              <a:rPr lang="en-US" dirty="0" err="1" smtClean="0"/>
+              <a:t>Rakhni</a:t>
+            </a:r>
+            <a:r>
+              <a:rPr lang="en-US" dirty="0" smtClean="0"/>
+              <a:t>, SMASH, </a:t>
+            </a:r>
+            <a:r>
+              <a:rPr lang="en-US" dirty="0" err="1" smtClean="0"/>
+              <a:t>CoinVault</a:t>
+            </a:r>
+            <a:r>
+              <a:rPr lang="en-US" dirty="0" smtClean="0"/>
+              <a:t>, XORIST…</a:t>
+            </a:r>
+          </a:p>
+          <a:p>
+            <a:pPr lvl="1"/>
+            <a:r>
+              <a:rPr lang="en-US" dirty="0" smtClean="0">
+                <a:hlinkClick r:id="rId5"/>
+              </a:rPr>
+              <a:t>TrendMicro</a:t>
+            </a:r>
+            <a:endParaRPr lang="en-US" dirty="0" smtClean="0"/>
+          </a:p>
+          <a:p>
+            <a:pPr lvl="2"/>
+            <a:r>
+              <a:rPr lang="en-US" dirty="0" err="1" smtClean="0"/>
+              <a:t>CryptXXX</a:t>
+            </a:r>
+            <a:r>
+              <a:rPr lang="en-US" dirty="0" smtClean="0"/>
+              <a:t>(1,2,3,4,5), </a:t>
+            </a:r>
+            <a:r>
+              <a:rPr lang="en-US" dirty="0" err="1" smtClean="0"/>
+              <a:t>Crysis</a:t>
+            </a:r>
+            <a:r>
+              <a:rPr lang="en-US" dirty="0" smtClean="0"/>
+              <a:t>, </a:t>
+            </a:r>
+            <a:r>
+              <a:rPr lang="en-US" dirty="0" err="1" smtClean="0"/>
+              <a:t>TeslaCrypt</a:t>
+            </a:r>
+            <a:r>
+              <a:rPr lang="en-US" dirty="0" smtClean="0"/>
+              <a:t>, </a:t>
+            </a:r>
+            <a:r>
+              <a:rPr lang="en-US" dirty="0" err="1" smtClean="0"/>
+              <a:t>Cerber</a:t>
+            </a:r>
+            <a:r>
+              <a:rPr lang="en-US" dirty="0" smtClean="0"/>
+              <a:t> V1, </a:t>
+            </a:r>
+            <a:r>
+              <a:rPr lang="en-US" dirty="0" err="1" smtClean="0"/>
+              <a:t>Nemucod</a:t>
+            </a:r>
+            <a:r>
+              <a:rPr lang="en-US" dirty="0" smtClean="0"/>
+              <a:t>…</a:t>
+            </a:r>
+          </a:p>
+          <a:p>
+            <a:pPr lvl="1"/>
+            <a:r>
+              <a:rPr lang="en-US" dirty="0">
+                <a:hlinkClick r:id="rId6"/>
+              </a:rPr>
+              <a:t>https://</a:t>
+            </a:r>
+            <a:r>
+              <a:rPr lang="en-US" dirty="0" smtClean="0">
+                <a:hlinkClick r:id="rId6"/>
+              </a:rPr>
+              <a:t>www.nomoreransom.org/decryption-tools.html</a:t>
+            </a:r>
+            <a:r>
+              <a:rPr lang="en-US" dirty="0" smtClean="0"/>
+              <a:t> </a:t>
+            </a:r>
+          </a:p>
+          <a:p>
+            <a:r>
+              <a:rPr lang="en-US" dirty="0" smtClean="0"/>
+              <a:t>Recovery tools</a:t>
+            </a:r>
+          </a:p>
+          <a:p>
+            <a:pPr lvl="1"/>
+            <a:r>
+              <a:rPr lang="en-US" dirty="0" err="1" smtClean="0"/>
+              <a:t>Photorec</a:t>
+            </a:r>
+            <a:endParaRPr lang="en-US" dirty="0" smtClean="0"/>
           </a:p>
         </p:txBody>
       </p:sp>
@@ -6906,12 +11476,421 @@
   <p:clrMapOvr>
     <a:masterClrMapping/>
   </p:clrMapOvr>
+  <p:transition>
+    <p:fade/>
+  </p:transition>
   <p:timing>
     <p:tnLst>
       <p:par>
-        <p:cTn id="1" dur="indefinite" restart="never" nodeType="tmRoot"/>
+        <p:cTn id="1" dur="indefinite" restart="never" nodeType="tmRoot">
+          <p:childTnLst>
+            <p:seq concurrent="1" nextAc="seek">
+              <p:cTn id="2" dur="indefinite" nodeType="mainSeq">
+                <p:childTnLst>
+                  <p:par>
+                    <p:cTn id="3" fill="hold">
+                      <p:stCondLst>
+                        <p:cond delay="indefinite"/>
+                      </p:stCondLst>
+                      <p:childTnLst>
+                        <p:par>
+                          <p:cTn id="4" fill="hold">
+                            <p:stCondLst>
+                              <p:cond delay="0"/>
+                            </p:stCondLst>
+                            <p:childTnLst>
+                              <p:par>
+                                <p:cTn id="5" presetID="10" presetClass="entr" presetSubtype="0" fill="hold" grpId="0" nodeType="clickEffect">
+                                  <p:stCondLst>
+                                    <p:cond delay="0"/>
+                                  </p:stCondLst>
+                                  <p:childTnLst>
+                                    <p:set>
+                                      <p:cBhvr>
+                                        <p:cTn id="6" dur="1" fill="hold">
+                                          <p:stCondLst>
+                                            <p:cond delay="0"/>
+                                          </p:stCondLst>
+                                        </p:cTn>
+                                        <p:tgtEl>
+                                          <p:spTgt spid="3">
+                                            <p:txEl>
+                                              <p:pRg st="0" end="0"/>
+                                            </p:txEl>
+                                          </p:spTgt>
+                                        </p:tgtEl>
+                                        <p:attrNameLst>
+                                          <p:attrName>style.visibility</p:attrName>
+                                        </p:attrNameLst>
+                                      </p:cBhvr>
+                                      <p:to>
+                                        <p:strVal val="visible"/>
+                                      </p:to>
+                                    </p:set>
+                                    <p:animEffect transition="in" filter="fade">
+                                      <p:cBhvr>
+                                        <p:cTn id="7" dur="500"/>
+                                        <p:tgtEl>
+                                          <p:spTgt spid="3">
+                                            <p:txEl>
+                                              <p:pRg st="0" end="0"/>
+                                            </p:txEl>
+                                          </p:spTgt>
+                                        </p:tgtEl>
+                                      </p:cBhvr>
+                                    </p:animEffect>
+                                  </p:childTnLst>
+                                </p:cTn>
+                              </p:par>
+                              <p:par>
+                                <p:cTn id="8" presetID="10" presetClass="entr" presetSubtype="0" fill="hold" grpId="0" nodeType="withEffect">
+                                  <p:stCondLst>
+                                    <p:cond delay="0"/>
+                                  </p:stCondLst>
+                                  <p:childTnLst>
+                                    <p:set>
+                                      <p:cBhvr>
+                                        <p:cTn id="9" dur="1" fill="hold">
+                                          <p:stCondLst>
+                                            <p:cond delay="0"/>
+                                          </p:stCondLst>
+                                        </p:cTn>
+                                        <p:tgtEl>
+                                          <p:spTgt spid="3">
+                                            <p:txEl>
+                                              <p:pRg st="1" end="1"/>
+                                            </p:txEl>
+                                          </p:spTgt>
+                                        </p:tgtEl>
+                                        <p:attrNameLst>
+                                          <p:attrName>style.visibility</p:attrName>
+                                        </p:attrNameLst>
+                                      </p:cBhvr>
+                                      <p:to>
+                                        <p:strVal val="visible"/>
+                                      </p:to>
+                                    </p:set>
+                                    <p:animEffect transition="in" filter="fade">
+                                      <p:cBhvr>
+                                        <p:cTn id="10" dur="500"/>
+                                        <p:tgtEl>
+                                          <p:spTgt spid="3">
+                                            <p:txEl>
+                                              <p:pRg st="1" end="1"/>
+                                            </p:txEl>
+                                          </p:spTgt>
+                                        </p:tgtEl>
+                                      </p:cBhvr>
+                                    </p:animEffect>
+                                  </p:childTnLst>
+                                </p:cTn>
+                              </p:par>
+                              <p:par>
+                                <p:cTn id="11" presetID="10" presetClass="entr" presetSubtype="0" fill="hold" grpId="0" nodeType="withEffect">
+                                  <p:stCondLst>
+                                    <p:cond delay="0"/>
+                                  </p:stCondLst>
+                                  <p:childTnLst>
+                                    <p:set>
+                                      <p:cBhvr>
+                                        <p:cTn id="12" dur="1" fill="hold">
+                                          <p:stCondLst>
+                                            <p:cond delay="0"/>
+                                          </p:stCondLst>
+                                        </p:cTn>
+                                        <p:tgtEl>
+                                          <p:spTgt spid="3">
+                                            <p:txEl>
+                                              <p:pRg st="2" end="2"/>
+                                            </p:txEl>
+                                          </p:spTgt>
+                                        </p:tgtEl>
+                                        <p:attrNameLst>
+                                          <p:attrName>style.visibility</p:attrName>
+                                        </p:attrNameLst>
+                                      </p:cBhvr>
+                                      <p:to>
+                                        <p:strVal val="visible"/>
+                                      </p:to>
+                                    </p:set>
+                                    <p:animEffect transition="in" filter="fade">
+                                      <p:cBhvr>
+                                        <p:cTn id="13" dur="500"/>
+                                        <p:tgtEl>
+                                          <p:spTgt spid="3">
+                                            <p:txEl>
+                                              <p:pRg st="2" end="2"/>
+                                            </p:txEl>
+                                          </p:spTgt>
+                                        </p:tgtEl>
+                                      </p:cBhvr>
+                                    </p:animEffect>
+                                  </p:childTnLst>
+                                </p:cTn>
+                              </p:par>
+                              <p:par>
+                                <p:cTn id="14" presetID="10" presetClass="entr" presetSubtype="0" fill="hold" grpId="0" nodeType="withEffect">
+                                  <p:stCondLst>
+                                    <p:cond delay="0"/>
+                                  </p:stCondLst>
+                                  <p:childTnLst>
+                                    <p:set>
+                                      <p:cBhvr>
+                                        <p:cTn id="15" dur="1" fill="hold">
+                                          <p:stCondLst>
+                                            <p:cond delay="0"/>
+                                          </p:stCondLst>
+                                        </p:cTn>
+                                        <p:tgtEl>
+                                          <p:spTgt spid="3">
+                                            <p:txEl>
+                                              <p:pRg st="3" end="3"/>
+                                            </p:txEl>
+                                          </p:spTgt>
+                                        </p:tgtEl>
+                                        <p:attrNameLst>
+                                          <p:attrName>style.visibility</p:attrName>
+                                        </p:attrNameLst>
+                                      </p:cBhvr>
+                                      <p:to>
+                                        <p:strVal val="visible"/>
+                                      </p:to>
+                                    </p:set>
+                                    <p:animEffect transition="in" filter="fade">
+                                      <p:cBhvr>
+                                        <p:cTn id="16" dur="500"/>
+                                        <p:tgtEl>
+                                          <p:spTgt spid="3">
+                                            <p:txEl>
+                                              <p:pRg st="3" end="3"/>
+                                            </p:txEl>
+                                          </p:spTgt>
+                                        </p:tgtEl>
+                                      </p:cBhvr>
+                                    </p:animEffect>
+                                  </p:childTnLst>
+                                </p:cTn>
+                              </p:par>
+                              <p:par>
+                                <p:cTn id="17" presetID="10" presetClass="entr" presetSubtype="0" fill="hold" grpId="0" nodeType="withEffect">
+                                  <p:stCondLst>
+                                    <p:cond delay="0"/>
+                                  </p:stCondLst>
+                                  <p:childTnLst>
+                                    <p:set>
+                                      <p:cBhvr>
+                                        <p:cTn id="18" dur="1" fill="hold">
+                                          <p:stCondLst>
+                                            <p:cond delay="0"/>
+                                          </p:stCondLst>
+                                        </p:cTn>
+                                        <p:tgtEl>
+                                          <p:spTgt spid="3">
+                                            <p:txEl>
+                                              <p:pRg st="4" end="4"/>
+                                            </p:txEl>
+                                          </p:spTgt>
+                                        </p:tgtEl>
+                                        <p:attrNameLst>
+                                          <p:attrName>style.visibility</p:attrName>
+                                        </p:attrNameLst>
+                                      </p:cBhvr>
+                                      <p:to>
+                                        <p:strVal val="visible"/>
+                                      </p:to>
+                                    </p:set>
+                                    <p:animEffect transition="in" filter="fade">
+                                      <p:cBhvr>
+                                        <p:cTn id="19" dur="500"/>
+                                        <p:tgtEl>
+                                          <p:spTgt spid="3">
+                                            <p:txEl>
+                                              <p:pRg st="4" end="4"/>
+                                            </p:txEl>
+                                          </p:spTgt>
+                                        </p:tgtEl>
+                                      </p:cBhvr>
+                                    </p:animEffect>
+                                  </p:childTnLst>
+                                </p:cTn>
+                              </p:par>
+                              <p:par>
+                                <p:cTn id="20" presetID="10" presetClass="entr" presetSubtype="0" fill="hold" grpId="0" nodeType="withEffect">
+                                  <p:stCondLst>
+                                    <p:cond delay="0"/>
+                                  </p:stCondLst>
+                                  <p:childTnLst>
+                                    <p:set>
+                                      <p:cBhvr>
+                                        <p:cTn id="21" dur="1" fill="hold">
+                                          <p:stCondLst>
+                                            <p:cond delay="0"/>
+                                          </p:stCondLst>
+                                        </p:cTn>
+                                        <p:tgtEl>
+                                          <p:spTgt spid="3">
+                                            <p:txEl>
+                                              <p:pRg st="5" end="5"/>
+                                            </p:txEl>
+                                          </p:spTgt>
+                                        </p:tgtEl>
+                                        <p:attrNameLst>
+                                          <p:attrName>style.visibility</p:attrName>
+                                        </p:attrNameLst>
+                                      </p:cBhvr>
+                                      <p:to>
+                                        <p:strVal val="visible"/>
+                                      </p:to>
+                                    </p:set>
+                                    <p:animEffect transition="in" filter="fade">
+                                      <p:cBhvr>
+                                        <p:cTn id="22" dur="500"/>
+                                        <p:tgtEl>
+                                          <p:spTgt spid="3">
+                                            <p:txEl>
+                                              <p:pRg st="5" end="5"/>
+                                            </p:txEl>
+                                          </p:spTgt>
+                                        </p:tgtEl>
+                                      </p:cBhvr>
+                                    </p:animEffect>
+                                  </p:childTnLst>
+                                </p:cTn>
+                              </p:par>
+                            </p:childTnLst>
+                          </p:cTn>
+                        </p:par>
+                      </p:childTnLst>
+                    </p:cTn>
+                  </p:par>
+                  <p:par>
+                    <p:cTn id="23" fill="hold">
+                      <p:stCondLst>
+                        <p:cond delay="indefinite"/>
+                      </p:stCondLst>
+                      <p:childTnLst>
+                        <p:par>
+                          <p:cTn id="24" fill="hold">
+                            <p:stCondLst>
+                              <p:cond delay="0"/>
+                            </p:stCondLst>
+                            <p:childTnLst>
+                              <p:par>
+                                <p:cTn id="25" presetID="10" presetClass="entr" presetSubtype="0" fill="hold" grpId="0" nodeType="clickEffect">
+                                  <p:stCondLst>
+                                    <p:cond delay="0"/>
+                                  </p:stCondLst>
+                                  <p:childTnLst>
+                                    <p:set>
+                                      <p:cBhvr>
+                                        <p:cTn id="26" dur="1" fill="hold">
+                                          <p:stCondLst>
+                                            <p:cond delay="0"/>
+                                          </p:stCondLst>
+                                        </p:cTn>
+                                        <p:tgtEl>
+                                          <p:spTgt spid="3">
+                                            <p:txEl>
+                                              <p:pRg st="6" end="6"/>
+                                            </p:txEl>
+                                          </p:spTgt>
+                                        </p:tgtEl>
+                                        <p:attrNameLst>
+                                          <p:attrName>style.visibility</p:attrName>
+                                        </p:attrNameLst>
+                                      </p:cBhvr>
+                                      <p:to>
+                                        <p:strVal val="visible"/>
+                                      </p:to>
+                                    </p:set>
+                                    <p:animEffect transition="in" filter="fade">
+                                      <p:cBhvr>
+                                        <p:cTn id="27" dur="500"/>
+                                        <p:tgtEl>
+                                          <p:spTgt spid="3">
+                                            <p:txEl>
+                                              <p:pRg st="6" end="6"/>
+                                            </p:txEl>
+                                          </p:spTgt>
+                                        </p:tgtEl>
+                                      </p:cBhvr>
+                                    </p:animEffect>
+                                  </p:childTnLst>
+                                </p:cTn>
+                              </p:par>
+                              <p:par>
+                                <p:cTn id="28" presetID="10" presetClass="entr" presetSubtype="0" fill="hold" grpId="0" nodeType="withEffect">
+                                  <p:stCondLst>
+                                    <p:cond delay="0"/>
+                                  </p:stCondLst>
+                                  <p:childTnLst>
+                                    <p:set>
+                                      <p:cBhvr>
+                                        <p:cTn id="29" dur="1" fill="hold">
+                                          <p:stCondLst>
+                                            <p:cond delay="0"/>
+                                          </p:stCondLst>
+                                        </p:cTn>
+                                        <p:tgtEl>
+                                          <p:spTgt spid="3">
+                                            <p:txEl>
+                                              <p:pRg st="7" end="7"/>
+                                            </p:txEl>
+                                          </p:spTgt>
+                                        </p:tgtEl>
+                                        <p:attrNameLst>
+                                          <p:attrName>style.visibility</p:attrName>
+                                        </p:attrNameLst>
+                                      </p:cBhvr>
+                                      <p:to>
+                                        <p:strVal val="visible"/>
+                                      </p:to>
+                                    </p:set>
+                                    <p:animEffect transition="in" filter="fade">
+                                      <p:cBhvr>
+                                        <p:cTn id="30" dur="500"/>
+                                        <p:tgtEl>
+                                          <p:spTgt spid="3">
+                                            <p:txEl>
+                                              <p:pRg st="7" end="7"/>
+                                            </p:txEl>
+                                          </p:spTgt>
+                                        </p:tgtEl>
+                                      </p:cBhvr>
+                                    </p:animEffect>
+                                  </p:childTnLst>
+                                </p:cTn>
+                              </p:par>
+                            </p:childTnLst>
+                          </p:cTn>
+                        </p:par>
+                      </p:childTnLst>
+                    </p:cTn>
+                  </p:par>
+                </p:childTnLst>
+              </p:cTn>
+              <p:prevCondLst>
+                <p:cond evt="onPrev" delay="0">
+                  <p:tgtEl>
+                    <p:sldTgt/>
+                  </p:tgtEl>
+                </p:cond>
+              </p:prevCondLst>
+              <p:nextCondLst>
+                <p:cond evt="onNext" delay="0">
+                  <p:tgtEl>
+                    <p:sldTgt/>
+                  </p:tgtEl>
+                </p:cond>
+              </p:nextCondLst>
+            </p:seq>
+          </p:childTnLst>
+        </p:cTn>
       </p:par>
     </p:tnLst>
+    <p:bldLst>
+      <p:bldP spid="3" grpId="0" build="p"/>
+    </p:bldLst>
   </p:timing>
 </p:sld>
 </file>
@@ -6933,6 +11912,47 @@
           <a:chExt cx="0" cy="0"/>
         </a:xfrm>
       </p:grpSpPr>
+      <p:pic>
+        <p:nvPicPr>
+          <p:cNvPr id="9218" name="Picture 2" descr="http://kingofwallpapers.com/end/end-004.jpg"/>
+          <p:cNvPicPr>
+            <a:picLocks noChangeAspect="1" noChangeArrowheads="1"/>
+          </p:cNvPicPr>
+          <p:nvPr/>
+        </p:nvPicPr>
+        <p:blipFill>
+          <a:blip r:embed="rId3">
+            <a:extLst>
+              <a:ext uri="{28A0092B-C50C-407E-A947-70E740481C1C}">
+                <a14:useLocalDpi xmlns:a14="http://schemas.microsoft.com/office/drawing/2010/main" val="0"/>
+              </a:ext>
+            </a:extLst>
+          </a:blip>
+          <a:srcRect/>
+          <a:stretch>
+            <a:fillRect/>
+          </a:stretch>
+        </p:blipFill>
+        <p:spPr bwMode="auto">
+          <a:xfrm>
+            <a:off x="2580537" y="2508187"/>
+            <a:ext cx="5308822" cy="2986213"/>
+          </a:xfrm>
+          <a:prstGeom prst="rect">
+            <a:avLst/>
+          </a:prstGeom>
+          <a:noFill/>
+          <a:extLst>
+            <a:ext uri="{909E8E84-426E-40DD-AFC4-6F175D3DCCD1}">
+              <a14:hiddenFill xmlns:a14="http://schemas.microsoft.com/office/drawing/2010/main">
+                <a:solidFill>
+                  <a:srgbClr val="FFFFFF"/>
+                </a:solidFill>
+              </a14:hiddenFill>
+            </a:ext>
+          </a:extLst>
+        </p:spPr>
+      </p:pic>
       <p:sp>
         <p:nvSpPr>
           <p:cNvPr id="2" name="Title 1"/>
@@ -6949,8 +11969,8 @@
           <a:lstStyle/>
           <a:p>
             <a:r>
-              <a:rPr lang="en-US" dirty="0" smtClean="0"/>
-              <a:t>Extra</a:t>
+              <a:rPr lang="en-US" dirty="0"/>
+              <a:t>END</a:t>
             </a:r>
             <a:endParaRPr lang="en-US" dirty="0"/>
           </a:p>
@@ -6972,13 +11992,57 @@
           <a:lstStyle/>
           <a:p>
             <a:r>
-              <a:rPr lang="en-US" dirty="0" err="1"/>
-              <a:t>Trojan.Gpcoder.E</a:t>
-            </a:r>
+              <a:rPr lang="en-US" dirty="0" smtClean="0"/>
+              <a:t>Avoid ransomware</a:t>
+            </a:r>
+          </a:p>
+          <a:p>
+            <a:r>
+              <a:rPr lang="en-US" dirty="0" smtClean="0"/>
+              <a:t>Unplug immediately</a:t>
+            </a:r>
+            <a:endParaRPr lang="en-US" dirty="0"/>
+          </a:p>
+          <a:p>
+            <a:r>
+              <a:rPr lang="en-US" dirty="0" smtClean="0"/>
+              <a:t>Don’t pay</a:t>
+            </a:r>
+          </a:p>
+          <a:p>
+            <a:r>
+              <a:rPr lang="en-US" dirty="0" smtClean="0"/>
+              <a:t>Backup</a:t>
+            </a:r>
+            <a:endParaRPr lang="en-US" dirty="0"/>
+          </a:p>
+          <a:p>
+            <a:pPr lvl="1"/>
             <a:r>
               <a:rPr lang="en-US" dirty="0"/>
-              <a:t> (July 2007) boasted of using asymmetric RSA encryption with a 4096-bit key, but in reality, it only used custom symmetric encryption. It generated a four-byte long encryption key (32-bit) which was then stored in the registry of the compromised computer, meaning that it was possible for people to find the key on the computer. </a:t>
-            </a:r>
+              <a:t>Disconnected</a:t>
+            </a:r>
+          </a:p>
+          <a:p>
+            <a:pPr lvl="1"/>
+            <a:r>
+              <a:rPr lang="en-US" dirty="0"/>
+              <a:t>Full </a:t>
+            </a:r>
+            <a:r>
+              <a:rPr lang="en-US" dirty="0" smtClean="0"/>
+              <a:t>Snapshots</a:t>
+            </a:r>
+          </a:p>
+          <a:p>
+            <a:pPr lvl="1"/>
+            <a:r>
+              <a:rPr lang="en-US" dirty="0" smtClean="0"/>
+              <a:t>Offline restoration</a:t>
+            </a:r>
+          </a:p>
+          <a:p>
+            <a:endParaRPr lang="en-US" dirty="0"/>
           </a:p>
         </p:txBody>
       </p:sp>
@@ -6992,6 +12056,531 @@
   <p:clrMapOvr>
     <a:masterClrMapping/>
   </p:clrMapOvr>
+  <p:transition>
+    <p:fade/>
+  </p:transition>
+  <p:timing>
+    <p:tnLst>
+      <p:par>
+        <p:cTn id="1" dur="indefinite" restart="never" nodeType="tmRoot">
+          <p:childTnLst>
+            <p:seq concurrent="1" nextAc="seek">
+              <p:cTn id="2" dur="indefinite" nodeType="mainSeq">
+                <p:childTnLst>
+                  <p:par>
+                    <p:cTn id="3" fill="hold">
+                      <p:stCondLst>
+                        <p:cond delay="indefinite"/>
+                      </p:stCondLst>
+                      <p:childTnLst>
+                        <p:par>
+                          <p:cTn id="4" fill="hold">
+                            <p:stCondLst>
+                              <p:cond delay="0"/>
+                            </p:stCondLst>
+                            <p:childTnLst>
+                              <p:par>
+                                <p:cTn id="5" presetID="10" presetClass="entr" presetSubtype="0" fill="hold" grpId="0" nodeType="clickEffect">
+                                  <p:stCondLst>
+                                    <p:cond delay="0"/>
+                                  </p:stCondLst>
+                                  <p:childTnLst>
+                                    <p:set>
+                                      <p:cBhvr>
+                                        <p:cTn id="6" dur="1" fill="hold">
+                                          <p:stCondLst>
+                                            <p:cond delay="0"/>
+                                          </p:stCondLst>
+                                        </p:cTn>
+                                        <p:tgtEl>
+                                          <p:spTgt spid="3">
+                                            <p:txEl>
+                                              <p:pRg st="0" end="0"/>
+                                            </p:txEl>
+                                          </p:spTgt>
+                                        </p:tgtEl>
+                                        <p:attrNameLst>
+                                          <p:attrName>style.visibility</p:attrName>
+                                        </p:attrNameLst>
+                                      </p:cBhvr>
+                                      <p:to>
+                                        <p:strVal val="visible"/>
+                                      </p:to>
+                                    </p:set>
+                                    <p:animEffect transition="in" filter="fade">
+                                      <p:cBhvr>
+                                        <p:cTn id="7" dur="500"/>
+                                        <p:tgtEl>
+                                          <p:spTgt spid="3">
+                                            <p:txEl>
+                                              <p:pRg st="0" end="0"/>
+                                            </p:txEl>
+                                          </p:spTgt>
+                                        </p:tgtEl>
+                                      </p:cBhvr>
+                                    </p:animEffect>
+                                  </p:childTnLst>
+                                </p:cTn>
+                              </p:par>
+                            </p:childTnLst>
+                          </p:cTn>
+                        </p:par>
+                      </p:childTnLst>
+                    </p:cTn>
+                  </p:par>
+                  <p:par>
+                    <p:cTn id="8" fill="hold">
+                      <p:stCondLst>
+                        <p:cond delay="indefinite"/>
+                      </p:stCondLst>
+                      <p:childTnLst>
+                        <p:par>
+                          <p:cTn id="9" fill="hold">
+                            <p:stCondLst>
+                              <p:cond delay="0"/>
+                            </p:stCondLst>
+                            <p:childTnLst>
+                              <p:par>
+                                <p:cTn id="10" presetID="10" presetClass="entr" presetSubtype="0" fill="hold" grpId="0" nodeType="clickEffect">
+                                  <p:stCondLst>
+                                    <p:cond delay="0"/>
+                                  </p:stCondLst>
+                                  <p:childTnLst>
+                                    <p:set>
+                                      <p:cBhvr>
+                                        <p:cTn id="11" dur="1" fill="hold">
+                                          <p:stCondLst>
+                                            <p:cond delay="0"/>
+                                          </p:stCondLst>
+                                        </p:cTn>
+                                        <p:tgtEl>
+                                          <p:spTgt spid="3">
+                                            <p:txEl>
+                                              <p:pRg st="1" end="1"/>
+                                            </p:txEl>
+                                          </p:spTgt>
+                                        </p:tgtEl>
+                                        <p:attrNameLst>
+                                          <p:attrName>style.visibility</p:attrName>
+                                        </p:attrNameLst>
+                                      </p:cBhvr>
+                                      <p:to>
+                                        <p:strVal val="visible"/>
+                                      </p:to>
+                                    </p:set>
+                                    <p:animEffect transition="in" filter="fade">
+                                      <p:cBhvr>
+                                        <p:cTn id="12" dur="500"/>
+                                        <p:tgtEl>
+                                          <p:spTgt spid="3">
+                                            <p:txEl>
+                                              <p:pRg st="1" end="1"/>
+                                            </p:txEl>
+                                          </p:spTgt>
+                                        </p:tgtEl>
+                                      </p:cBhvr>
+                                    </p:animEffect>
+                                  </p:childTnLst>
+                                </p:cTn>
+                              </p:par>
+                            </p:childTnLst>
+                          </p:cTn>
+                        </p:par>
+                      </p:childTnLst>
+                    </p:cTn>
+                  </p:par>
+                  <p:par>
+                    <p:cTn id="13" fill="hold">
+                      <p:stCondLst>
+                        <p:cond delay="indefinite"/>
+                      </p:stCondLst>
+                      <p:childTnLst>
+                        <p:par>
+                          <p:cTn id="14" fill="hold">
+                            <p:stCondLst>
+                              <p:cond delay="0"/>
+                            </p:stCondLst>
+                            <p:childTnLst>
+                              <p:par>
+                                <p:cTn id="15" presetID="10" presetClass="entr" presetSubtype="0" fill="hold" grpId="0" nodeType="clickEffect">
+                                  <p:stCondLst>
+                                    <p:cond delay="0"/>
+                                  </p:stCondLst>
+                                  <p:childTnLst>
+                                    <p:set>
+                                      <p:cBhvr>
+                                        <p:cTn id="16" dur="1" fill="hold">
+                                          <p:stCondLst>
+                                            <p:cond delay="0"/>
+                                          </p:stCondLst>
+                                        </p:cTn>
+                                        <p:tgtEl>
+                                          <p:spTgt spid="3">
+                                            <p:txEl>
+                                              <p:pRg st="2" end="2"/>
+                                            </p:txEl>
+                                          </p:spTgt>
+                                        </p:tgtEl>
+                                        <p:attrNameLst>
+                                          <p:attrName>style.visibility</p:attrName>
+                                        </p:attrNameLst>
+                                      </p:cBhvr>
+                                      <p:to>
+                                        <p:strVal val="visible"/>
+                                      </p:to>
+                                    </p:set>
+                                    <p:animEffect transition="in" filter="fade">
+                                      <p:cBhvr>
+                                        <p:cTn id="17" dur="500"/>
+                                        <p:tgtEl>
+                                          <p:spTgt spid="3">
+                                            <p:txEl>
+                                              <p:pRg st="2" end="2"/>
+                                            </p:txEl>
+                                          </p:spTgt>
+                                        </p:tgtEl>
+                                      </p:cBhvr>
+                                    </p:animEffect>
+                                  </p:childTnLst>
+                                </p:cTn>
+                              </p:par>
+                            </p:childTnLst>
+                          </p:cTn>
+                        </p:par>
+                      </p:childTnLst>
+                    </p:cTn>
+                  </p:par>
+                  <p:par>
+                    <p:cTn id="18" fill="hold">
+                      <p:stCondLst>
+                        <p:cond delay="indefinite"/>
+                      </p:stCondLst>
+                      <p:childTnLst>
+                        <p:par>
+                          <p:cTn id="19" fill="hold">
+                            <p:stCondLst>
+                              <p:cond delay="0"/>
+                            </p:stCondLst>
+                            <p:childTnLst>
+                              <p:par>
+                                <p:cTn id="20" presetID="10" presetClass="entr" presetSubtype="0" fill="hold" grpId="0" nodeType="clickEffect">
+                                  <p:stCondLst>
+                                    <p:cond delay="0"/>
+                                  </p:stCondLst>
+                                  <p:childTnLst>
+                                    <p:set>
+                                      <p:cBhvr>
+                                        <p:cTn id="21" dur="1" fill="hold">
+                                          <p:stCondLst>
+                                            <p:cond delay="0"/>
+                                          </p:stCondLst>
+                                        </p:cTn>
+                                        <p:tgtEl>
+                                          <p:spTgt spid="3">
+                                            <p:txEl>
+                                              <p:pRg st="3" end="3"/>
+                                            </p:txEl>
+                                          </p:spTgt>
+                                        </p:tgtEl>
+                                        <p:attrNameLst>
+                                          <p:attrName>style.visibility</p:attrName>
+                                        </p:attrNameLst>
+                                      </p:cBhvr>
+                                      <p:to>
+                                        <p:strVal val="visible"/>
+                                      </p:to>
+                                    </p:set>
+                                    <p:animEffect transition="in" filter="fade">
+                                      <p:cBhvr>
+                                        <p:cTn id="22" dur="500"/>
+                                        <p:tgtEl>
+                                          <p:spTgt spid="3">
+                                            <p:txEl>
+                                              <p:pRg st="3" end="3"/>
+                                            </p:txEl>
+                                          </p:spTgt>
+                                        </p:tgtEl>
+                                      </p:cBhvr>
+                                    </p:animEffect>
+                                  </p:childTnLst>
+                                </p:cTn>
+                              </p:par>
+                              <p:par>
+                                <p:cTn id="23" presetID="10" presetClass="entr" presetSubtype="0" fill="hold" grpId="0" nodeType="withEffect">
+                                  <p:stCondLst>
+                                    <p:cond delay="0"/>
+                                  </p:stCondLst>
+                                  <p:childTnLst>
+                                    <p:set>
+                                      <p:cBhvr>
+                                        <p:cTn id="24" dur="1" fill="hold">
+                                          <p:stCondLst>
+                                            <p:cond delay="0"/>
+                                          </p:stCondLst>
+                                        </p:cTn>
+                                        <p:tgtEl>
+                                          <p:spTgt spid="3">
+                                            <p:txEl>
+                                              <p:pRg st="4" end="4"/>
+                                            </p:txEl>
+                                          </p:spTgt>
+                                        </p:tgtEl>
+                                        <p:attrNameLst>
+                                          <p:attrName>style.visibility</p:attrName>
+                                        </p:attrNameLst>
+                                      </p:cBhvr>
+                                      <p:to>
+                                        <p:strVal val="visible"/>
+                                      </p:to>
+                                    </p:set>
+                                    <p:animEffect transition="in" filter="fade">
+                                      <p:cBhvr>
+                                        <p:cTn id="25" dur="500"/>
+                                        <p:tgtEl>
+                                          <p:spTgt spid="3">
+                                            <p:txEl>
+                                              <p:pRg st="4" end="4"/>
+                                            </p:txEl>
+                                          </p:spTgt>
+                                        </p:tgtEl>
+                                      </p:cBhvr>
+                                    </p:animEffect>
+                                  </p:childTnLst>
+                                </p:cTn>
+                              </p:par>
+                              <p:par>
+                                <p:cTn id="26" presetID="10" presetClass="entr" presetSubtype="0" fill="hold" grpId="0" nodeType="withEffect">
+                                  <p:stCondLst>
+                                    <p:cond delay="0"/>
+                                  </p:stCondLst>
+                                  <p:childTnLst>
+                                    <p:set>
+                                      <p:cBhvr>
+                                        <p:cTn id="27" dur="1" fill="hold">
+                                          <p:stCondLst>
+                                            <p:cond delay="0"/>
+                                          </p:stCondLst>
+                                        </p:cTn>
+                                        <p:tgtEl>
+                                          <p:spTgt spid="3">
+                                            <p:txEl>
+                                              <p:pRg st="5" end="5"/>
+                                            </p:txEl>
+                                          </p:spTgt>
+                                        </p:tgtEl>
+                                        <p:attrNameLst>
+                                          <p:attrName>style.visibility</p:attrName>
+                                        </p:attrNameLst>
+                                      </p:cBhvr>
+                                      <p:to>
+                                        <p:strVal val="visible"/>
+                                      </p:to>
+                                    </p:set>
+                                    <p:animEffect transition="in" filter="fade">
+                                      <p:cBhvr>
+                                        <p:cTn id="28" dur="500"/>
+                                        <p:tgtEl>
+                                          <p:spTgt spid="3">
+                                            <p:txEl>
+                                              <p:pRg st="5" end="5"/>
+                                            </p:txEl>
+                                          </p:spTgt>
+                                        </p:tgtEl>
+                                      </p:cBhvr>
+                                    </p:animEffect>
+                                  </p:childTnLst>
+                                </p:cTn>
+                              </p:par>
+                              <p:par>
+                                <p:cTn id="29" presetID="10" presetClass="entr" presetSubtype="0" fill="hold" grpId="0" nodeType="withEffect">
+                                  <p:stCondLst>
+                                    <p:cond delay="0"/>
+                                  </p:stCondLst>
+                                  <p:childTnLst>
+                                    <p:set>
+                                      <p:cBhvr>
+                                        <p:cTn id="30" dur="1" fill="hold">
+                                          <p:stCondLst>
+                                            <p:cond delay="0"/>
+                                          </p:stCondLst>
+                                        </p:cTn>
+                                        <p:tgtEl>
+                                          <p:spTgt spid="3">
+                                            <p:txEl>
+                                              <p:pRg st="6" end="6"/>
+                                            </p:txEl>
+                                          </p:spTgt>
+                                        </p:tgtEl>
+                                        <p:attrNameLst>
+                                          <p:attrName>style.visibility</p:attrName>
+                                        </p:attrNameLst>
+                                      </p:cBhvr>
+                                      <p:to>
+                                        <p:strVal val="visible"/>
+                                      </p:to>
+                                    </p:set>
+                                    <p:animEffect transition="in" filter="fade">
+                                      <p:cBhvr>
+                                        <p:cTn id="31" dur="500"/>
+                                        <p:tgtEl>
+                                          <p:spTgt spid="3">
+                                            <p:txEl>
+                                              <p:pRg st="6" end="6"/>
+                                            </p:txEl>
+                                          </p:spTgt>
+                                        </p:tgtEl>
+                                      </p:cBhvr>
+                                    </p:animEffect>
+                                  </p:childTnLst>
+                                </p:cTn>
+                              </p:par>
+                            </p:childTnLst>
+                          </p:cTn>
+                        </p:par>
+                      </p:childTnLst>
+                    </p:cTn>
+                  </p:par>
+                </p:childTnLst>
+              </p:cTn>
+              <p:prevCondLst>
+                <p:cond evt="onPrev" delay="0">
+                  <p:tgtEl>
+                    <p:sldTgt/>
+                  </p:tgtEl>
+                </p:cond>
+              </p:prevCondLst>
+              <p:nextCondLst>
+                <p:cond evt="onNext" delay="0">
+                  <p:tgtEl>
+                    <p:sldTgt/>
+                  </p:tgtEl>
+                </p:cond>
+              </p:nextCondLst>
+            </p:seq>
+          </p:childTnLst>
+        </p:cTn>
+      </p:par>
+    </p:tnLst>
+    <p:bldLst>
+      <p:bldP spid="3" grpId="0" build="p"/>
+    </p:bldLst>
+  </p:timing>
+</p:sld>
+</file>
+
+<file path=ppt/slides/slide23.xml><?xml version="1.0" encoding="utf-8"?>
+<p:sld xmlns:a="http://schemas.openxmlformats.org/drawingml/2006/main" xmlns:r="http://schemas.openxmlformats.org/officeDocument/2006/relationships" xmlns:p="http://schemas.openxmlformats.org/presentationml/2006/main">
+  <p:cSld>
+    <p:spTree>
+      <p:nvGrpSpPr>
+        <p:cNvPr id="1" name=""/>
+        <p:cNvGrpSpPr/>
+        <p:nvPr/>
+      </p:nvGrpSpPr>
+      <p:grpSpPr>
+        <a:xfrm>
+          <a:off x="0" y="0"/>
+          <a:ext cx="0" cy="0"/>
+          <a:chOff x="0" y="0"/>
+          <a:chExt cx="0" cy="0"/>
+        </a:xfrm>
+      </p:grpSpPr>
+      <p:sp>
+        <p:nvSpPr>
+          <p:cNvPr id="2" name="Title 1"/>
+          <p:cNvSpPr>
+            <a:spLocks noGrp="1"/>
+          </p:cNvSpPr>
+          <p:nvPr>
+            <p:ph type="title"/>
+          </p:nvPr>
+        </p:nvSpPr>
+        <p:spPr/>
+        <p:txBody>
+          <a:bodyPr/>
+          <a:lstStyle/>
+          <a:p>
+            <a:endParaRPr lang="en-US" dirty="0"/>
+          </a:p>
+        </p:txBody>
+      </p:sp>
+      <p:sp>
+        <p:nvSpPr>
+          <p:cNvPr id="3" name="Content Placeholder 2"/>
+          <p:cNvSpPr>
+            <a:spLocks noGrp="1"/>
+          </p:cNvSpPr>
+          <p:nvPr>
+            <p:ph idx="1"/>
+          </p:nvPr>
+        </p:nvSpPr>
+        <p:spPr/>
+        <p:txBody>
+          <a:bodyPr/>
+          <a:lstStyle/>
+          <a:p>
+            <a:r>
+              <a:rPr lang="en-US" dirty="0" smtClean="0"/>
+              <a:t>Questions?</a:t>
+            </a:r>
+            <a:endParaRPr lang="en-US" dirty="0"/>
+          </a:p>
+        </p:txBody>
+      </p:sp>
+      <p:pic>
+        <p:nvPicPr>
+          <p:cNvPr id="5" name="Picture 2" descr="http://7te.org/images/570x363/pc-gamer-wallpaper-desktop-image-3734.jpg"/>
+          <p:cNvPicPr>
+            <a:picLocks noChangeAspect="1" noChangeArrowheads="1"/>
+          </p:cNvPicPr>
+          <p:nvPr/>
+        </p:nvPicPr>
+        <p:blipFill>
+          <a:blip r:embed="rId2">
+            <a:extLst>
+              <a:ext uri="{28A0092B-C50C-407E-A947-70E740481C1C}">
+                <a14:useLocalDpi xmlns:a14="http://schemas.microsoft.com/office/drawing/2010/main" val="0"/>
+              </a:ext>
+            </a:extLst>
+          </a:blip>
+          <a:srcRect/>
+          <a:stretch>
+            <a:fillRect/>
+          </a:stretch>
+        </p:blipFill>
+        <p:spPr bwMode="auto">
+          <a:xfrm>
+            <a:off x="1857375" y="2581384"/>
+            <a:ext cx="5429250" cy="3457576"/>
+          </a:xfrm>
+          <a:prstGeom prst="rect">
+            <a:avLst/>
+          </a:prstGeom>
+          <a:noFill/>
+          <a:extLst>
+            <a:ext uri="{909E8E84-426E-40DD-AFC4-6F175D3DCCD1}">
+              <a14:hiddenFill xmlns:a14="http://schemas.microsoft.com/office/drawing/2010/main">
+                <a:solidFill>
+                  <a:srgbClr val="FFFFFF"/>
+                </a:solidFill>
+              </a14:hiddenFill>
+            </a:ext>
+          </a:extLst>
+        </p:spPr>
+      </p:pic>
+    </p:spTree>
+    <p:extLst>
+      <p:ext uri="{BB962C8B-B14F-4D97-AF65-F5344CB8AC3E}">
+        <p14:creationId xmlns:p14="http://schemas.microsoft.com/office/powerpoint/2010/main" val="4082319623"/>
+      </p:ext>
+    </p:extLst>
+  </p:cSld>
+  <p:clrMapOvr>
+    <a:masterClrMapping/>
+  </p:clrMapOvr>
+  <p:transition>
+    <p:fade/>
+  </p:transition>
   <p:timing>
     <p:tnLst>
       <p:par>
@@ -7247,6 +12836,9 @@
   <p:clrMapOvr>
     <a:masterClrMapping/>
   </p:clrMapOvr>
+  <p:transition>
+    <p:fade/>
+  </p:transition>
   <p:timing>
     <p:tnLst>
       <p:par>
@@ -7372,12 +12964,353 @@
   <p:clrMapOvr>
     <a:masterClrMapping/>
   </p:clrMapOvr>
+  <p:transition>
+    <p:fade/>
+  </p:transition>
   <p:timing>
     <p:tnLst>
       <p:par>
-        <p:cTn id="1" dur="indefinite" restart="never" nodeType="tmRoot"/>
+        <p:cTn id="1" dur="indefinite" restart="never" nodeType="tmRoot">
+          <p:childTnLst>
+            <p:seq concurrent="1" nextAc="seek">
+              <p:cTn id="2" dur="indefinite" nodeType="mainSeq">
+                <p:childTnLst>
+                  <p:par>
+                    <p:cTn id="3" fill="hold">
+                      <p:stCondLst>
+                        <p:cond delay="indefinite"/>
+                      </p:stCondLst>
+                      <p:childTnLst>
+                        <p:par>
+                          <p:cTn id="4" fill="hold">
+                            <p:stCondLst>
+                              <p:cond delay="0"/>
+                            </p:stCondLst>
+                            <p:childTnLst>
+                              <p:par>
+                                <p:cTn id="5" presetID="10" presetClass="entr" presetSubtype="0" fill="hold" grpId="0" nodeType="clickEffect">
+                                  <p:stCondLst>
+                                    <p:cond delay="0"/>
+                                  </p:stCondLst>
+                                  <p:childTnLst>
+                                    <p:set>
+                                      <p:cBhvr>
+                                        <p:cTn id="6" dur="1" fill="hold">
+                                          <p:stCondLst>
+                                            <p:cond delay="0"/>
+                                          </p:stCondLst>
+                                        </p:cTn>
+                                        <p:tgtEl>
+                                          <p:spTgt spid="3">
+                                            <p:txEl>
+                                              <p:pRg st="0" end="0"/>
+                                            </p:txEl>
+                                          </p:spTgt>
+                                        </p:tgtEl>
+                                        <p:attrNameLst>
+                                          <p:attrName>style.visibility</p:attrName>
+                                        </p:attrNameLst>
+                                      </p:cBhvr>
+                                      <p:to>
+                                        <p:strVal val="visible"/>
+                                      </p:to>
+                                    </p:set>
+                                    <p:animEffect transition="in" filter="fade">
+                                      <p:cBhvr>
+                                        <p:cTn id="7" dur="500"/>
+                                        <p:tgtEl>
+                                          <p:spTgt spid="3">
+                                            <p:txEl>
+                                              <p:pRg st="0" end="0"/>
+                                            </p:txEl>
+                                          </p:spTgt>
+                                        </p:tgtEl>
+                                      </p:cBhvr>
+                                    </p:animEffect>
+                                  </p:childTnLst>
+                                </p:cTn>
+                              </p:par>
+                              <p:par>
+                                <p:cTn id="8" presetID="10" presetClass="entr" presetSubtype="0" fill="hold" grpId="0" nodeType="withEffect">
+                                  <p:stCondLst>
+                                    <p:cond delay="0"/>
+                                  </p:stCondLst>
+                                  <p:childTnLst>
+                                    <p:set>
+                                      <p:cBhvr>
+                                        <p:cTn id="9" dur="1" fill="hold">
+                                          <p:stCondLst>
+                                            <p:cond delay="0"/>
+                                          </p:stCondLst>
+                                        </p:cTn>
+                                        <p:tgtEl>
+                                          <p:spTgt spid="3">
+                                            <p:txEl>
+                                              <p:pRg st="1" end="1"/>
+                                            </p:txEl>
+                                          </p:spTgt>
+                                        </p:tgtEl>
+                                        <p:attrNameLst>
+                                          <p:attrName>style.visibility</p:attrName>
+                                        </p:attrNameLst>
+                                      </p:cBhvr>
+                                      <p:to>
+                                        <p:strVal val="visible"/>
+                                      </p:to>
+                                    </p:set>
+                                    <p:animEffect transition="in" filter="fade">
+                                      <p:cBhvr>
+                                        <p:cTn id="10" dur="500"/>
+                                        <p:tgtEl>
+                                          <p:spTgt spid="3">
+                                            <p:txEl>
+                                              <p:pRg st="1" end="1"/>
+                                            </p:txEl>
+                                          </p:spTgt>
+                                        </p:tgtEl>
+                                      </p:cBhvr>
+                                    </p:animEffect>
+                                  </p:childTnLst>
+                                </p:cTn>
+                              </p:par>
+                            </p:childTnLst>
+                          </p:cTn>
+                        </p:par>
+                      </p:childTnLst>
+                    </p:cTn>
+                  </p:par>
+                  <p:par>
+                    <p:cTn id="11" fill="hold">
+                      <p:stCondLst>
+                        <p:cond delay="indefinite"/>
+                      </p:stCondLst>
+                      <p:childTnLst>
+                        <p:par>
+                          <p:cTn id="12" fill="hold">
+                            <p:stCondLst>
+                              <p:cond delay="0"/>
+                            </p:stCondLst>
+                            <p:childTnLst>
+                              <p:par>
+                                <p:cTn id="13" presetID="10" presetClass="entr" presetSubtype="0" fill="hold" grpId="0" nodeType="clickEffect">
+                                  <p:stCondLst>
+                                    <p:cond delay="0"/>
+                                  </p:stCondLst>
+                                  <p:childTnLst>
+                                    <p:set>
+                                      <p:cBhvr>
+                                        <p:cTn id="14" dur="1" fill="hold">
+                                          <p:stCondLst>
+                                            <p:cond delay="0"/>
+                                          </p:stCondLst>
+                                        </p:cTn>
+                                        <p:tgtEl>
+                                          <p:spTgt spid="3">
+                                            <p:txEl>
+                                              <p:pRg st="2" end="2"/>
+                                            </p:txEl>
+                                          </p:spTgt>
+                                        </p:tgtEl>
+                                        <p:attrNameLst>
+                                          <p:attrName>style.visibility</p:attrName>
+                                        </p:attrNameLst>
+                                      </p:cBhvr>
+                                      <p:to>
+                                        <p:strVal val="visible"/>
+                                      </p:to>
+                                    </p:set>
+                                    <p:animEffect transition="in" filter="fade">
+                                      <p:cBhvr>
+                                        <p:cTn id="15" dur="500"/>
+                                        <p:tgtEl>
+                                          <p:spTgt spid="3">
+                                            <p:txEl>
+                                              <p:pRg st="2" end="2"/>
+                                            </p:txEl>
+                                          </p:spTgt>
+                                        </p:tgtEl>
+                                      </p:cBhvr>
+                                    </p:animEffect>
+                                  </p:childTnLst>
+                                </p:cTn>
+                              </p:par>
+                              <p:par>
+                                <p:cTn id="16" presetID="10" presetClass="entr" presetSubtype="0" fill="hold" grpId="0" nodeType="withEffect">
+                                  <p:stCondLst>
+                                    <p:cond delay="0"/>
+                                  </p:stCondLst>
+                                  <p:childTnLst>
+                                    <p:set>
+                                      <p:cBhvr>
+                                        <p:cTn id="17" dur="1" fill="hold">
+                                          <p:stCondLst>
+                                            <p:cond delay="0"/>
+                                          </p:stCondLst>
+                                        </p:cTn>
+                                        <p:tgtEl>
+                                          <p:spTgt spid="3">
+                                            <p:txEl>
+                                              <p:pRg st="3" end="3"/>
+                                            </p:txEl>
+                                          </p:spTgt>
+                                        </p:tgtEl>
+                                        <p:attrNameLst>
+                                          <p:attrName>style.visibility</p:attrName>
+                                        </p:attrNameLst>
+                                      </p:cBhvr>
+                                      <p:to>
+                                        <p:strVal val="visible"/>
+                                      </p:to>
+                                    </p:set>
+                                    <p:animEffect transition="in" filter="fade">
+                                      <p:cBhvr>
+                                        <p:cTn id="18" dur="500"/>
+                                        <p:tgtEl>
+                                          <p:spTgt spid="3">
+                                            <p:txEl>
+                                              <p:pRg st="3" end="3"/>
+                                            </p:txEl>
+                                          </p:spTgt>
+                                        </p:tgtEl>
+                                      </p:cBhvr>
+                                    </p:animEffect>
+                                  </p:childTnLst>
+                                </p:cTn>
+                              </p:par>
+                            </p:childTnLst>
+                          </p:cTn>
+                        </p:par>
+                      </p:childTnLst>
+                    </p:cTn>
+                  </p:par>
+                  <p:par>
+                    <p:cTn id="19" fill="hold">
+                      <p:stCondLst>
+                        <p:cond delay="indefinite"/>
+                      </p:stCondLst>
+                      <p:childTnLst>
+                        <p:par>
+                          <p:cTn id="20" fill="hold">
+                            <p:stCondLst>
+                              <p:cond delay="0"/>
+                            </p:stCondLst>
+                            <p:childTnLst>
+                              <p:par>
+                                <p:cTn id="21" presetID="10" presetClass="entr" presetSubtype="0" fill="hold" grpId="0" nodeType="clickEffect">
+                                  <p:stCondLst>
+                                    <p:cond delay="0"/>
+                                  </p:stCondLst>
+                                  <p:childTnLst>
+                                    <p:set>
+                                      <p:cBhvr>
+                                        <p:cTn id="22" dur="1" fill="hold">
+                                          <p:stCondLst>
+                                            <p:cond delay="0"/>
+                                          </p:stCondLst>
+                                        </p:cTn>
+                                        <p:tgtEl>
+                                          <p:spTgt spid="3">
+                                            <p:txEl>
+                                              <p:pRg st="4" end="4"/>
+                                            </p:txEl>
+                                          </p:spTgt>
+                                        </p:tgtEl>
+                                        <p:attrNameLst>
+                                          <p:attrName>style.visibility</p:attrName>
+                                        </p:attrNameLst>
+                                      </p:cBhvr>
+                                      <p:to>
+                                        <p:strVal val="visible"/>
+                                      </p:to>
+                                    </p:set>
+                                    <p:animEffect transition="in" filter="fade">
+                                      <p:cBhvr>
+                                        <p:cTn id="23" dur="500"/>
+                                        <p:tgtEl>
+                                          <p:spTgt spid="3">
+                                            <p:txEl>
+                                              <p:pRg st="4" end="4"/>
+                                            </p:txEl>
+                                          </p:spTgt>
+                                        </p:tgtEl>
+                                      </p:cBhvr>
+                                    </p:animEffect>
+                                  </p:childTnLst>
+                                </p:cTn>
+                              </p:par>
+                              <p:par>
+                                <p:cTn id="24" presetID="10" presetClass="entr" presetSubtype="0" fill="hold" grpId="0" nodeType="withEffect">
+                                  <p:stCondLst>
+                                    <p:cond delay="0"/>
+                                  </p:stCondLst>
+                                  <p:childTnLst>
+                                    <p:set>
+                                      <p:cBhvr>
+                                        <p:cTn id="25" dur="1" fill="hold">
+                                          <p:stCondLst>
+                                            <p:cond delay="0"/>
+                                          </p:stCondLst>
+                                        </p:cTn>
+                                        <p:tgtEl>
+                                          <p:spTgt spid="3">
+                                            <p:txEl>
+                                              <p:pRg st="5" end="5"/>
+                                            </p:txEl>
+                                          </p:spTgt>
+                                        </p:tgtEl>
+                                        <p:attrNameLst>
+                                          <p:attrName>style.visibility</p:attrName>
+                                        </p:attrNameLst>
+                                      </p:cBhvr>
+                                      <p:to>
+                                        <p:strVal val="visible"/>
+                                      </p:to>
+                                    </p:set>
+                                    <p:animEffect transition="in" filter="fade">
+                                      <p:cBhvr>
+                                        <p:cTn id="26" dur="500"/>
+                                        <p:tgtEl>
+                                          <p:spTgt spid="3">
+                                            <p:txEl>
+                                              <p:pRg st="5" end="5"/>
+                                            </p:txEl>
+                                          </p:spTgt>
+                                        </p:tgtEl>
+                                      </p:cBhvr>
+                                    </p:animEffect>
+                                  </p:childTnLst>
+                                </p:cTn>
+                              </p:par>
+                            </p:childTnLst>
+                          </p:cTn>
+                        </p:par>
+                      </p:childTnLst>
+                    </p:cTn>
+                  </p:par>
+                </p:childTnLst>
+              </p:cTn>
+              <p:prevCondLst>
+                <p:cond evt="onPrev" delay="0">
+                  <p:tgtEl>
+                    <p:sldTgt/>
+                  </p:tgtEl>
+                </p:cond>
+              </p:prevCondLst>
+              <p:nextCondLst>
+                <p:cond evt="onNext" delay="0">
+                  <p:tgtEl>
+                    <p:sldTgt/>
+                  </p:tgtEl>
+                </p:cond>
+              </p:nextCondLst>
+            </p:seq>
+          </p:childTnLst>
+        </p:cTn>
       </p:par>
     </p:tnLst>
+    <p:bldLst>
+      <p:bldP spid="3" grpId="0" build="p"/>
+    </p:bldLst>
   </p:timing>
 </p:sld>
 </file>
@@ -7496,6 +13429,9 @@
   <p:clrMapOvr>
     <a:masterClrMapping/>
   </p:clrMapOvr>
+  <p:transition>
+    <p:fade/>
+  </p:transition>
   <p:timing>
     <p:tnLst>
       <p:par>
@@ -7668,12 +13604,543 @@
   <p:clrMapOvr>
     <a:masterClrMapping/>
   </p:clrMapOvr>
+  <p:transition>
+    <p:fade/>
+  </p:transition>
   <p:timing>
     <p:tnLst>
       <p:par>
-        <p:cTn id="1" dur="indefinite" restart="never" nodeType="tmRoot"/>
+        <p:cTn id="1" dur="indefinite" restart="never" nodeType="tmRoot">
+          <p:childTnLst>
+            <p:seq concurrent="1" nextAc="seek">
+              <p:cTn id="2" dur="indefinite" nodeType="mainSeq">
+                <p:childTnLst>
+                  <p:par>
+                    <p:cTn id="3" fill="hold">
+                      <p:stCondLst>
+                        <p:cond delay="indefinite"/>
+                      </p:stCondLst>
+                      <p:childTnLst>
+                        <p:par>
+                          <p:cTn id="4" fill="hold">
+                            <p:stCondLst>
+                              <p:cond delay="0"/>
+                            </p:stCondLst>
+                            <p:childTnLst>
+                              <p:par>
+                                <p:cTn id="5" presetID="10" presetClass="entr" presetSubtype="0" fill="hold" grpId="0" nodeType="clickEffect">
+                                  <p:stCondLst>
+                                    <p:cond delay="0"/>
+                                  </p:stCondLst>
+                                  <p:childTnLst>
+                                    <p:set>
+                                      <p:cBhvr>
+                                        <p:cTn id="6" dur="1" fill="hold">
+                                          <p:stCondLst>
+                                            <p:cond delay="0"/>
+                                          </p:stCondLst>
+                                        </p:cTn>
+                                        <p:tgtEl>
+                                          <p:spTgt spid="3">
+                                            <p:txEl>
+                                              <p:pRg st="0" end="0"/>
+                                            </p:txEl>
+                                          </p:spTgt>
+                                        </p:tgtEl>
+                                        <p:attrNameLst>
+                                          <p:attrName>style.visibility</p:attrName>
+                                        </p:attrNameLst>
+                                      </p:cBhvr>
+                                      <p:to>
+                                        <p:strVal val="visible"/>
+                                      </p:to>
+                                    </p:set>
+                                    <p:animEffect transition="in" filter="fade">
+                                      <p:cBhvr>
+                                        <p:cTn id="7" dur="500"/>
+                                        <p:tgtEl>
+                                          <p:spTgt spid="3">
+                                            <p:txEl>
+                                              <p:pRg st="0" end="0"/>
+                                            </p:txEl>
+                                          </p:spTgt>
+                                        </p:tgtEl>
+                                      </p:cBhvr>
+                                    </p:animEffect>
+                                  </p:childTnLst>
+                                </p:cTn>
+                              </p:par>
+                            </p:childTnLst>
+                          </p:cTn>
+                        </p:par>
+                      </p:childTnLst>
+                    </p:cTn>
+                  </p:par>
+                  <p:par>
+                    <p:cTn id="8" fill="hold">
+                      <p:stCondLst>
+                        <p:cond delay="indefinite"/>
+                      </p:stCondLst>
+                      <p:childTnLst>
+                        <p:par>
+                          <p:cTn id="9" fill="hold">
+                            <p:stCondLst>
+                              <p:cond delay="0"/>
+                            </p:stCondLst>
+                            <p:childTnLst>
+                              <p:par>
+                                <p:cTn id="10" presetID="10" presetClass="entr" presetSubtype="0" fill="hold" grpId="0" nodeType="clickEffect">
+                                  <p:stCondLst>
+                                    <p:cond delay="0"/>
+                                  </p:stCondLst>
+                                  <p:childTnLst>
+                                    <p:set>
+                                      <p:cBhvr>
+                                        <p:cTn id="11" dur="1" fill="hold">
+                                          <p:stCondLst>
+                                            <p:cond delay="0"/>
+                                          </p:stCondLst>
+                                        </p:cTn>
+                                        <p:tgtEl>
+                                          <p:spTgt spid="3">
+                                            <p:txEl>
+                                              <p:pRg st="1" end="1"/>
+                                            </p:txEl>
+                                          </p:spTgt>
+                                        </p:tgtEl>
+                                        <p:attrNameLst>
+                                          <p:attrName>style.visibility</p:attrName>
+                                        </p:attrNameLst>
+                                      </p:cBhvr>
+                                      <p:to>
+                                        <p:strVal val="visible"/>
+                                      </p:to>
+                                    </p:set>
+                                    <p:animEffect transition="in" filter="fade">
+                                      <p:cBhvr>
+                                        <p:cTn id="12" dur="500"/>
+                                        <p:tgtEl>
+                                          <p:spTgt spid="3">
+                                            <p:txEl>
+                                              <p:pRg st="1" end="1"/>
+                                            </p:txEl>
+                                          </p:spTgt>
+                                        </p:tgtEl>
+                                      </p:cBhvr>
+                                    </p:animEffect>
+                                  </p:childTnLst>
+                                </p:cTn>
+                              </p:par>
+                              <p:par>
+                                <p:cTn id="13" presetID="10" presetClass="entr" presetSubtype="0" fill="hold" grpId="0" nodeType="withEffect">
+                                  <p:stCondLst>
+                                    <p:cond delay="0"/>
+                                  </p:stCondLst>
+                                  <p:childTnLst>
+                                    <p:set>
+                                      <p:cBhvr>
+                                        <p:cTn id="14" dur="1" fill="hold">
+                                          <p:stCondLst>
+                                            <p:cond delay="0"/>
+                                          </p:stCondLst>
+                                        </p:cTn>
+                                        <p:tgtEl>
+                                          <p:spTgt spid="3">
+                                            <p:txEl>
+                                              <p:pRg st="2" end="2"/>
+                                            </p:txEl>
+                                          </p:spTgt>
+                                        </p:tgtEl>
+                                        <p:attrNameLst>
+                                          <p:attrName>style.visibility</p:attrName>
+                                        </p:attrNameLst>
+                                      </p:cBhvr>
+                                      <p:to>
+                                        <p:strVal val="visible"/>
+                                      </p:to>
+                                    </p:set>
+                                    <p:animEffect transition="in" filter="fade">
+                                      <p:cBhvr>
+                                        <p:cTn id="15" dur="500"/>
+                                        <p:tgtEl>
+                                          <p:spTgt spid="3">
+                                            <p:txEl>
+                                              <p:pRg st="2" end="2"/>
+                                            </p:txEl>
+                                          </p:spTgt>
+                                        </p:tgtEl>
+                                      </p:cBhvr>
+                                    </p:animEffect>
+                                  </p:childTnLst>
+                                </p:cTn>
+                              </p:par>
+                              <p:par>
+                                <p:cTn id="16" presetID="10" presetClass="entr" presetSubtype="0" fill="hold" grpId="0" nodeType="withEffect">
+                                  <p:stCondLst>
+                                    <p:cond delay="0"/>
+                                  </p:stCondLst>
+                                  <p:childTnLst>
+                                    <p:set>
+                                      <p:cBhvr>
+                                        <p:cTn id="17" dur="1" fill="hold">
+                                          <p:stCondLst>
+                                            <p:cond delay="0"/>
+                                          </p:stCondLst>
+                                        </p:cTn>
+                                        <p:tgtEl>
+                                          <p:spTgt spid="3">
+                                            <p:txEl>
+                                              <p:pRg st="3" end="3"/>
+                                            </p:txEl>
+                                          </p:spTgt>
+                                        </p:tgtEl>
+                                        <p:attrNameLst>
+                                          <p:attrName>style.visibility</p:attrName>
+                                        </p:attrNameLst>
+                                      </p:cBhvr>
+                                      <p:to>
+                                        <p:strVal val="visible"/>
+                                      </p:to>
+                                    </p:set>
+                                    <p:animEffect transition="in" filter="fade">
+                                      <p:cBhvr>
+                                        <p:cTn id="18" dur="500"/>
+                                        <p:tgtEl>
+                                          <p:spTgt spid="3">
+                                            <p:txEl>
+                                              <p:pRg st="3" end="3"/>
+                                            </p:txEl>
+                                          </p:spTgt>
+                                        </p:tgtEl>
+                                      </p:cBhvr>
+                                    </p:animEffect>
+                                  </p:childTnLst>
+                                </p:cTn>
+                              </p:par>
+                              <p:par>
+                                <p:cTn id="19" presetID="10" presetClass="entr" presetSubtype="0" fill="hold" grpId="0" nodeType="withEffect">
+                                  <p:stCondLst>
+                                    <p:cond delay="0"/>
+                                  </p:stCondLst>
+                                  <p:childTnLst>
+                                    <p:set>
+                                      <p:cBhvr>
+                                        <p:cTn id="20" dur="1" fill="hold">
+                                          <p:stCondLst>
+                                            <p:cond delay="0"/>
+                                          </p:stCondLst>
+                                        </p:cTn>
+                                        <p:tgtEl>
+                                          <p:spTgt spid="3">
+                                            <p:txEl>
+                                              <p:pRg st="4" end="4"/>
+                                            </p:txEl>
+                                          </p:spTgt>
+                                        </p:tgtEl>
+                                        <p:attrNameLst>
+                                          <p:attrName>style.visibility</p:attrName>
+                                        </p:attrNameLst>
+                                      </p:cBhvr>
+                                      <p:to>
+                                        <p:strVal val="visible"/>
+                                      </p:to>
+                                    </p:set>
+                                    <p:animEffect transition="in" filter="fade">
+                                      <p:cBhvr>
+                                        <p:cTn id="21" dur="500"/>
+                                        <p:tgtEl>
+                                          <p:spTgt spid="3">
+                                            <p:txEl>
+                                              <p:pRg st="4" end="4"/>
+                                            </p:txEl>
+                                          </p:spTgt>
+                                        </p:tgtEl>
+                                      </p:cBhvr>
+                                    </p:animEffect>
+                                  </p:childTnLst>
+                                </p:cTn>
+                              </p:par>
+                            </p:childTnLst>
+                          </p:cTn>
+                        </p:par>
+                      </p:childTnLst>
+                    </p:cTn>
+                  </p:par>
+                  <p:par>
+                    <p:cTn id="22" fill="hold">
+                      <p:stCondLst>
+                        <p:cond delay="indefinite"/>
+                      </p:stCondLst>
+                      <p:childTnLst>
+                        <p:par>
+                          <p:cTn id="23" fill="hold">
+                            <p:stCondLst>
+                              <p:cond delay="0"/>
+                            </p:stCondLst>
+                            <p:childTnLst>
+                              <p:par>
+                                <p:cTn id="24" presetID="10" presetClass="entr" presetSubtype="0" fill="hold" grpId="0" nodeType="clickEffect">
+                                  <p:stCondLst>
+                                    <p:cond delay="0"/>
+                                  </p:stCondLst>
+                                  <p:childTnLst>
+                                    <p:set>
+                                      <p:cBhvr>
+                                        <p:cTn id="25" dur="1" fill="hold">
+                                          <p:stCondLst>
+                                            <p:cond delay="0"/>
+                                          </p:stCondLst>
+                                        </p:cTn>
+                                        <p:tgtEl>
+                                          <p:spTgt spid="3">
+                                            <p:txEl>
+                                              <p:pRg st="5" end="5"/>
+                                            </p:txEl>
+                                          </p:spTgt>
+                                        </p:tgtEl>
+                                        <p:attrNameLst>
+                                          <p:attrName>style.visibility</p:attrName>
+                                        </p:attrNameLst>
+                                      </p:cBhvr>
+                                      <p:to>
+                                        <p:strVal val="visible"/>
+                                      </p:to>
+                                    </p:set>
+                                    <p:animEffect transition="in" filter="fade">
+                                      <p:cBhvr>
+                                        <p:cTn id="26" dur="500"/>
+                                        <p:tgtEl>
+                                          <p:spTgt spid="3">
+                                            <p:txEl>
+                                              <p:pRg st="5" end="5"/>
+                                            </p:txEl>
+                                          </p:spTgt>
+                                        </p:tgtEl>
+                                      </p:cBhvr>
+                                    </p:animEffect>
+                                  </p:childTnLst>
+                                </p:cTn>
+                              </p:par>
+                              <p:par>
+                                <p:cTn id="27" presetID="10" presetClass="entr" presetSubtype="0" fill="hold" grpId="0" nodeType="withEffect">
+                                  <p:stCondLst>
+                                    <p:cond delay="0"/>
+                                  </p:stCondLst>
+                                  <p:childTnLst>
+                                    <p:set>
+                                      <p:cBhvr>
+                                        <p:cTn id="28" dur="1" fill="hold">
+                                          <p:stCondLst>
+                                            <p:cond delay="0"/>
+                                          </p:stCondLst>
+                                        </p:cTn>
+                                        <p:tgtEl>
+                                          <p:spTgt spid="3">
+                                            <p:txEl>
+                                              <p:pRg st="6" end="6"/>
+                                            </p:txEl>
+                                          </p:spTgt>
+                                        </p:tgtEl>
+                                        <p:attrNameLst>
+                                          <p:attrName>style.visibility</p:attrName>
+                                        </p:attrNameLst>
+                                      </p:cBhvr>
+                                      <p:to>
+                                        <p:strVal val="visible"/>
+                                      </p:to>
+                                    </p:set>
+                                    <p:animEffect transition="in" filter="fade">
+                                      <p:cBhvr>
+                                        <p:cTn id="29" dur="500"/>
+                                        <p:tgtEl>
+                                          <p:spTgt spid="3">
+                                            <p:txEl>
+                                              <p:pRg st="6" end="6"/>
+                                            </p:txEl>
+                                          </p:spTgt>
+                                        </p:tgtEl>
+                                      </p:cBhvr>
+                                    </p:animEffect>
+                                  </p:childTnLst>
+                                </p:cTn>
+                              </p:par>
+                              <p:par>
+                                <p:cTn id="30" presetID="10" presetClass="entr" presetSubtype="0" fill="hold" grpId="0" nodeType="withEffect">
+                                  <p:stCondLst>
+                                    <p:cond delay="0"/>
+                                  </p:stCondLst>
+                                  <p:childTnLst>
+                                    <p:set>
+                                      <p:cBhvr>
+                                        <p:cTn id="31" dur="1" fill="hold">
+                                          <p:stCondLst>
+                                            <p:cond delay="0"/>
+                                          </p:stCondLst>
+                                        </p:cTn>
+                                        <p:tgtEl>
+                                          <p:spTgt spid="3">
+                                            <p:txEl>
+                                              <p:pRg st="7" end="7"/>
+                                            </p:txEl>
+                                          </p:spTgt>
+                                        </p:tgtEl>
+                                        <p:attrNameLst>
+                                          <p:attrName>style.visibility</p:attrName>
+                                        </p:attrNameLst>
+                                      </p:cBhvr>
+                                      <p:to>
+                                        <p:strVal val="visible"/>
+                                      </p:to>
+                                    </p:set>
+                                    <p:animEffect transition="in" filter="fade">
+                                      <p:cBhvr>
+                                        <p:cTn id="32" dur="500"/>
+                                        <p:tgtEl>
+                                          <p:spTgt spid="3">
+                                            <p:txEl>
+                                              <p:pRg st="7" end="7"/>
+                                            </p:txEl>
+                                          </p:spTgt>
+                                        </p:tgtEl>
+                                      </p:cBhvr>
+                                    </p:animEffect>
+                                  </p:childTnLst>
+                                </p:cTn>
+                              </p:par>
+                              <p:par>
+                                <p:cTn id="33" presetID="10" presetClass="entr" presetSubtype="0" fill="hold" grpId="0" nodeType="withEffect">
+                                  <p:stCondLst>
+                                    <p:cond delay="0"/>
+                                  </p:stCondLst>
+                                  <p:childTnLst>
+                                    <p:set>
+                                      <p:cBhvr>
+                                        <p:cTn id="34" dur="1" fill="hold">
+                                          <p:stCondLst>
+                                            <p:cond delay="0"/>
+                                          </p:stCondLst>
+                                        </p:cTn>
+                                        <p:tgtEl>
+                                          <p:spTgt spid="3">
+                                            <p:txEl>
+                                              <p:pRg st="8" end="8"/>
+                                            </p:txEl>
+                                          </p:spTgt>
+                                        </p:tgtEl>
+                                        <p:attrNameLst>
+                                          <p:attrName>style.visibility</p:attrName>
+                                        </p:attrNameLst>
+                                      </p:cBhvr>
+                                      <p:to>
+                                        <p:strVal val="visible"/>
+                                      </p:to>
+                                    </p:set>
+                                    <p:animEffect transition="in" filter="fade">
+                                      <p:cBhvr>
+                                        <p:cTn id="35" dur="500"/>
+                                        <p:tgtEl>
+                                          <p:spTgt spid="3">
+                                            <p:txEl>
+                                              <p:pRg st="8" end="8"/>
+                                            </p:txEl>
+                                          </p:spTgt>
+                                        </p:tgtEl>
+                                      </p:cBhvr>
+                                    </p:animEffect>
+                                  </p:childTnLst>
+                                </p:cTn>
+                              </p:par>
+                            </p:childTnLst>
+                          </p:cTn>
+                        </p:par>
+                      </p:childTnLst>
+                    </p:cTn>
+                  </p:par>
+                  <p:par>
+                    <p:cTn id="36" fill="hold">
+                      <p:stCondLst>
+                        <p:cond delay="indefinite"/>
+                      </p:stCondLst>
+                      <p:childTnLst>
+                        <p:par>
+                          <p:cTn id="37" fill="hold">
+                            <p:stCondLst>
+                              <p:cond delay="0"/>
+                            </p:stCondLst>
+                            <p:childTnLst>
+                              <p:par>
+                                <p:cTn id="38" presetID="10" presetClass="entr" presetSubtype="0" fill="hold" grpId="0" nodeType="clickEffect">
+                                  <p:stCondLst>
+                                    <p:cond delay="0"/>
+                                  </p:stCondLst>
+                                  <p:childTnLst>
+                                    <p:set>
+                                      <p:cBhvr>
+                                        <p:cTn id="39" dur="1" fill="hold">
+                                          <p:stCondLst>
+                                            <p:cond delay="0"/>
+                                          </p:stCondLst>
+                                        </p:cTn>
+                                        <p:tgtEl>
+                                          <p:spTgt spid="3">
+                                            <p:txEl>
+                                              <p:pRg st="9" end="9"/>
+                                            </p:txEl>
+                                          </p:spTgt>
+                                        </p:tgtEl>
+                                        <p:attrNameLst>
+                                          <p:attrName>style.visibility</p:attrName>
+                                        </p:attrNameLst>
+                                      </p:cBhvr>
+                                      <p:to>
+                                        <p:strVal val="visible"/>
+                                      </p:to>
+                                    </p:set>
+                                    <p:animEffect transition="in" filter="fade">
+                                      <p:cBhvr>
+                                        <p:cTn id="40" dur="500"/>
+                                        <p:tgtEl>
+                                          <p:spTgt spid="3">
+                                            <p:txEl>
+                                              <p:pRg st="9" end="9"/>
+                                            </p:txEl>
+                                          </p:spTgt>
+                                        </p:tgtEl>
+                                      </p:cBhvr>
+                                    </p:animEffect>
+                                  </p:childTnLst>
+                                </p:cTn>
+                              </p:par>
+                            </p:childTnLst>
+                          </p:cTn>
+                        </p:par>
+                      </p:childTnLst>
+                    </p:cTn>
+                  </p:par>
+                </p:childTnLst>
+              </p:cTn>
+              <p:prevCondLst>
+                <p:cond evt="onPrev" delay="0">
+                  <p:tgtEl>
+                    <p:sldTgt/>
+                  </p:tgtEl>
+                </p:cond>
+              </p:prevCondLst>
+              <p:nextCondLst>
+                <p:cond evt="onNext" delay="0">
+                  <p:tgtEl>
+                    <p:sldTgt/>
+                  </p:tgtEl>
+                </p:cond>
+              </p:nextCondLst>
+            </p:seq>
+          </p:childTnLst>
+        </p:cTn>
       </p:par>
     </p:tnLst>
+    <p:bldLst>
+      <p:bldP spid="3" grpId="0" build="p"/>
+    </p:bldLst>
   </p:timing>
 </p:sld>
 </file>
@@ -7865,12 +14332,224 @@
   <p:clrMapOvr>
     <a:masterClrMapping/>
   </p:clrMapOvr>
+  <p:transition>
+    <p:fade/>
+  </p:transition>
   <p:timing>
     <p:tnLst>
       <p:par>
-        <p:cTn id="1" dur="indefinite" restart="never" nodeType="tmRoot"/>
+        <p:cTn id="1" dur="indefinite" restart="never" nodeType="tmRoot">
+          <p:childTnLst>
+            <p:seq concurrent="1" nextAc="seek">
+              <p:cTn id="2" dur="indefinite" nodeType="mainSeq">
+                <p:childTnLst>
+                  <p:par>
+                    <p:cTn id="3" fill="hold">
+                      <p:stCondLst>
+                        <p:cond delay="indefinite"/>
+                      </p:stCondLst>
+                      <p:childTnLst>
+                        <p:par>
+                          <p:cTn id="4" fill="hold">
+                            <p:stCondLst>
+                              <p:cond delay="0"/>
+                            </p:stCondLst>
+                            <p:childTnLst>
+                              <p:par>
+                                <p:cTn id="5" presetID="10" presetClass="entr" presetSubtype="0" fill="hold" grpId="0" nodeType="clickEffect">
+                                  <p:stCondLst>
+                                    <p:cond delay="0"/>
+                                  </p:stCondLst>
+                                  <p:childTnLst>
+                                    <p:set>
+                                      <p:cBhvr>
+                                        <p:cTn id="6" dur="1" fill="hold">
+                                          <p:stCondLst>
+                                            <p:cond delay="0"/>
+                                          </p:stCondLst>
+                                        </p:cTn>
+                                        <p:tgtEl>
+                                          <p:spTgt spid="3">
+                                            <p:txEl>
+                                              <p:pRg st="0" end="0"/>
+                                            </p:txEl>
+                                          </p:spTgt>
+                                        </p:tgtEl>
+                                        <p:attrNameLst>
+                                          <p:attrName>style.visibility</p:attrName>
+                                        </p:attrNameLst>
+                                      </p:cBhvr>
+                                      <p:to>
+                                        <p:strVal val="visible"/>
+                                      </p:to>
+                                    </p:set>
+                                    <p:animEffect transition="in" filter="fade">
+                                      <p:cBhvr>
+                                        <p:cTn id="7" dur="500"/>
+                                        <p:tgtEl>
+                                          <p:spTgt spid="3">
+                                            <p:txEl>
+                                              <p:pRg st="0" end="0"/>
+                                            </p:txEl>
+                                          </p:spTgt>
+                                        </p:tgtEl>
+                                      </p:cBhvr>
+                                    </p:animEffect>
+                                  </p:childTnLst>
+                                </p:cTn>
+                              </p:par>
+                            </p:childTnLst>
+                          </p:cTn>
+                        </p:par>
+                      </p:childTnLst>
+                    </p:cTn>
+                  </p:par>
+                  <p:par>
+                    <p:cTn id="8" fill="hold">
+                      <p:stCondLst>
+                        <p:cond delay="indefinite"/>
+                      </p:stCondLst>
+                      <p:childTnLst>
+                        <p:par>
+                          <p:cTn id="9" fill="hold">
+                            <p:stCondLst>
+                              <p:cond delay="0"/>
+                            </p:stCondLst>
+                            <p:childTnLst>
+                              <p:par>
+                                <p:cTn id="10" presetID="10" presetClass="entr" presetSubtype="0" fill="hold" grpId="0" nodeType="clickEffect">
+                                  <p:stCondLst>
+                                    <p:cond delay="0"/>
+                                  </p:stCondLst>
+                                  <p:childTnLst>
+                                    <p:set>
+                                      <p:cBhvr>
+                                        <p:cTn id="11" dur="1" fill="hold">
+                                          <p:stCondLst>
+                                            <p:cond delay="0"/>
+                                          </p:stCondLst>
+                                        </p:cTn>
+                                        <p:tgtEl>
+                                          <p:spTgt spid="3">
+                                            <p:txEl>
+                                              <p:pRg st="2" end="2"/>
+                                            </p:txEl>
+                                          </p:spTgt>
+                                        </p:tgtEl>
+                                        <p:attrNameLst>
+                                          <p:attrName>style.visibility</p:attrName>
+                                        </p:attrNameLst>
+                                      </p:cBhvr>
+                                      <p:to>
+                                        <p:strVal val="visible"/>
+                                      </p:to>
+                                    </p:set>
+                                    <p:animEffect transition="in" filter="fade">
+                                      <p:cBhvr>
+                                        <p:cTn id="12" dur="500"/>
+                                        <p:tgtEl>
+                                          <p:spTgt spid="3">
+                                            <p:txEl>
+                                              <p:pRg st="2" end="2"/>
+                                            </p:txEl>
+                                          </p:spTgt>
+                                        </p:tgtEl>
+                                      </p:cBhvr>
+                                    </p:animEffect>
+                                  </p:childTnLst>
+                                </p:cTn>
+                              </p:par>
+                            </p:childTnLst>
+                          </p:cTn>
+                        </p:par>
+                      </p:childTnLst>
+                    </p:cTn>
+                  </p:par>
+                  <p:par>
+                    <p:cTn id="13" fill="hold">
+                      <p:stCondLst>
+                        <p:cond delay="indefinite"/>
+                      </p:stCondLst>
+                      <p:childTnLst>
+                        <p:par>
+                          <p:cTn id="14" fill="hold">
+                            <p:stCondLst>
+                              <p:cond delay="0"/>
+                            </p:stCondLst>
+                            <p:childTnLst>
+                              <p:par>
+                                <p:cTn id="15" presetID="10" presetClass="entr" presetSubtype="0" fill="hold" grpId="0" nodeType="clickEffect">
+                                  <p:stCondLst>
+                                    <p:cond delay="0"/>
+                                  </p:stCondLst>
+                                  <p:childTnLst>
+                                    <p:set>
+                                      <p:cBhvr>
+                                        <p:cTn id="16" dur="1" fill="hold">
+                                          <p:stCondLst>
+                                            <p:cond delay="0"/>
+                                          </p:stCondLst>
+                                        </p:cTn>
+                                        <p:tgtEl>
+                                          <p:spTgt spid="3">
+                                            <p:txEl>
+                                              <p:pRg st="4" end="4"/>
+                                            </p:txEl>
+                                          </p:spTgt>
+                                        </p:tgtEl>
+                                        <p:attrNameLst>
+                                          <p:attrName>style.visibility</p:attrName>
+                                        </p:attrNameLst>
+                                      </p:cBhvr>
+                                      <p:to>
+                                        <p:strVal val="visible"/>
+                                      </p:to>
+                                    </p:set>
+                                    <p:animEffect transition="in" filter="fade">
+                                      <p:cBhvr>
+                                        <p:cTn id="17" dur="500"/>
+                                        <p:tgtEl>
+                                          <p:spTgt spid="3">
+                                            <p:txEl>
+                                              <p:pRg st="4" end="4"/>
+                                            </p:txEl>
+                                          </p:spTgt>
+                                        </p:tgtEl>
+                                      </p:cBhvr>
+                                    </p:animEffect>
+                                  </p:childTnLst>
+                                </p:cTn>
+                              </p:par>
+                            </p:childTnLst>
+                          </p:cTn>
+                        </p:par>
+                      </p:childTnLst>
+                    </p:cTn>
+                  </p:par>
+                </p:childTnLst>
+              </p:cTn>
+              <p:prevCondLst>
+                <p:cond evt="onPrev" delay="0">
+                  <p:tgtEl>
+                    <p:sldTgt/>
+                  </p:tgtEl>
+                </p:cond>
+              </p:prevCondLst>
+              <p:nextCondLst>
+                <p:cond evt="onNext" delay="0">
+                  <p:tgtEl>
+                    <p:sldTgt/>
+                  </p:tgtEl>
+                </p:cond>
+              </p:nextCondLst>
+            </p:seq>
+          </p:childTnLst>
+        </p:cTn>
       </p:par>
     </p:tnLst>
+    <p:bldLst>
+      <p:bldP spid="3" grpId="0" build="p"/>
+    </p:bldLst>
   </p:timing>
 </p:sld>
 </file>
@@ -7968,6 +14647,9 @@
   <p:clrMapOvr>
     <a:masterClrMapping/>
   </p:clrMapOvr>
+  <p:transition>
+    <p:fade/>
+  </p:transition>
   <p:timing>
     <p:tnLst>
       <p:par>
@@ -8086,6 +14768,9 @@
   <p:clrMapOvr>
     <a:masterClrMapping/>
   </p:clrMapOvr>
+  <p:transition>
+    <p:fade/>
+  </p:transition>
   <p:timing>
     <p:tnLst>
       <p:par>

--- a/null-meet-pune-dec-2016-Ransomware-3E.pptx
+++ b/null-meet-pune-dec-2016-Ransomware-3E.pptx
@@ -936,11 +936,7 @@
             </a:r>
             <a:r>
               <a:rPr lang="en-US" baseline="0" dirty="0" smtClean="0"/>
-              <a:t>e </a:t>
-            </a:r>
-            <a:r>
-              <a:rPr lang="en-US" baseline="0" dirty="0" smtClean="0"/>
-              <a:t>variants have evolved. </a:t>
+              <a:t>e variants have evolved. </a:t>
             </a:r>
           </a:p>
           <a:p>
@@ -1828,14 +1824,14 @@
               <a:defRPr/>
             </a:pPr>
             <a:r>
-              <a:rPr lang="en-US" dirty="0" smtClean="0"/>
+              <a:rPr lang="en-US" sz="1000" dirty="0" smtClean="0"/>
               <a:t>Almost</a:t>
             </a:r>
             <a:r>
-              <a:rPr lang="en-US" baseline="0" dirty="0" smtClean="0"/>
+              <a:rPr lang="en-US" sz="1000" baseline="0" dirty="0" smtClean="0"/>
               <a:t> all AV vendors have some ransomware recovery.</a:t>
             </a:r>
-            <a:endParaRPr lang="en-US" dirty="0" smtClean="0"/>
+            <a:endParaRPr lang="en-US" sz="1000" dirty="0" smtClean="0"/>
           </a:p>
           <a:p>
             <a:pPr marL="0" marR="0" lvl="0" indent="0" algn="l" defTabSz="914400" rtl="0" eaLnBrk="1" fontAlgn="auto" latinLnBrk="0" hangingPunct="1">
@@ -1856,51 +1852,51 @@
               <a:defRPr/>
             </a:pPr>
             <a:r>
-              <a:rPr lang="en-US" baseline="0" dirty="0" smtClean="0"/>
+              <a:rPr lang="en-US" sz="1000" baseline="0" dirty="0" smtClean="0"/>
               <a:t>Not all versions are </a:t>
             </a:r>
             <a:r>
-              <a:rPr lang="en-US" baseline="0" dirty="0" err="1" smtClean="0"/>
+              <a:rPr lang="en-US" sz="1000" baseline="0" dirty="0" err="1" smtClean="0"/>
               <a:t>decryptable</a:t>
             </a:r>
             <a:r>
-              <a:rPr lang="en-US" baseline="0" dirty="0" smtClean="0"/>
+              <a:rPr lang="en-US" sz="1000" baseline="0" dirty="0" smtClean="0"/>
               <a:t>.</a:t>
             </a:r>
-            <a:endParaRPr lang="en-US" dirty="0" smtClean="0"/>
-          </a:p>
-          <a:p>
-            <a:r>
-              <a:rPr lang="en-US" dirty="0" err="1" smtClean="0"/>
+            <a:endParaRPr lang="en-US" sz="1000" dirty="0" smtClean="0"/>
+          </a:p>
+          <a:p>
+            <a:r>
+              <a:rPr lang="en-US" sz="1000" dirty="0" err="1" smtClean="0"/>
               <a:t>NoMoreRansom</a:t>
             </a:r>
             <a:r>
-              <a:rPr lang="en-US" dirty="0" smtClean="0"/>
+              <a:rPr lang="en-US" sz="1000" dirty="0" smtClean="0"/>
               <a:t>:</a:t>
             </a:r>
             <a:r>
-              <a:rPr lang="en-US" baseline="0" dirty="0" smtClean="0"/>
+              <a:rPr lang="en-US" sz="1000" baseline="0" dirty="0" smtClean="0"/>
               <a:t> Kaspersky, Intel, Law Enforcement </a:t>
             </a:r>
           </a:p>
           <a:p>
             <a:r>
-              <a:rPr lang="en-US" baseline="0" dirty="0" smtClean="0"/>
+              <a:rPr lang="en-US" sz="1000" baseline="0" dirty="0" smtClean="0"/>
               <a:t>Recover Tools: </a:t>
             </a:r>
             <a:r>
-              <a:rPr lang="en-US" baseline="0" dirty="0" err="1" smtClean="0"/>
+              <a:rPr lang="en-US" sz="1000" baseline="0" dirty="0" err="1" smtClean="0"/>
               <a:t>TestDisk</a:t>
             </a:r>
             <a:r>
-              <a:rPr lang="en-US" baseline="0" dirty="0" smtClean="0"/>
+              <a:rPr lang="en-US" sz="1000" baseline="0" dirty="0" smtClean="0"/>
               <a:t>. </a:t>
             </a:r>
             <a:r>
-              <a:rPr lang="en-US" baseline="0" dirty="0" err="1" smtClean="0"/>
+              <a:rPr lang="en-US" sz="1000" baseline="0" dirty="0" err="1" smtClean="0"/>
               <a:t>Recuva</a:t>
             </a:r>
-            <a:endParaRPr lang="en-US" dirty="0"/>
+            <a:endParaRPr lang="en-US" sz="1000" dirty="0"/>
           </a:p>
         </p:txBody>
       </p:sp>
@@ -7252,7 +7248,6 @@
               <a:rPr lang="en-US" dirty="0" smtClean="0"/>
               <a:t>ps1</a:t>
             </a:r>
-            <a:endParaRPr lang="en-US" dirty="0" smtClean="0"/>
           </a:p>
           <a:p>
             <a:r>
@@ -7913,7 +7908,6 @@
               <a:rPr lang="en-US" dirty="0" smtClean="0"/>
               <a:t>Custom Packers</a:t>
             </a:r>
-            <a:endParaRPr lang="en-US" dirty="0" smtClean="0"/>
           </a:p>
           <a:p>
             <a:pPr lvl="1"/>
@@ -8774,11 +8768,7 @@
           <a:p>
             <a:r>
               <a:rPr lang="en-US" dirty="0" smtClean="0"/>
-              <a:t>Registry </a:t>
-            </a:r>
-            <a:r>
-              <a:rPr lang="en-US" dirty="0" smtClean="0"/>
-              <a:t>Entries</a:t>
+              <a:t>Registry Entries</a:t>
             </a:r>
           </a:p>
           <a:p>
@@ -8808,11 +8798,7 @@
           <a:p>
             <a:r>
               <a:rPr lang="en-US" dirty="0" smtClean="0"/>
-              <a:t>Encryption </a:t>
-            </a:r>
-            <a:r>
-              <a:rPr lang="en-US" dirty="0" smtClean="0"/>
-              <a:t>Key</a:t>
+              <a:t>Encryption Key</a:t>
             </a:r>
           </a:p>
           <a:p>
@@ -9561,11 +9547,7 @@
             <a:pPr lvl="1"/>
             <a:r>
               <a:rPr lang="en-US" dirty="0" smtClean="0"/>
-              <a:t>File </a:t>
-            </a:r>
-            <a:r>
-              <a:rPr lang="en-US" dirty="0" smtClean="0"/>
-              <a:t>Types</a:t>
+              <a:t>File Types</a:t>
             </a:r>
           </a:p>
           <a:p>
@@ -9590,7 +9572,6 @@
               <a:rPr lang="en-US" dirty="0" smtClean="0"/>
               <a:t>, jpg…</a:t>
             </a:r>
-            <a:endParaRPr lang="en-US" dirty="0" smtClean="0"/>
           </a:p>
           <a:p>
             <a:pPr lvl="1"/>
@@ -9615,7 +9596,6 @@
               <a:rPr lang="en-US" dirty="0" smtClean="0"/>
               <a:t>, crypt, locked, [random]…</a:t>
             </a:r>
-            <a:endParaRPr lang="en-US" dirty="0" smtClean="0"/>
           </a:p>
           <a:p>
             <a:r>
@@ -9651,7 +9631,6 @@
               <a:rPr lang="en-US" dirty="0" smtClean="0"/>
               <a:t>, .sys</a:t>
             </a:r>
-            <a:endParaRPr lang="en-US" dirty="0" smtClean="0"/>
           </a:p>
         </p:txBody>
       </p:sp>
@@ -11255,16 +11234,186 @@
           <a:chExt cx="0" cy="0"/>
         </a:xfrm>
       </p:grpSpPr>
+      <p:sp>
+        <p:nvSpPr>
+          <p:cNvPr id="2" name="Title 1"/>
+          <p:cNvSpPr>
+            <a:spLocks noGrp="1"/>
+          </p:cNvSpPr>
+          <p:nvPr>
+            <p:ph type="title"/>
+          </p:nvPr>
+        </p:nvSpPr>
+        <p:spPr/>
+        <p:txBody>
+          <a:bodyPr/>
+          <a:lstStyle/>
+          <a:p>
+            <a:r>
+              <a:rPr lang="en-US" dirty="0" smtClean="0"/>
+              <a:t>Recovery</a:t>
+            </a:r>
+            <a:endParaRPr lang="en-US" dirty="0"/>
+          </a:p>
+        </p:txBody>
+      </p:sp>
+      <p:sp>
+        <p:nvSpPr>
+          <p:cNvPr id="3" name="Content Placeholder 2"/>
+          <p:cNvSpPr>
+            <a:spLocks noGrp="1"/>
+          </p:cNvSpPr>
+          <p:nvPr>
+            <p:ph idx="1"/>
+          </p:nvPr>
+        </p:nvSpPr>
+        <p:spPr/>
+        <p:txBody>
+          <a:bodyPr>
+            <a:normAutofit/>
+          </a:bodyPr>
+          <a:lstStyle/>
+          <a:p>
+            <a:r>
+              <a:rPr lang="en-US" dirty="0" smtClean="0"/>
+              <a:t>Decryption/Eradication Tools</a:t>
+            </a:r>
+          </a:p>
+          <a:p>
+            <a:pPr lvl="1"/>
+            <a:r>
+              <a:rPr lang="en-US" dirty="0" smtClean="0">
+                <a:hlinkClick r:id="rId3"/>
+              </a:rPr>
+              <a:t>Kaspersky</a:t>
+            </a:r>
+            <a:endParaRPr lang="en-US" dirty="0" smtClean="0"/>
+          </a:p>
+          <a:p>
+            <a:pPr lvl="2"/>
+            <a:r>
+              <a:rPr lang="en-US" dirty="0" err="1" smtClean="0"/>
+              <a:t>WildFire</a:t>
+            </a:r>
+            <a:r>
+              <a:rPr lang="en-US" dirty="0" smtClean="0"/>
+              <a:t>, Shade, </a:t>
+            </a:r>
+            <a:r>
+              <a:rPr lang="en-US" dirty="0" err="1" smtClean="0"/>
+              <a:t>Rakhni</a:t>
+            </a:r>
+            <a:r>
+              <a:rPr lang="en-US" dirty="0" smtClean="0"/>
+              <a:t>, SMASH, </a:t>
+            </a:r>
+            <a:r>
+              <a:rPr lang="en-US" dirty="0" err="1" smtClean="0"/>
+              <a:t>CoinVault</a:t>
+            </a:r>
+            <a:r>
+              <a:rPr lang="en-US" dirty="0" smtClean="0"/>
+              <a:t>, XORIST…</a:t>
+            </a:r>
+          </a:p>
+          <a:p>
+            <a:pPr lvl="1"/>
+            <a:r>
+              <a:rPr lang="en-US" dirty="0" smtClean="0">
+                <a:hlinkClick r:id="rId4"/>
+              </a:rPr>
+              <a:t>TrendMicro</a:t>
+            </a:r>
+            <a:endParaRPr lang="en-US" dirty="0" smtClean="0"/>
+          </a:p>
+          <a:p>
+            <a:pPr lvl="2"/>
+            <a:r>
+              <a:rPr lang="en-US" dirty="0" err="1" smtClean="0"/>
+              <a:t>CryptXXX</a:t>
+            </a:r>
+            <a:r>
+              <a:rPr lang="en-US" dirty="0" smtClean="0"/>
+              <a:t>(1,2,3,4,5), </a:t>
+            </a:r>
+            <a:r>
+              <a:rPr lang="en-US" dirty="0" err="1" smtClean="0"/>
+              <a:t>Crysis</a:t>
+            </a:r>
+            <a:r>
+              <a:rPr lang="en-US" dirty="0" smtClean="0"/>
+              <a:t>, </a:t>
+            </a:r>
+            <a:r>
+              <a:rPr lang="en-US" dirty="0" err="1" smtClean="0"/>
+              <a:t>TeslaCrypt</a:t>
+            </a:r>
+            <a:r>
+              <a:rPr lang="en-US" dirty="0" smtClean="0"/>
+              <a:t>, </a:t>
+            </a:r>
+            <a:r>
+              <a:rPr lang="en-US" dirty="0" err="1" smtClean="0"/>
+              <a:t>Cerber</a:t>
+            </a:r>
+            <a:r>
+              <a:rPr lang="en-US" dirty="0" smtClean="0"/>
+              <a:t> V1, </a:t>
+            </a:r>
+            <a:r>
+              <a:rPr lang="en-US" dirty="0" err="1" smtClean="0"/>
+              <a:t>Nemucod</a:t>
+            </a:r>
+            <a:r>
+              <a:rPr lang="en-US" dirty="0" smtClean="0"/>
+              <a:t>…</a:t>
+            </a:r>
+          </a:p>
+          <a:p>
+            <a:pPr lvl="1"/>
+            <a:r>
+              <a:rPr lang="en-US" dirty="0">
+                <a:hlinkClick r:id="rId5"/>
+              </a:rPr>
+              <a:t>https://</a:t>
+            </a:r>
+            <a:r>
+              <a:rPr lang="en-US" dirty="0" smtClean="0">
+                <a:hlinkClick r:id="rId5"/>
+              </a:rPr>
+              <a:t>www.nomoreransom.org/decryption-tools.html</a:t>
+            </a:r>
+            <a:r>
+              <a:rPr lang="en-US" dirty="0" smtClean="0"/>
+              <a:t> </a:t>
+            </a:r>
+          </a:p>
+          <a:p>
+            <a:r>
+              <a:rPr lang="en-US" dirty="0" smtClean="0"/>
+              <a:t>Recovery tools</a:t>
+            </a:r>
+          </a:p>
+          <a:p>
+            <a:pPr lvl="1"/>
+            <a:r>
+              <a:rPr lang="en-US" dirty="0" err="1" smtClean="0"/>
+              <a:t>Photorec</a:t>
+            </a:r>
+            <a:endParaRPr lang="en-US" dirty="0" smtClean="0"/>
+          </a:p>
+        </p:txBody>
+      </p:sp>
       <p:pic>
         <p:nvPicPr>
-          <p:cNvPr id="6146" name="Picture 2" descr="http://www.keycloud.com/wp-content/uploads/2016/04/Backup-and-Recovery-Clouds.png"/>
+          <p:cNvPr id="1028" name="Picture 4" descr="http://www.filesaversdatarecovery.com/Images/desktop_computer_data_recovery.png"/>
           <p:cNvPicPr>
             <a:picLocks noChangeAspect="1" noChangeArrowheads="1"/>
           </p:cNvPicPr>
           <p:nvPr/>
         </p:nvPicPr>
         <p:blipFill>
-          <a:blip r:embed="rId3">
+          <a:blip r:embed="rId6">
             <a:extLst>
               <a:ext uri="{28A0092B-C50C-407E-A947-70E740481C1C}">
                 <a14:useLocalDpi xmlns:a14="http://schemas.microsoft.com/office/drawing/2010/main" val="0"/>
@@ -11278,8 +11427,8 @@
         </p:blipFill>
         <p:spPr bwMode="auto">
           <a:xfrm>
-            <a:off x="2530548" y="4791996"/>
-            <a:ext cx="6892972" cy="2402405"/>
+            <a:off x="3965945" y="4237896"/>
+            <a:ext cx="3783271" cy="2501337"/>
           </a:xfrm>
           <a:prstGeom prst="rect">
             <a:avLst/>
@@ -11296,176 +11445,6 @@
           </a:extLst>
         </p:spPr>
       </p:pic>
-      <p:sp>
-        <p:nvSpPr>
-          <p:cNvPr id="2" name="Title 1"/>
-          <p:cNvSpPr>
-            <a:spLocks noGrp="1"/>
-          </p:cNvSpPr>
-          <p:nvPr>
-            <p:ph type="title"/>
-          </p:nvPr>
-        </p:nvSpPr>
-        <p:spPr/>
-        <p:txBody>
-          <a:bodyPr/>
-          <a:lstStyle/>
-          <a:p>
-            <a:r>
-              <a:rPr lang="en-US" dirty="0" smtClean="0"/>
-              <a:t>Recovery</a:t>
-            </a:r>
-            <a:endParaRPr lang="en-US" dirty="0"/>
-          </a:p>
-        </p:txBody>
-      </p:sp>
-      <p:sp>
-        <p:nvSpPr>
-          <p:cNvPr id="3" name="Content Placeholder 2"/>
-          <p:cNvSpPr>
-            <a:spLocks noGrp="1"/>
-          </p:cNvSpPr>
-          <p:nvPr>
-            <p:ph idx="1"/>
-          </p:nvPr>
-        </p:nvSpPr>
-        <p:spPr/>
-        <p:txBody>
-          <a:bodyPr>
-            <a:normAutofit/>
-          </a:bodyPr>
-          <a:lstStyle/>
-          <a:p>
-            <a:r>
-              <a:rPr lang="en-US" dirty="0" smtClean="0"/>
-              <a:t>Decryption/Eradication Tools</a:t>
-            </a:r>
-          </a:p>
-          <a:p>
-            <a:pPr lvl="1"/>
-            <a:r>
-              <a:rPr lang="en-US" dirty="0" smtClean="0">
-                <a:hlinkClick r:id="rId4"/>
-              </a:rPr>
-              <a:t>Kaspersky</a:t>
-            </a:r>
-            <a:endParaRPr lang="en-US" dirty="0" smtClean="0"/>
-          </a:p>
-          <a:p>
-            <a:pPr lvl="2"/>
-            <a:r>
-              <a:rPr lang="en-US" dirty="0" err="1" smtClean="0"/>
-              <a:t>WildFire</a:t>
-            </a:r>
-            <a:r>
-              <a:rPr lang="en-US" dirty="0" smtClean="0"/>
-              <a:t>, Shade, </a:t>
-            </a:r>
-            <a:r>
-              <a:rPr lang="en-US" dirty="0" err="1" smtClean="0"/>
-              <a:t>Rakhni</a:t>
-            </a:r>
-            <a:r>
-              <a:rPr lang="en-US" dirty="0" smtClean="0"/>
-              <a:t>, SMASH, </a:t>
-            </a:r>
-            <a:r>
-              <a:rPr lang="en-US" dirty="0" err="1" smtClean="0"/>
-              <a:t>CoinVault</a:t>
-            </a:r>
-            <a:r>
-              <a:rPr lang="en-US" dirty="0" smtClean="0"/>
-              <a:t>, XORIST…</a:t>
-            </a:r>
-          </a:p>
-          <a:p>
-            <a:pPr lvl="1"/>
-            <a:r>
-              <a:rPr lang="en-US" dirty="0" smtClean="0">
-                <a:hlinkClick r:id="rId5"/>
-              </a:rPr>
-              <a:t>TrendMicro</a:t>
-            </a:r>
-            <a:endParaRPr lang="en-US" dirty="0" smtClean="0"/>
-          </a:p>
-          <a:p>
-            <a:pPr lvl="2"/>
-            <a:r>
-              <a:rPr lang="en-US" dirty="0" err="1" smtClean="0"/>
-              <a:t>CryptXXX</a:t>
-            </a:r>
-            <a:r>
-              <a:rPr lang="en-US" dirty="0" smtClean="0"/>
-              <a:t>(1,2,3,4,5), </a:t>
-            </a:r>
-            <a:r>
-              <a:rPr lang="en-US" dirty="0" err="1" smtClean="0"/>
-              <a:t>Crysis</a:t>
-            </a:r>
-            <a:r>
-              <a:rPr lang="en-US" dirty="0" smtClean="0"/>
-              <a:t>, </a:t>
-            </a:r>
-            <a:r>
-              <a:rPr lang="en-US" dirty="0" err="1" smtClean="0"/>
-              <a:t>TeslaCrypt</a:t>
-            </a:r>
-            <a:r>
-              <a:rPr lang="en-US" dirty="0" smtClean="0"/>
-              <a:t>, </a:t>
-            </a:r>
-            <a:r>
-              <a:rPr lang="en-US" dirty="0" err="1" smtClean="0"/>
-              <a:t>Cerber</a:t>
-            </a:r>
-            <a:r>
-              <a:rPr lang="en-US" dirty="0" smtClean="0"/>
-              <a:t> V1, </a:t>
-            </a:r>
-            <a:r>
-              <a:rPr lang="en-US" dirty="0" err="1" smtClean="0"/>
-              <a:t>Nemucod</a:t>
-            </a:r>
-            <a:r>
-              <a:rPr lang="en-US" dirty="0" smtClean="0"/>
-              <a:t>…</a:t>
-            </a:r>
-          </a:p>
-          <a:p>
-            <a:pPr lvl="1"/>
-            <a:r>
-              <a:rPr lang="en-US" dirty="0">
-                <a:hlinkClick r:id="rId6"/>
-              </a:rPr>
-              <a:t>https://</a:t>
-            </a:r>
-            <a:r>
-              <a:rPr lang="en-US" dirty="0" smtClean="0">
-                <a:hlinkClick r:id="rId6"/>
-              </a:rPr>
-              <a:t>www.nomoreransom.org/decryption-tools.html</a:t>
-            </a:r>
-            <a:r>
-              <a:rPr lang="en-US" dirty="0" smtClean="0"/>
-              <a:t> </a:t>
-            </a:r>
-          </a:p>
-          <a:p>
-            <a:r>
-              <a:rPr lang="en-US" dirty="0" smtClean="0"/>
-              <a:t>Recovery tools</a:t>
-            </a:r>
-          </a:p>
-          <a:p>
-            <a:pPr lvl="1"/>
-            <a:r>
-              <a:rPr lang="en-US" dirty="0" err="1" smtClean="0"/>
-              <a:t>Photorec</a:t>
-            </a:r>
-            <a:endParaRPr lang="en-US" dirty="0" smtClean="0"/>
-          </a:p>
-        </p:txBody>
-      </p:sp>
     </p:spTree>
     <p:extLst>
       <p:ext uri="{BB962C8B-B14F-4D97-AF65-F5344CB8AC3E}">
@@ -11912,9 +11891,118 @@
           <a:chExt cx="0" cy="0"/>
         </a:xfrm>
       </p:grpSpPr>
+      <p:sp>
+        <p:nvSpPr>
+          <p:cNvPr id="2" name="Title 1"/>
+          <p:cNvSpPr>
+            <a:spLocks noGrp="1"/>
+          </p:cNvSpPr>
+          <p:nvPr>
+            <p:ph type="title"/>
+          </p:nvPr>
+        </p:nvSpPr>
+        <p:spPr/>
+        <p:txBody>
+          <a:bodyPr/>
+          <a:lstStyle/>
+          <a:p>
+            <a:r>
+              <a:rPr lang="en-US" dirty="0" smtClean="0"/>
+              <a:t>Education</a:t>
+            </a:r>
+            <a:endParaRPr lang="en-US" dirty="0"/>
+          </a:p>
+        </p:txBody>
+      </p:sp>
+      <p:sp>
+        <p:nvSpPr>
+          <p:cNvPr id="3" name="Content Placeholder 2"/>
+          <p:cNvSpPr>
+            <a:spLocks noGrp="1"/>
+          </p:cNvSpPr>
+          <p:nvPr>
+            <p:ph idx="1"/>
+          </p:nvPr>
+        </p:nvSpPr>
+        <p:spPr/>
+        <p:txBody>
+          <a:bodyPr/>
+          <a:lstStyle/>
+          <a:p>
+            <a:r>
+              <a:rPr lang="en-US" dirty="0" smtClean="0"/>
+              <a:t>Avoid </a:t>
+            </a:r>
+            <a:r>
+              <a:rPr lang="en-US" dirty="0" smtClean="0"/>
+              <a:t>ransomware</a:t>
+            </a:r>
+          </a:p>
+          <a:p>
+            <a:pPr lvl="1"/>
+            <a:r>
+              <a:rPr lang="en-US" dirty="0" smtClean="0"/>
+              <a:t>Don’t click</a:t>
+            </a:r>
+            <a:endParaRPr lang="en-US" dirty="0" smtClean="0"/>
+          </a:p>
+          <a:p>
+            <a:r>
+              <a:rPr lang="en-US" dirty="0" smtClean="0"/>
+              <a:t>Unplug immediately</a:t>
+            </a:r>
+            <a:endParaRPr lang="en-US" dirty="0"/>
+          </a:p>
+          <a:p>
+            <a:r>
+              <a:rPr lang="en-US" dirty="0" smtClean="0"/>
+              <a:t>Don’t pay</a:t>
+            </a:r>
+          </a:p>
+          <a:p>
+            <a:r>
+              <a:rPr lang="en-US" dirty="0" smtClean="0"/>
+              <a:t>Backup</a:t>
+            </a:r>
+            <a:endParaRPr lang="en-US" dirty="0"/>
+          </a:p>
+          <a:p>
+            <a:pPr lvl="1"/>
+            <a:r>
+              <a:rPr lang="en-US" dirty="0"/>
+              <a:t>Disconnected</a:t>
+            </a:r>
+          </a:p>
+          <a:p>
+            <a:pPr lvl="1"/>
+            <a:r>
+              <a:rPr lang="en-US" dirty="0"/>
+              <a:t>Full </a:t>
+            </a:r>
+            <a:r>
+              <a:rPr lang="en-US" dirty="0" smtClean="0"/>
+              <a:t>Snapshots</a:t>
+            </a:r>
+          </a:p>
+          <a:p>
+            <a:pPr lvl="1"/>
+            <a:r>
+              <a:rPr lang="en-US" dirty="0" smtClean="0"/>
+              <a:t>Offline restoration</a:t>
+            </a:r>
+          </a:p>
+          <a:p>
+            <a:r>
+              <a:rPr lang="en-US" dirty="0" smtClean="0"/>
+              <a:t>Update</a:t>
+            </a:r>
+            <a:endParaRPr lang="en-US" dirty="0"/>
+          </a:p>
+        </p:txBody>
+      </p:sp>
       <p:pic>
         <p:nvPicPr>
-          <p:cNvPr id="9218" name="Picture 2" descr="http://kingofwallpapers.com/end/end-004.jpg"/>
+          <p:cNvPr id="2050" name="Picture 2" descr="http://www.90minds.com/wp-content/uploads/2013/06/no-backup.png"/>
           <p:cNvPicPr>
             <a:picLocks noChangeAspect="1" noChangeArrowheads="1"/>
           </p:cNvPicPr>
@@ -11935,8 +12023,8 @@
         </p:blipFill>
         <p:spPr bwMode="auto">
           <a:xfrm>
-            <a:off x="2580537" y="2508187"/>
-            <a:ext cx="5308822" cy="2986213"/>
+            <a:off x="4259742" y="2706798"/>
+            <a:ext cx="4485249" cy="3349920"/>
           </a:xfrm>
           <a:prstGeom prst="rect">
             <a:avLst/>
@@ -11953,99 +12041,6 @@
           </a:extLst>
         </p:spPr>
       </p:pic>
-      <p:sp>
-        <p:nvSpPr>
-          <p:cNvPr id="2" name="Title 1"/>
-          <p:cNvSpPr>
-            <a:spLocks noGrp="1"/>
-          </p:cNvSpPr>
-          <p:nvPr>
-            <p:ph type="title"/>
-          </p:nvPr>
-        </p:nvSpPr>
-        <p:spPr/>
-        <p:txBody>
-          <a:bodyPr/>
-          <a:lstStyle/>
-          <a:p>
-            <a:r>
-              <a:rPr lang="en-US" dirty="0"/>
-              <a:t>END</a:t>
-            </a:r>
-            <a:endParaRPr lang="en-US" dirty="0"/>
-          </a:p>
-        </p:txBody>
-      </p:sp>
-      <p:sp>
-        <p:nvSpPr>
-          <p:cNvPr id="3" name="Content Placeholder 2"/>
-          <p:cNvSpPr>
-            <a:spLocks noGrp="1"/>
-          </p:cNvSpPr>
-          <p:nvPr>
-            <p:ph idx="1"/>
-          </p:nvPr>
-        </p:nvSpPr>
-        <p:spPr/>
-        <p:txBody>
-          <a:bodyPr/>
-          <a:lstStyle/>
-          <a:p>
-            <a:r>
-              <a:rPr lang="en-US" dirty="0" smtClean="0"/>
-              <a:t>Avoid ransomware</a:t>
-            </a:r>
-          </a:p>
-          <a:p>
-            <a:r>
-              <a:rPr lang="en-US" dirty="0" smtClean="0"/>
-              <a:t>Unplug immediately</a:t>
-            </a:r>
-            <a:endParaRPr lang="en-US" dirty="0"/>
-          </a:p>
-          <a:p>
-            <a:r>
-              <a:rPr lang="en-US" dirty="0" smtClean="0"/>
-              <a:t>Don’t pay</a:t>
-            </a:r>
-          </a:p>
-          <a:p>
-            <a:r>
-              <a:rPr lang="en-US" dirty="0" smtClean="0"/>
-              <a:t>Backup</a:t>
-            </a:r>
-            <a:endParaRPr lang="en-US" dirty="0"/>
-          </a:p>
-          <a:p>
-            <a:pPr lvl="1"/>
-            <a:r>
-              <a:rPr lang="en-US" dirty="0"/>
-              <a:t>Disconnected</a:t>
-            </a:r>
-          </a:p>
-          <a:p>
-            <a:pPr lvl="1"/>
-            <a:r>
-              <a:rPr lang="en-US" dirty="0"/>
-              <a:t>Full </a:t>
-            </a:r>
-            <a:r>
-              <a:rPr lang="en-US" dirty="0" smtClean="0"/>
-              <a:t>Snapshots</a:t>
-            </a:r>
-          </a:p>
-          <a:p>
-            <a:pPr lvl="1"/>
-            <a:r>
-              <a:rPr lang="en-US" dirty="0" smtClean="0"/>
-              <a:t>Offline restoration</a:t>
-            </a:r>
-          </a:p>
-          <a:p>
-            <a:endParaRPr lang="en-US" dirty="0"/>
-          </a:p>
-        </p:txBody>
-      </p:sp>
     </p:spTree>
     <p:extLst>
       <p:ext uri="{BB962C8B-B14F-4D97-AF65-F5344CB8AC3E}">
@@ -12122,33 +12117,15 @@
                                   </p:childTnLst>
                                 </p:cTn>
                               </p:par>
-                            </p:childTnLst>
-                          </p:cTn>
-                        </p:par>
-                      </p:childTnLst>
-                    </p:cTn>
-                  </p:par>
-                  <p:par>
-                    <p:cTn id="8" fill="hold">
-                      <p:stCondLst>
-                        <p:cond delay="indefinite"/>
-                      </p:stCondLst>
-                      <p:childTnLst>
-                        <p:par>
-                          <p:cTn id="9" fill="hold">
-                            <p:stCondLst>
-                              <p:cond delay="0"/>
-                            </p:stCondLst>
-                            <p:childTnLst>
                               <p:par>
-                                <p:cTn id="10" presetID="10" presetClass="entr" presetSubtype="0" fill="hold" grpId="0" nodeType="clickEffect">
+                                <p:cTn id="8" presetID="10" presetClass="entr" presetSubtype="0" fill="hold" grpId="0" nodeType="withEffect">
                                   <p:stCondLst>
                                     <p:cond delay="0"/>
                                   </p:stCondLst>
                                   <p:childTnLst>
                                     <p:set>
                                       <p:cBhvr>
-                                        <p:cTn id="11" dur="1" fill="hold">
+                                        <p:cTn id="9" dur="1" fill="hold">
                                           <p:stCondLst>
                                             <p:cond delay="0"/>
                                           </p:stCondLst>
@@ -12170,7 +12147,7 @@
                                     </p:set>
                                     <p:animEffect transition="in" filter="fade">
                                       <p:cBhvr>
-                                        <p:cTn id="12" dur="500"/>
+                                        <p:cTn id="10" dur="500"/>
                                         <p:tgtEl>
                                           <p:spTgt spid="3">
                                             <p:txEl>
@@ -12190,26 +12167,26 @@
                     </p:cTn>
                   </p:par>
                   <p:par>
-                    <p:cTn id="13" fill="hold">
+                    <p:cTn id="11" fill="hold">
                       <p:stCondLst>
                         <p:cond delay="indefinite"/>
                       </p:stCondLst>
                       <p:childTnLst>
                         <p:par>
-                          <p:cTn id="14" fill="hold">
+                          <p:cTn id="12" fill="hold">
                             <p:stCondLst>
                               <p:cond delay="0"/>
                             </p:stCondLst>
                             <p:childTnLst>
                               <p:par>
-                                <p:cTn id="15" presetID="10" presetClass="entr" presetSubtype="0" fill="hold" grpId="0" nodeType="clickEffect">
+                                <p:cTn id="13" presetID="10" presetClass="entr" presetSubtype="0" fill="hold" grpId="0" nodeType="clickEffect">
                                   <p:stCondLst>
                                     <p:cond delay="0"/>
                                   </p:stCondLst>
                                   <p:childTnLst>
                                     <p:set>
                                       <p:cBhvr>
-                                        <p:cTn id="16" dur="1" fill="hold">
+                                        <p:cTn id="14" dur="1" fill="hold">
                                           <p:stCondLst>
                                             <p:cond delay="0"/>
                                           </p:stCondLst>
@@ -12231,7 +12208,7 @@
                                     </p:set>
                                     <p:animEffect transition="in" filter="fade">
                                       <p:cBhvr>
-                                        <p:cTn id="17" dur="500"/>
+                                        <p:cTn id="15" dur="500"/>
                                         <p:tgtEl>
                                           <p:spTgt spid="3">
                                             <p:txEl>
@@ -12251,26 +12228,26 @@
                     </p:cTn>
                   </p:par>
                   <p:par>
-                    <p:cTn id="18" fill="hold">
+                    <p:cTn id="16" fill="hold">
                       <p:stCondLst>
                         <p:cond delay="indefinite"/>
                       </p:stCondLst>
                       <p:childTnLst>
                         <p:par>
-                          <p:cTn id="19" fill="hold">
+                          <p:cTn id="17" fill="hold">
                             <p:stCondLst>
                               <p:cond delay="0"/>
                             </p:stCondLst>
                             <p:childTnLst>
                               <p:par>
-                                <p:cTn id="20" presetID="10" presetClass="entr" presetSubtype="0" fill="hold" grpId="0" nodeType="clickEffect">
+                                <p:cTn id="18" presetID="10" presetClass="entr" presetSubtype="0" fill="hold" grpId="0" nodeType="clickEffect">
                                   <p:stCondLst>
                                     <p:cond delay="0"/>
                                   </p:stCondLst>
                                   <p:childTnLst>
                                     <p:set>
                                       <p:cBhvr>
-                                        <p:cTn id="21" dur="1" fill="hold">
+                                        <p:cTn id="19" dur="1" fill="hold">
                                           <p:stCondLst>
                                             <p:cond delay="0"/>
                                           </p:stCondLst>
@@ -12292,7 +12269,7 @@
                                     </p:set>
                                     <p:animEffect transition="in" filter="fade">
                                       <p:cBhvr>
-                                        <p:cTn id="22" dur="500"/>
+                                        <p:cTn id="20" dur="500"/>
                                         <p:tgtEl>
                                           <p:spTgt spid="3">
                                             <p:txEl>
@@ -12305,8 +12282,26 @@
                                   </p:childTnLst>
                                 </p:cTn>
                               </p:par>
+                            </p:childTnLst>
+                          </p:cTn>
+                        </p:par>
+                      </p:childTnLst>
+                    </p:cTn>
+                  </p:par>
+                  <p:par>
+                    <p:cTn id="21" fill="hold">
+                      <p:stCondLst>
+                        <p:cond delay="indefinite"/>
+                      </p:stCondLst>
+                      <p:childTnLst>
+                        <p:par>
+                          <p:cTn id="22" fill="hold">
+                            <p:stCondLst>
+                              <p:cond delay="0"/>
+                            </p:stCondLst>
+                            <p:childTnLst>
                               <p:par>
-                                <p:cTn id="23" presetID="10" presetClass="entr" presetSubtype="0" fill="hold" grpId="0" nodeType="withEffect">
+                                <p:cTn id="23" presetID="10" presetClass="entr" presetSubtype="0" fill="hold" grpId="0" nodeType="clickEffect">
                                   <p:stCondLst>
                                     <p:cond delay="0"/>
                                   </p:stCondLst>
@@ -12426,6 +12421,110 @@
                                           <p:spTgt spid="3">
                                             <p:txEl>
                                               <p:pRg st="6" end="6"/>
+                                            </p:txEl>
+                                          </p:spTgt>
+                                        </p:tgtEl>
+                                      </p:cBhvr>
+                                    </p:animEffect>
+                                  </p:childTnLst>
+                                </p:cTn>
+                              </p:par>
+                              <p:par>
+                                <p:cTn id="32" presetID="10" presetClass="entr" presetSubtype="0" fill="hold" grpId="0" nodeType="withEffect">
+                                  <p:stCondLst>
+                                    <p:cond delay="0"/>
+                                  </p:stCondLst>
+                                  <p:childTnLst>
+                                    <p:set>
+                                      <p:cBhvr>
+                                        <p:cTn id="33" dur="1" fill="hold">
+                                          <p:stCondLst>
+                                            <p:cond delay="0"/>
+                                          </p:stCondLst>
+                                        </p:cTn>
+                                        <p:tgtEl>
+                                          <p:spTgt spid="3">
+                                            <p:txEl>
+                                              <p:pRg st="7" end="7"/>
+                                            </p:txEl>
+                                          </p:spTgt>
+                                        </p:tgtEl>
+                                        <p:attrNameLst>
+                                          <p:attrName>style.visibility</p:attrName>
+                                        </p:attrNameLst>
+                                      </p:cBhvr>
+                                      <p:to>
+                                        <p:strVal val="visible"/>
+                                      </p:to>
+                                    </p:set>
+                                    <p:animEffect transition="in" filter="fade">
+                                      <p:cBhvr>
+                                        <p:cTn id="34" dur="500"/>
+                                        <p:tgtEl>
+                                          <p:spTgt spid="3">
+                                            <p:txEl>
+                                              <p:pRg st="7" end="7"/>
+                                            </p:txEl>
+                                          </p:spTgt>
+                                        </p:tgtEl>
+                                      </p:cBhvr>
+                                    </p:animEffect>
+                                  </p:childTnLst>
+                                </p:cTn>
+                              </p:par>
+                            </p:childTnLst>
+                          </p:cTn>
+                        </p:par>
+                      </p:childTnLst>
+                    </p:cTn>
+                  </p:par>
+                  <p:par>
+                    <p:cTn id="35" fill="hold">
+                      <p:stCondLst>
+                        <p:cond delay="indefinite"/>
+                      </p:stCondLst>
+                      <p:childTnLst>
+                        <p:par>
+                          <p:cTn id="36" fill="hold">
+                            <p:stCondLst>
+                              <p:cond delay="0"/>
+                            </p:stCondLst>
+                            <p:childTnLst>
+                              <p:par>
+                                <p:cTn id="37" presetID="10" presetClass="entr" presetSubtype="0" fill="hold" grpId="0" nodeType="clickEffect">
+                                  <p:stCondLst>
+                                    <p:cond delay="0"/>
+                                  </p:stCondLst>
+                                  <p:childTnLst>
+                                    <p:set>
+                                      <p:cBhvr>
+                                        <p:cTn id="38" dur="1" fill="hold">
+                                          <p:stCondLst>
+                                            <p:cond delay="0"/>
+                                          </p:stCondLst>
+                                        </p:cTn>
+                                        <p:tgtEl>
+                                          <p:spTgt spid="3">
+                                            <p:txEl>
+                                              <p:pRg st="8" end="8"/>
+                                            </p:txEl>
+                                          </p:spTgt>
+                                        </p:tgtEl>
+                                        <p:attrNameLst>
+                                          <p:attrName>style.visibility</p:attrName>
+                                        </p:attrNameLst>
+                                      </p:cBhvr>
+                                      <p:to>
+                                        <p:strVal val="visible"/>
+                                      </p:to>
+                                    </p:set>
+                                    <p:animEffect transition="in" filter="fade">
+                                      <p:cBhvr>
+                                        <p:cTn id="39" dur="500"/>
+                                        <p:tgtEl>
+                                          <p:spTgt spid="3">
+                                            <p:txEl>
+                                              <p:pRg st="8" end="8"/>
                                             </p:txEl>
                                           </p:spTgt>
                                         </p:tgtEl>
@@ -12485,51 +12584,9 @@
           <a:chExt cx="0" cy="0"/>
         </a:xfrm>
       </p:grpSpPr>
-      <p:sp>
-        <p:nvSpPr>
-          <p:cNvPr id="2" name="Title 1"/>
-          <p:cNvSpPr>
-            <a:spLocks noGrp="1"/>
-          </p:cNvSpPr>
-          <p:nvPr>
-            <p:ph type="title"/>
-          </p:nvPr>
-        </p:nvSpPr>
-        <p:spPr/>
-        <p:txBody>
-          <a:bodyPr/>
-          <a:lstStyle/>
-          <a:p>
-            <a:endParaRPr lang="en-US" dirty="0"/>
-          </a:p>
-        </p:txBody>
-      </p:sp>
-      <p:sp>
-        <p:nvSpPr>
-          <p:cNvPr id="3" name="Content Placeholder 2"/>
-          <p:cNvSpPr>
-            <a:spLocks noGrp="1"/>
-          </p:cNvSpPr>
-          <p:nvPr>
-            <p:ph idx="1"/>
-          </p:nvPr>
-        </p:nvSpPr>
-        <p:spPr/>
-        <p:txBody>
-          <a:bodyPr/>
-          <a:lstStyle/>
-          <a:p>
-            <a:r>
-              <a:rPr lang="en-US" dirty="0" smtClean="0"/>
-              <a:t>Questions?</a:t>
-            </a:r>
-            <a:endParaRPr lang="en-US" dirty="0"/>
-          </a:p>
-        </p:txBody>
-      </p:sp>
       <p:pic>
         <p:nvPicPr>
-          <p:cNvPr id="5" name="Picture 2" descr="http://7te.org/images/570x363/pc-gamer-wallpaper-desktop-image-3734.jpg"/>
+          <p:cNvPr id="6" name="Picture 2" descr="http://kingofwallpapers.com/end/end-004.jpg"/>
           <p:cNvPicPr>
             <a:picLocks noChangeAspect="1" noChangeArrowheads="1"/>
           </p:cNvPicPr>
@@ -12550,7 +12607,67 @@
         </p:blipFill>
         <p:spPr bwMode="auto">
           <a:xfrm>
-            <a:off x="1857375" y="2581384"/>
+            <a:off x="3820891" y="0"/>
+            <a:ext cx="5308822" cy="2986213"/>
+          </a:xfrm>
+          <a:prstGeom prst="rect">
+            <a:avLst/>
+          </a:prstGeom>
+          <a:noFill/>
+          <a:extLst>
+            <a:ext uri="{909E8E84-426E-40DD-AFC4-6F175D3DCCD1}">
+              <a14:hiddenFill xmlns:a14="http://schemas.microsoft.com/office/drawing/2010/main">
+                <a:solidFill>
+                  <a:srgbClr val="FFFFFF"/>
+                </a:solidFill>
+              </a14:hiddenFill>
+            </a:ext>
+          </a:extLst>
+        </p:spPr>
+      </p:pic>
+      <p:sp>
+        <p:nvSpPr>
+          <p:cNvPr id="3" name="Content Placeholder 2"/>
+          <p:cNvSpPr>
+            <a:spLocks noGrp="1"/>
+          </p:cNvSpPr>
+          <p:nvPr>
+            <p:ph idx="1"/>
+          </p:nvPr>
+        </p:nvSpPr>
+        <p:spPr/>
+        <p:txBody>
+          <a:bodyPr/>
+          <a:lstStyle/>
+          <a:p>
+            <a:endParaRPr lang="en-US" dirty="0"/>
+          </a:p>
+        </p:txBody>
+      </p:sp>
+      <p:pic>
+        <p:nvPicPr>
+          <p:cNvPr id="5" name="Picture 2" descr="http://7te.org/images/570x363/pc-gamer-wallpaper-desktop-image-3734.jpg"/>
+          <p:cNvPicPr>
+            <a:picLocks noChangeAspect="1" noChangeArrowheads="1"/>
+          </p:cNvPicPr>
+          <p:nvPr/>
+        </p:nvPicPr>
+        <p:blipFill>
+          <a:blip r:embed="rId3">
+            <a:extLst>
+              <a:ext uri="{28A0092B-C50C-407E-A947-70E740481C1C}">
+                <a14:useLocalDpi xmlns:a14="http://schemas.microsoft.com/office/drawing/2010/main" val="0"/>
+              </a:ext>
+            </a:extLst>
+          </a:blip>
+          <a:srcRect/>
+          <a:stretch>
+            <a:fillRect/>
+          </a:stretch>
+        </p:blipFill>
+        <p:spPr bwMode="auto">
+          <a:xfrm>
+            <a:off x="1857375" y="3035521"/>
             <a:ext cx="5429250" cy="3457576"/>
           </a:xfrm>
           <a:prstGeom prst="rect">
@@ -12568,6 +12685,63 @@
           </a:extLst>
         </p:spPr>
       </p:pic>
+      <p:sp>
+        <p:nvSpPr>
+          <p:cNvPr id="7" name="Cloud Callout 6"/>
+          <p:cNvSpPr/>
+          <p:nvPr/>
+        </p:nvSpPr>
+        <p:spPr>
+          <a:xfrm>
+            <a:off x="5124892" y="3035521"/>
+            <a:ext cx="1967023" cy="868118"/>
+          </a:xfrm>
+          <a:prstGeom prst="cloudCallout">
+            <a:avLst>
+              <a:gd name="adj1" fmla="val -18872"/>
+              <a:gd name="adj2" fmla="val 96090"/>
+            </a:avLst>
+          </a:prstGeom>
+          <a:solidFill>
+            <a:schemeClr val="tx2">
+              <a:lumMod val="25000"/>
+            </a:schemeClr>
+          </a:solidFill>
+          <a:ln>
+            <a:solidFill>
+              <a:srgbClr val="FF0000"/>
+            </a:solidFill>
+          </a:ln>
+        </p:spPr>
+        <p:style>
+          <a:lnRef idx="2">
+            <a:schemeClr val="accent1">
+              <a:shade val="50000"/>
+            </a:schemeClr>
+          </a:lnRef>
+          <a:fillRef idx="1">
+            <a:schemeClr val="accent1"/>
+          </a:fillRef>
+          <a:effectRef idx="0">
+            <a:schemeClr val="accent1"/>
+          </a:effectRef>
+          <a:fontRef idx="minor">
+            <a:schemeClr val="lt1"/>
+          </a:fontRef>
+        </p:style>
+        <p:txBody>
+          <a:bodyPr rtlCol="0" anchor="ctr"/>
+          <a:lstStyle/>
+          <a:p>
+            <a:pPr algn="ctr"/>
+            <a:r>
+              <a:rPr lang="en-US" dirty="0" smtClean="0"/>
+              <a:t>Question?</a:t>
+            </a:r>
+            <a:endParaRPr lang="en-US" dirty="0"/>
+          </a:p>
+        </p:txBody>
+      </p:sp>
     </p:spTree>
     <p:extLst>
       <p:ext uri="{BB962C8B-B14F-4D97-AF65-F5344CB8AC3E}">
